--- a/The Library Problem.pptx
+++ b/The Library Problem.pptx
@@ -7,6 +7,8 @@
   <p:sldIdLst>
     <p:sldId id="256" r:id="rId2"/>
     <p:sldId id="257" r:id="rId3"/>
+    <p:sldId id="258" r:id="rId4"/>
+    <p:sldId id="259" r:id="rId5"/>
   </p:sldIdLst>
   <p:sldSz cx="12192000" cy="6858000"/>
   <p:notesSz cx="6858000" cy="9144000"/>
@@ -105,6 +107,11 @@
       </a:defRPr>
     </a:lvl9pPr>
   </p:defaultTextStyle>
+  <p:extLst>
+    <p:ext uri="{EFAFB233-063F-42B5-8137-9DF3F51BA10A}">
+      <p15:sldGuideLst xmlns:p15="http://schemas.microsoft.com/office/powerpoint/2012/main"/>
+    </p:ext>
+  </p:extLst>
 </p:presentation>
 </file>
 
@@ -3467,7 +3474,46 @@
           <a:bodyPr/>
           <a:lstStyle/>
           <a:p>
-            <a:endParaRPr lang="en-US"/>
+            <a:r>
+              <a:rPr lang="en-US" dirty="0"/>
+              <a:t>A major part of many technical interviews</a:t>
+            </a:r>
+          </a:p>
+          <a:p>
+            <a:r>
+              <a:rPr lang="en-US" dirty="0"/>
+              <a:t>Companies are looking for skills in programming</a:t>
+            </a:r>
+          </a:p>
+          <a:p>
+            <a:r>
+              <a:rPr lang="en-US" dirty="0"/>
+              <a:t>But also how well the programmer will fit into the team</a:t>
+            </a:r>
+          </a:p>
+          <a:p>
+            <a:r>
+              <a:rPr lang="en-US" dirty="0"/>
+              <a:t>Basic algorithmic thinking is important</a:t>
+            </a:r>
+          </a:p>
+          <a:p>
+            <a:r>
+              <a:rPr lang="en-US" dirty="0"/>
+              <a:t>As is some knowledge of data structures</a:t>
+            </a:r>
+          </a:p>
+          <a:p>
+            <a:r>
+              <a:rPr lang="en-US" dirty="0"/>
+              <a:t>In some cases, specific skills will have been called out in the job description</a:t>
+            </a:r>
+          </a:p>
+          <a:p>
+            <a:r>
+              <a:rPr lang="en-US" dirty="0"/>
+              <a:t>But the exact programming language you use may not matter</a:t>
+            </a:r>
           </a:p>
         </p:txBody>
       </p:sp>
@@ -3475,6 +3521,262 @@
     <p:extLst>
       <p:ext uri="{BB962C8B-B14F-4D97-AF65-F5344CB8AC3E}">
         <p14:creationId xmlns:p14="http://schemas.microsoft.com/office/powerpoint/2010/main" val="563944808"/>
+      </p:ext>
+    </p:extLst>
+  </p:cSld>
+  <p:clrMapOvr>
+    <a:masterClrMapping/>
+  </p:clrMapOvr>
+</p:sld>
+</file>
+
+<file path=ppt/slides/slide3.xml><?xml version="1.0" encoding="utf-8"?>
+<p:sld xmlns:a="http://schemas.openxmlformats.org/drawingml/2006/main" xmlns:r="http://schemas.openxmlformats.org/officeDocument/2006/relationships" xmlns:p="http://schemas.openxmlformats.org/presentationml/2006/main">
+  <p:cSld>
+    <p:spTree>
+      <p:nvGrpSpPr>
+        <p:cNvPr id="1" name=""/>
+        <p:cNvGrpSpPr/>
+        <p:nvPr/>
+      </p:nvGrpSpPr>
+      <p:grpSpPr>
+        <a:xfrm>
+          <a:off x="0" y="0"/>
+          <a:ext cx="0" cy="0"/>
+          <a:chOff x="0" y="0"/>
+          <a:chExt cx="0" cy="0"/>
+        </a:xfrm>
+      </p:grpSpPr>
+      <p:sp>
+        <p:nvSpPr>
+          <p:cNvPr id="2" name="Title 1">
+            <a:extLst>
+              <a:ext uri="{FF2B5EF4-FFF2-40B4-BE49-F238E27FC236}">
+                <a16:creationId xmlns:a16="http://schemas.microsoft.com/office/drawing/2014/main" id="{066EAD34-D01E-450B-856B-5A992607A28E}"/>
+              </a:ext>
+            </a:extLst>
+          </p:cNvPr>
+          <p:cNvSpPr>
+            <a:spLocks noGrp="1"/>
+          </p:cNvSpPr>
+          <p:nvPr>
+            <p:ph type="title"/>
+          </p:nvPr>
+        </p:nvSpPr>
+        <p:spPr/>
+        <p:txBody>
+          <a:bodyPr/>
+          <a:lstStyle/>
+          <a:p>
+            <a:r>
+              <a:rPr lang="en-US" dirty="0"/>
+              <a:t>As the Interviewer</a:t>
+            </a:r>
+          </a:p>
+        </p:txBody>
+      </p:sp>
+      <p:sp>
+        <p:nvSpPr>
+          <p:cNvPr id="3" name="Content Placeholder 2">
+            <a:extLst>
+              <a:ext uri="{FF2B5EF4-FFF2-40B4-BE49-F238E27FC236}">
+                <a16:creationId xmlns:a16="http://schemas.microsoft.com/office/drawing/2014/main" id="{F75E7522-1880-481F-9EA3-599CFD36C3B2}"/>
+              </a:ext>
+            </a:extLst>
+          </p:cNvPr>
+          <p:cNvSpPr>
+            <a:spLocks noGrp="1"/>
+          </p:cNvSpPr>
+          <p:nvPr>
+            <p:ph idx="1"/>
+          </p:nvPr>
+        </p:nvSpPr>
+        <p:spPr/>
+        <p:txBody>
+          <a:bodyPr/>
+          <a:lstStyle/>
+          <a:p>
+            <a:r>
+              <a:rPr lang="en-US" dirty="0"/>
+              <a:t>They are looking for how you solve problems as much as your particular solution in the interview</a:t>
+            </a:r>
+          </a:p>
+          <a:p>
+            <a:r>
+              <a:rPr lang="en-US" dirty="0"/>
+              <a:t>They are willing to clarify the problem – in fact, many questions are intentionally a little ambiguous</a:t>
+            </a:r>
+          </a:p>
+          <a:p>
+            <a:r>
+              <a:rPr lang="en-US" dirty="0"/>
+              <a:t>They are expecting you to ask questions</a:t>
+            </a:r>
+          </a:p>
+          <a:p>
+            <a:r>
+              <a:rPr lang="en-US" dirty="0"/>
+              <a:t>But they are also looking for what you bring to the table – Will you be a good colleague on the team?</a:t>
+            </a:r>
+          </a:p>
+        </p:txBody>
+      </p:sp>
+    </p:spTree>
+    <p:extLst>
+      <p:ext uri="{BB962C8B-B14F-4D97-AF65-F5344CB8AC3E}">
+        <p14:creationId xmlns:p14="http://schemas.microsoft.com/office/powerpoint/2010/main" val="790076690"/>
+      </p:ext>
+    </p:extLst>
+  </p:cSld>
+  <p:clrMapOvr>
+    <a:masterClrMapping/>
+  </p:clrMapOvr>
+</p:sld>
+</file>
+
+<file path=ppt/slides/slide4.xml><?xml version="1.0" encoding="utf-8"?>
+<p:sld xmlns:a="http://schemas.openxmlformats.org/drawingml/2006/main" xmlns:r="http://schemas.openxmlformats.org/officeDocument/2006/relationships" xmlns:p="http://schemas.openxmlformats.org/presentationml/2006/main">
+  <p:cSld>
+    <p:spTree>
+      <p:nvGrpSpPr>
+        <p:cNvPr id="1" name=""/>
+        <p:cNvGrpSpPr/>
+        <p:nvPr/>
+      </p:nvGrpSpPr>
+      <p:grpSpPr>
+        <a:xfrm>
+          <a:off x="0" y="0"/>
+          <a:ext cx="0" cy="0"/>
+          <a:chOff x="0" y="0"/>
+          <a:chExt cx="0" cy="0"/>
+        </a:xfrm>
+      </p:grpSpPr>
+      <p:sp>
+        <p:nvSpPr>
+          <p:cNvPr id="2" name="Title 1">
+            <a:extLst>
+              <a:ext uri="{FF2B5EF4-FFF2-40B4-BE49-F238E27FC236}">
+                <a16:creationId xmlns:a16="http://schemas.microsoft.com/office/drawing/2014/main" id="{85C2B10C-CC00-426A-B89E-5FADFAAEE982}"/>
+              </a:ext>
+            </a:extLst>
+          </p:cNvPr>
+          <p:cNvSpPr>
+            <a:spLocks noGrp="1"/>
+          </p:cNvSpPr>
+          <p:nvPr>
+            <p:ph type="title"/>
+          </p:nvPr>
+        </p:nvSpPr>
+        <p:spPr/>
+        <p:txBody>
+          <a:bodyPr/>
+          <a:lstStyle/>
+          <a:p>
+            <a:r>
+              <a:rPr lang="en-US" dirty="0"/>
+              <a:t>As the Interviewee</a:t>
+            </a:r>
+          </a:p>
+        </p:txBody>
+      </p:sp>
+      <p:sp>
+        <p:nvSpPr>
+          <p:cNvPr id="3" name="Content Placeholder 2">
+            <a:extLst>
+              <a:ext uri="{FF2B5EF4-FFF2-40B4-BE49-F238E27FC236}">
+                <a16:creationId xmlns:a16="http://schemas.microsoft.com/office/drawing/2014/main" id="{458667EA-5163-49D0-865F-3DD7AE7397A4}"/>
+              </a:ext>
+            </a:extLst>
+          </p:cNvPr>
+          <p:cNvSpPr>
+            <a:spLocks noGrp="1"/>
+          </p:cNvSpPr>
+          <p:nvPr>
+            <p:ph idx="1"/>
+          </p:nvPr>
+        </p:nvSpPr>
+        <p:spPr/>
+        <p:txBody>
+          <a:bodyPr>
+            <a:normAutofit lnSpcReduction="10000"/>
+          </a:bodyPr>
+          <a:lstStyle/>
+          <a:p>
+            <a:r>
+              <a:rPr lang="en-US" dirty="0"/>
+              <a:t>Ask a lot of questions</a:t>
+            </a:r>
+          </a:p>
+          <a:p>
+            <a:pPr lvl="1"/>
+            <a:r>
+              <a:rPr lang="en-US" dirty="0"/>
+              <a:t>Make sure you understand the problem they are asking you to solve</a:t>
+            </a:r>
+          </a:p>
+          <a:p>
+            <a:pPr lvl="1"/>
+            <a:r>
+              <a:rPr lang="en-US" dirty="0"/>
+              <a:t>Don’t assume that you know the constraints</a:t>
+            </a:r>
+          </a:p>
+          <a:p>
+            <a:r>
+              <a:rPr lang="en-US" dirty="0"/>
+              <a:t>Talk through your solution</a:t>
+            </a:r>
+          </a:p>
+          <a:p>
+            <a:pPr lvl="1"/>
+            <a:r>
+              <a:rPr lang="en-US" dirty="0"/>
+              <a:t>Especially any tradeoffs your are making. </a:t>
+            </a:r>
+          </a:p>
+          <a:p>
+            <a:pPr lvl="2"/>
+            <a:r>
+              <a:rPr lang="en-US" dirty="0"/>
+              <a:t>Quickly discuss the pros and cons, then why you are making that choice</a:t>
+            </a:r>
+          </a:p>
+          <a:p>
+            <a:pPr lvl="2"/>
+            <a:r>
+              <a:rPr lang="en-US" dirty="0"/>
+              <a:t>And then ask if that is a good approach</a:t>
+            </a:r>
+          </a:p>
+          <a:p>
+            <a:r>
+              <a:rPr lang="en-US" dirty="0"/>
+              <a:t>Think about extensions to your solution</a:t>
+            </a:r>
+          </a:p>
+          <a:p>
+            <a:r>
+              <a:rPr lang="en-US" dirty="0"/>
+              <a:t>Think about the performance of your solution</a:t>
+            </a:r>
+          </a:p>
+          <a:p>
+            <a:r>
+              <a:rPr lang="en-US" dirty="0"/>
+              <a:t>Sketch out your solution before writing the code – have </a:t>
+            </a:r>
+            <a:r>
+              <a:rPr lang="en-US"/>
+              <a:t>a plan</a:t>
+            </a:r>
+            <a:endParaRPr lang="en-US" dirty="0"/>
+          </a:p>
+        </p:txBody>
+      </p:sp>
+    </p:spTree>
+    <p:extLst>
+      <p:ext uri="{BB962C8B-B14F-4D97-AF65-F5344CB8AC3E}">
+        <p14:creationId xmlns:p14="http://schemas.microsoft.com/office/powerpoint/2010/main" val="81913561"/>
       </p:ext>
     </p:extLst>
   </p:cSld>

--- a/The Library Problem.pptx
+++ b/The Library Problem.pptx
@@ -9,6 +9,11 @@
     <p:sldId id="257" r:id="rId3"/>
     <p:sldId id="258" r:id="rId4"/>
     <p:sldId id="259" r:id="rId5"/>
+    <p:sldId id="260" r:id="rId6"/>
+    <p:sldId id="261" r:id="rId7"/>
+    <p:sldId id="262" r:id="rId8"/>
+    <p:sldId id="263" r:id="rId9"/>
+    <p:sldId id="264" r:id="rId10"/>
   </p:sldIdLst>
   <p:sldSz cx="12192000" cy="6858000"/>
   <p:notesSz cx="6858000" cy="9144000"/>
@@ -3763,13 +3768,8 @@
           <a:p>
             <a:r>
               <a:rPr lang="en-US" dirty="0"/>
-              <a:t>Sketch out your solution before writing the code – have </a:t>
-            </a:r>
-            <a:r>
-              <a:rPr lang="en-US"/>
-              <a:t>a plan</a:t>
-            </a:r>
-            <a:endParaRPr lang="en-US" dirty="0"/>
+              <a:t>Sketch out your solution before writing the code – have a plan</a:t>
+            </a:r>
           </a:p>
         </p:txBody>
       </p:sp>
@@ -3777,6 +3777,965 @@
     <p:extLst>
       <p:ext uri="{BB962C8B-B14F-4D97-AF65-F5344CB8AC3E}">
         <p14:creationId xmlns:p14="http://schemas.microsoft.com/office/powerpoint/2010/main" val="81913561"/>
+      </p:ext>
+    </p:extLst>
+  </p:cSld>
+  <p:clrMapOvr>
+    <a:masterClrMapping/>
+  </p:clrMapOvr>
+</p:sld>
+</file>
+
+<file path=ppt/slides/slide5.xml><?xml version="1.0" encoding="utf-8"?>
+<p:sld xmlns:a="http://schemas.openxmlformats.org/drawingml/2006/main" xmlns:r="http://schemas.openxmlformats.org/officeDocument/2006/relationships" xmlns:p="http://schemas.openxmlformats.org/presentationml/2006/main">
+  <p:cSld>
+    <p:spTree>
+      <p:nvGrpSpPr>
+        <p:cNvPr id="1" name=""/>
+        <p:cNvGrpSpPr/>
+        <p:nvPr/>
+      </p:nvGrpSpPr>
+      <p:grpSpPr>
+        <a:xfrm>
+          <a:off x="0" y="0"/>
+          <a:ext cx="0" cy="0"/>
+          <a:chOff x="0" y="0"/>
+          <a:chExt cx="0" cy="0"/>
+        </a:xfrm>
+      </p:grpSpPr>
+      <p:sp>
+        <p:nvSpPr>
+          <p:cNvPr id="2" name="Title 1">
+            <a:extLst>
+              <a:ext uri="{FF2B5EF4-FFF2-40B4-BE49-F238E27FC236}">
+                <a16:creationId xmlns:a16="http://schemas.microsoft.com/office/drawing/2014/main" id="{A7B31471-5762-40B2-AD49-59CFAAE0D746}"/>
+              </a:ext>
+            </a:extLst>
+          </p:cNvPr>
+          <p:cNvSpPr>
+            <a:spLocks noGrp="1"/>
+          </p:cNvSpPr>
+          <p:nvPr>
+            <p:ph type="title"/>
+          </p:nvPr>
+        </p:nvSpPr>
+        <p:spPr/>
+        <p:txBody>
+          <a:bodyPr/>
+          <a:lstStyle/>
+          <a:p>
+            <a:r>
+              <a:rPr lang="en-US" dirty="0"/>
+              <a:t>The Library Problem</a:t>
+            </a:r>
+          </a:p>
+        </p:txBody>
+      </p:sp>
+      <p:sp>
+        <p:nvSpPr>
+          <p:cNvPr id="3" name="Content Placeholder 2">
+            <a:extLst>
+              <a:ext uri="{FF2B5EF4-FFF2-40B4-BE49-F238E27FC236}">
+                <a16:creationId xmlns:a16="http://schemas.microsoft.com/office/drawing/2014/main" id="{2AC9A5E2-FC43-4F91-8ABC-784078E70BE1}"/>
+              </a:ext>
+            </a:extLst>
+          </p:cNvPr>
+          <p:cNvSpPr>
+            <a:spLocks noGrp="1"/>
+          </p:cNvSpPr>
+          <p:nvPr>
+            <p:ph idx="1"/>
+          </p:nvPr>
+        </p:nvSpPr>
+        <p:spPr/>
+        <p:txBody>
+          <a:bodyPr/>
+          <a:lstStyle/>
+          <a:p>
+            <a:pPr marL="0" indent="0">
+              <a:buNone/>
+            </a:pPr>
+            <a:r>
+              <a:rPr lang="en-US" dirty="0"/>
+              <a:t>The library is planning how many copies of new release books it needs to buy, so they are doing a survey of the checkout history of the books in their collection. For each book, they have a record of every checkout and </a:t>
+            </a:r>
+            <a:r>
+              <a:rPr lang="en-US" dirty="0" err="1"/>
+              <a:t>checkin</a:t>
+            </a:r>
+            <a:r>
+              <a:rPr lang="en-US" dirty="0"/>
+              <a:t>. But they might have multiple copies of the same book. They want to know if they run out of books, or if they always have enough.</a:t>
+            </a:r>
+          </a:p>
+          <a:p>
+            <a:pPr marL="0" indent="0">
+              <a:buNone/>
+            </a:pPr>
+            <a:r>
+              <a:rPr lang="en-US" dirty="0"/>
+              <a:t>The question they have is, can we calculate the maximum number of copies that have ever been checked out?</a:t>
+            </a:r>
+          </a:p>
+        </p:txBody>
+      </p:sp>
+    </p:spTree>
+    <p:extLst>
+      <p:ext uri="{BB962C8B-B14F-4D97-AF65-F5344CB8AC3E}">
+        <p14:creationId xmlns:p14="http://schemas.microsoft.com/office/powerpoint/2010/main" val="1600344473"/>
+      </p:ext>
+    </p:extLst>
+  </p:cSld>
+  <p:clrMapOvr>
+    <a:masterClrMapping/>
+  </p:clrMapOvr>
+</p:sld>
+</file>
+
+<file path=ppt/slides/slide6.xml><?xml version="1.0" encoding="utf-8"?>
+<p:sld xmlns:a="http://schemas.openxmlformats.org/drawingml/2006/main" xmlns:r="http://schemas.openxmlformats.org/officeDocument/2006/relationships" xmlns:p="http://schemas.openxmlformats.org/presentationml/2006/main">
+  <p:cSld>
+    <p:spTree>
+      <p:nvGrpSpPr>
+        <p:cNvPr id="1" name=""/>
+        <p:cNvGrpSpPr/>
+        <p:nvPr/>
+      </p:nvGrpSpPr>
+      <p:grpSpPr>
+        <a:xfrm>
+          <a:off x="0" y="0"/>
+          <a:ext cx="0" cy="0"/>
+          <a:chOff x="0" y="0"/>
+          <a:chExt cx="0" cy="0"/>
+        </a:xfrm>
+      </p:grpSpPr>
+      <p:sp>
+        <p:nvSpPr>
+          <p:cNvPr id="2" name="Title 1">
+            <a:extLst>
+              <a:ext uri="{FF2B5EF4-FFF2-40B4-BE49-F238E27FC236}">
+                <a16:creationId xmlns:a16="http://schemas.microsoft.com/office/drawing/2014/main" id="{77440ECE-8CD7-45EF-9128-A5274BABA918}"/>
+              </a:ext>
+            </a:extLst>
+          </p:cNvPr>
+          <p:cNvSpPr>
+            <a:spLocks noGrp="1"/>
+          </p:cNvSpPr>
+          <p:nvPr>
+            <p:ph type="title"/>
+          </p:nvPr>
+        </p:nvSpPr>
+        <p:spPr/>
+        <p:txBody>
+          <a:bodyPr/>
+          <a:lstStyle/>
+          <a:p>
+            <a:r>
+              <a:rPr lang="en-US" dirty="0"/>
+              <a:t>Questions?</a:t>
+            </a:r>
+          </a:p>
+        </p:txBody>
+      </p:sp>
+      <p:sp>
+        <p:nvSpPr>
+          <p:cNvPr id="3" name="Content Placeholder 2">
+            <a:extLst>
+              <a:ext uri="{FF2B5EF4-FFF2-40B4-BE49-F238E27FC236}">
+                <a16:creationId xmlns:a16="http://schemas.microsoft.com/office/drawing/2014/main" id="{8E3A11BF-D110-4090-9399-D073DCA86F67}"/>
+              </a:ext>
+            </a:extLst>
+          </p:cNvPr>
+          <p:cNvSpPr>
+            <a:spLocks noGrp="1"/>
+          </p:cNvSpPr>
+          <p:nvPr>
+            <p:ph idx="1"/>
+          </p:nvPr>
+        </p:nvSpPr>
+        <p:spPr/>
+        <p:txBody>
+          <a:bodyPr/>
+          <a:lstStyle/>
+          <a:p>
+            <a:endParaRPr lang="en-US"/>
+          </a:p>
+        </p:txBody>
+      </p:sp>
+    </p:spTree>
+    <p:extLst>
+      <p:ext uri="{BB962C8B-B14F-4D97-AF65-F5344CB8AC3E}">
+        <p14:creationId xmlns:p14="http://schemas.microsoft.com/office/powerpoint/2010/main" val="2617277612"/>
+      </p:ext>
+    </p:extLst>
+  </p:cSld>
+  <p:clrMapOvr>
+    <a:masterClrMapping/>
+  </p:clrMapOvr>
+</p:sld>
+</file>
+
+<file path=ppt/slides/slide7.xml><?xml version="1.0" encoding="utf-8"?>
+<p:sld xmlns:a="http://schemas.openxmlformats.org/drawingml/2006/main" xmlns:r="http://schemas.openxmlformats.org/officeDocument/2006/relationships" xmlns:p="http://schemas.openxmlformats.org/presentationml/2006/main">
+  <p:cSld>
+    <p:spTree>
+      <p:nvGrpSpPr>
+        <p:cNvPr id="1" name=""/>
+        <p:cNvGrpSpPr/>
+        <p:nvPr/>
+      </p:nvGrpSpPr>
+      <p:grpSpPr>
+        <a:xfrm>
+          <a:off x="0" y="0"/>
+          <a:ext cx="0" cy="0"/>
+          <a:chOff x="0" y="0"/>
+          <a:chExt cx="0" cy="0"/>
+        </a:xfrm>
+      </p:grpSpPr>
+      <p:sp>
+        <p:nvSpPr>
+          <p:cNvPr id="2" name="Title 1">
+            <a:extLst>
+              <a:ext uri="{FF2B5EF4-FFF2-40B4-BE49-F238E27FC236}">
+                <a16:creationId xmlns:a16="http://schemas.microsoft.com/office/drawing/2014/main" id="{145A0326-A9F1-43D0-9CBA-33CBC5ACD7C3}"/>
+              </a:ext>
+            </a:extLst>
+          </p:cNvPr>
+          <p:cNvSpPr>
+            <a:spLocks noGrp="1"/>
+          </p:cNvSpPr>
+          <p:nvPr>
+            <p:ph type="title"/>
+          </p:nvPr>
+        </p:nvSpPr>
+        <p:spPr/>
+        <p:txBody>
+          <a:bodyPr/>
+          <a:lstStyle/>
+          <a:p>
+            <a:r>
+              <a:rPr lang="en-US" dirty="0"/>
+              <a:t>More Questions</a:t>
+            </a:r>
+          </a:p>
+        </p:txBody>
+      </p:sp>
+      <p:sp>
+        <p:nvSpPr>
+          <p:cNvPr id="3" name="Content Placeholder 2">
+            <a:extLst>
+              <a:ext uri="{FF2B5EF4-FFF2-40B4-BE49-F238E27FC236}">
+                <a16:creationId xmlns:a16="http://schemas.microsoft.com/office/drawing/2014/main" id="{FB8D9EBC-1FC3-4DE6-AFD6-C3C8230B010C}"/>
+              </a:ext>
+            </a:extLst>
+          </p:cNvPr>
+          <p:cNvSpPr>
+            <a:spLocks noGrp="1"/>
+          </p:cNvSpPr>
+          <p:nvPr>
+            <p:ph idx="1"/>
+          </p:nvPr>
+        </p:nvSpPr>
+        <p:spPr/>
+        <p:txBody>
+          <a:bodyPr>
+            <a:normAutofit/>
+          </a:bodyPr>
+          <a:lstStyle/>
+          <a:p>
+            <a:r>
+              <a:rPr lang="en-US" sz="3600" dirty="0"/>
+              <a:t>How would we like the data to come to our method?</a:t>
+            </a:r>
+          </a:p>
+          <a:p>
+            <a:r>
+              <a:rPr lang="en-US" sz="3600" dirty="0"/>
+              <a:t>How shall we number the days of checkout, </a:t>
+            </a:r>
+            <a:r>
+              <a:rPr lang="en-US" sz="3600" dirty="0" err="1"/>
+              <a:t>checkin</a:t>
+            </a:r>
+            <a:r>
+              <a:rPr lang="en-US" sz="3600" dirty="0"/>
+              <a:t>?</a:t>
+            </a:r>
+          </a:p>
+          <a:p>
+            <a:r>
+              <a:rPr lang="en-US" sz="3600" dirty="0"/>
+              <a:t>Do we have an algorithm to make the calculation?</a:t>
+            </a:r>
+          </a:p>
+        </p:txBody>
+      </p:sp>
+    </p:spTree>
+    <p:extLst>
+      <p:ext uri="{BB962C8B-B14F-4D97-AF65-F5344CB8AC3E}">
+        <p14:creationId xmlns:p14="http://schemas.microsoft.com/office/powerpoint/2010/main" val="1838131117"/>
+      </p:ext>
+    </p:extLst>
+  </p:cSld>
+  <p:clrMapOvr>
+    <a:masterClrMapping/>
+  </p:clrMapOvr>
+</p:sld>
+</file>
+
+<file path=ppt/slides/slide8.xml><?xml version="1.0" encoding="utf-8"?>
+<p:sld xmlns:a="http://schemas.openxmlformats.org/drawingml/2006/main" xmlns:r="http://schemas.openxmlformats.org/officeDocument/2006/relationships" xmlns:p="http://schemas.openxmlformats.org/presentationml/2006/main">
+  <p:cSld>
+    <p:spTree>
+      <p:nvGrpSpPr>
+        <p:cNvPr id="1" name=""/>
+        <p:cNvGrpSpPr/>
+        <p:nvPr/>
+      </p:nvGrpSpPr>
+      <p:grpSpPr>
+        <a:xfrm>
+          <a:off x="0" y="0"/>
+          <a:ext cx="0" cy="0"/>
+          <a:chOff x="0" y="0"/>
+          <a:chExt cx="0" cy="0"/>
+        </a:xfrm>
+      </p:grpSpPr>
+      <p:sp>
+        <p:nvSpPr>
+          <p:cNvPr id="2" name="Title 1">
+            <a:extLst>
+              <a:ext uri="{FF2B5EF4-FFF2-40B4-BE49-F238E27FC236}">
+                <a16:creationId xmlns:a16="http://schemas.microsoft.com/office/drawing/2014/main" id="{4FB098C3-16DD-483F-8AEC-2FD6409BDE47}"/>
+              </a:ext>
+            </a:extLst>
+          </p:cNvPr>
+          <p:cNvSpPr>
+            <a:spLocks noGrp="1"/>
+          </p:cNvSpPr>
+          <p:nvPr>
+            <p:ph type="title"/>
+          </p:nvPr>
+        </p:nvSpPr>
+        <p:spPr/>
+        <p:txBody>
+          <a:bodyPr/>
+          <a:lstStyle/>
+          <a:p>
+            <a:r>
+              <a:rPr lang="en-US" dirty="0"/>
+              <a:t>One Approach</a:t>
+            </a:r>
+          </a:p>
+        </p:txBody>
+      </p:sp>
+      <p:sp>
+        <p:nvSpPr>
+          <p:cNvPr id="3" name="Content Placeholder 2">
+            <a:extLst>
+              <a:ext uri="{FF2B5EF4-FFF2-40B4-BE49-F238E27FC236}">
+                <a16:creationId xmlns:a16="http://schemas.microsoft.com/office/drawing/2014/main" id="{1A383F5F-C26C-4515-AABE-9064B6C02BD6}"/>
+              </a:ext>
+            </a:extLst>
+          </p:cNvPr>
+          <p:cNvSpPr>
+            <a:spLocks noGrp="1"/>
+          </p:cNvSpPr>
+          <p:nvPr>
+            <p:ph idx="1"/>
+          </p:nvPr>
+        </p:nvSpPr>
+        <p:spPr/>
+        <p:txBody>
+          <a:bodyPr/>
+          <a:lstStyle/>
+          <a:p>
+            <a:r>
+              <a:rPr lang="en-US" dirty="0"/>
+              <a:t>The input is a list of events</a:t>
+            </a:r>
+          </a:p>
+          <a:p>
+            <a:pPr lvl="1"/>
+            <a:r>
+              <a:rPr lang="en-US" dirty="0"/>
+              <a:t>Each event has a day number, and type of event (checkout or </a:t>
+            </a:r>
+            <a:r>
+              <a:rPr lang="en-US" dirty="0" err="1"/>
+              <a:t>checkin</a:t>
+            </a:r>
+            <a:r>
+              <a:rPr lang="en-US" dirty="0"/>
+              <a:t>)</a:t>
+            </a:r>
+          </a:p>
+          <a:p>
+            <a:pPr lvl="1"/>
+            <a:r>
+              <a:rPr lang="en-US" dirty="0"/>
+              <a:t>We iterate through the list of events in order, sorted by day, and then </a:t>
+            </a:r>
+            <a:r>
+              <a:rPr lang="en-US" dirty="0" err="1"/>
+              <a:t>checkins</a:t>
+            </a:r>
+            <a:r>
+              <a:rPr lang="en-US" dirty="0"/>
+              <a:t> (from the previous day) before checkouts</a:t>
+            </a:r>
+          </a:p>
+          <a:p>
+            <a:pPr lvl="1"/>
+            <a:r>
+              <a:rPr lang="en-US" dirty="0"/>
+              <a:t>The algorithm starts with a running sum of 0, then adds one for each </a:t>
+            </a:r>
+            <a:r>
+              <a:rPr lang="en-US" dirty="0" err="1"/>
+              <a:t>checkin</a:t>
+            </a:r>
+            <a:r>
+              <a:rPr lang="en-US" dirty="0"/>
+              <a:t> and subtracts one for each checkout</a:t>
+            </a:r>
+          </a:p>
+          <a:p>
+            <a:pPr lvl="1"/>
+            <a:r>
+              <a:rPr lang="en-US" dirty="0"/>
+              <a:t>The algorithm also starts with a maximum of 0.</a:t>
+            </a:r>
+          </a:p>
+          <a:p>
+            <a:pPr lvl="1"/>
+            <a:r>
+              <a:rPr lang="en-US" dirty="0"/>
+              <a:t>After each event, if the running sum is greater than the maximum, we set the maximum to the running sum</a:t>
+            </a:r>
+          </a:p>
+          <a:p>
+            <a:pPr lvl="1"/>
+            <a:r>
+              <a:rPr lang="en-US" dirty="0"/>
+              <a:t>After the iteration, we return the maximum</a:t>
+            </a:r>
+          </a:p>
+        </p:txBody>
+      </p:sp>
+    </p:spTree>
+    <p:extLst>
+      <p:ext uri="{BB962C8B-B14F-4D97-AF65-F5344CB8AC3E}">
+        <p14:creationId xmlns:p14="http://schemas.microsoft.com/office/powerpoint/2010/main" val="1990830543"/>
+      </p:ext>
+    </p:extLst>
+  </p:cSld>
+  <p:clrMapOvr>
+    <a:masterClrMapping/>
+  </p:clrMapOvr>
+</p:sld>
+</file>
+
+<file path=ppt/slides/slide9.xml><?xml version="1.0" encoding="utf-8"?>
+<p:sld xmlns:a="http://schemas.openxmlformats.org/drawingml/2006/main" xmlns:r="http://schemas.openxmlformats.org/officeDocument/2006/relationships" xmlns:p="http://schemas.openxmlformats.org/presentationml/2006/main">
+  <p:cSld>
+    <p:spTree>
+      <p:nvGrpSpPr>
+        <p:cNvPr id="1" name=""/>
+        <p:cNvGrpSpPr/>
+        <p:nvPr/>
+      </p:nvGrpSpPr>
+      <p:grpSpPr>
+        <a:xfrm>
+          <a:off x="0" y="0"/>
+          <a:ext cx="0" cy="0"/>
+          <a:chOff x="0" y="0"/>
+          <a:chExt cx="0" cy="0"/>
+        </a:xfrm>
+      </p:grpSpPr>
+      <p:sp>
+        <p:nvSpPr>
+          <p:cNvPr id="2" name="Title 1">
+            <a:extLst>
+              <a:ext uri="{FF2B5EF4-FFF2-40B4-BE49-F238E27FC236}">
+                <a16:creationId xmlns:a16="http://schemas.microsoft.com/office/drawing/2014/main" id="{2DFB98CD-D7E7-4583-B396-E6790678B29B}"/>
+              </a:ext>
+            </a:extLst>
+          </p:cNvPr>
+          <p:cNvSpPr>
+            <a:spLocks noGrp="1"/>
+          </p:cNvSpPr>
+          <p:nvPr>
+            <p:ph type="title"/>
+          </p:nvPr>
+        </p:nvSpPr>
+        <p:spPr/>
+        <p:txBody>
+          <a:bodyPr/>
+          <a:lstStyle/>
+          <a:p>
+            <a:r>
+              <a:rPr lang="en-US" dirty="0"/>
+              <a:t>Possible code</a:t>
+            </a:r>
+          </a:p>
+        </p:txBody>
+      </p:sp>
+      <p:sp>
+        <p:nvSpPr>
+          <p:cNvPr id="3" name="Content Placeholder 2">
+            <a:extLst>
+              <a:ext uri="{FF2B5EF4-FFF2-40B4-BE49-F238E27FC236}">
+                <a16:creationId xmlns:a16="http://schemas.microsoft.com/office/drawing/2014/main" id="{CCEF7CF5-2388-4FAD-BD4D-F8F54D0375DB}"/>
+              </a:ext>
+            </a:extLst>
+          </p:cNvPr>
+          <p:cNvSpPr>
+            <a:spLocks noGrp="1"/>
+          </p:cNvSpPr>
+          <p:nvPr>
+            <p:ph idx="1"/>
+          </p:nvPr>
+        </p:nvSpPr>
+        <p:spPr/>
+        <p:txBody>
+          <a:bodyPr>
+            <a:normAutofit fontScale="55000" lnSpcReduction="20000"/>
+          </a:bodyPr>
+          <a:lstStyle/>
+          <a:p>
+            <a:pPr marL="0" indent="0">
+              <a:lnSpc>
+                <a:spcPct val="120000"/>
+              </a:lnSpc>
+              <a:spcBef>
+                <a:spcPts val="0"/>
+              </a:spcBef>
+              <a:buNone/>
+            </a:pPr>
+            <a:r>
+              <a:rPr lang="en-US" dirty="0"/>
+              <a:t>	public static </a:t>
+            </a:r>
+            <a:r>
+              <a:rPr lang="en-US" dirty="0" err="1"/>
+              <a:t>int</a:t>
+            </a:r>
+            <a:r>
+              <a:rPr lang="en-US" dirty="0"/>
+              <a:t> </a:t>
+            </a:r>
+            <a:r>
+              <a:rPr lang="en-US" dirty="0" err="1"/>
+              <a:t>MaxCheckedOut</a:t>
+            </a:r>
+            <a:r>
+              <a:rPr lang="en-US" dirty="0"/>
+              <a:t>(List&lt;Event&gt; events) {</a:t>
+            </a:r>
+          </a:p>
+          <a:p>
+            <a:pPr marL="0" indent="0">
+              <a:lnSpc>
+                <a:spcPct val="120000"/>
+              </a:lnSpc>
+              <a:spcBef>
+                <a:spcPts val="0"/>
+              </a:spcBef>
+              <a:buNone/>
+            </a:pPr>
+            <a:r>
+              <a:rPr lang="en-US" dirty="0"/>
+              <a:t>		</a:t>
+            </a:r>
+            <a:r>
+              <a:rPr lang="en-US" dirty="0" err="1"/>
+              <a:t>int</a:t>
+            </a:r>
+            <a:r>
+              <a:rPr lang="en-US" dirty="0"/>
+              <a:t> </a:t>
+            </a:r>
+            <a:r>
+              <a:rPr lang="en-US" dirty="0" err="1"/>
+              <a:t>maxCount</a:t>
+            </a:r>
+            <a:r>
+              <a:rPr lang="en-US" dirty="0"/>
+              <a:t> = 0;</a:t>
+            </a:r>
+          </a:p>
+          <a:p>
+            <a:pPr marL="0" indent="0">
+              <a:lnSpc>
+                <a:spcPct val="120000"/>
+              </a:lnSpc>
+              <a:spcBef>
+                <a:spcPts val="0"/>
+              </a:spcBef>
+              <a:buNone/>
+            </a:pPr>
+            <a:r>
+              <a:rPr lang="en-US" dirty="0"/>
+              <a:t>		</a:t>
+            </a:r>
+            <a:r>
+              <a:rPr lang="en-US" dirty="0" err="1"/>
+              <a:t>int</a:t>
+            </a:r>
+            <a:r>
+              <a:rPr lang="en-US" dirty="0"/>
+              <a:t> </a:t>
+            </a:r>
+            <a:r>
+              <a:rPr lang="en-US" dirty="0" err="1"/>
+              <a:t>countCheckedOut</a:t>
+            </a:r>
+            <a:r>
+              <a:rPr lang="en-US" dirty="0"/>
+              <a:t> = 0;</a:t>
+            </a:r>
+          </a:p>
+          <a:p>
+            <a:pPr marL="0" indent="0">
+              <a:lnSpc>
+                <a:spcPct val="120000"/>
+              </a:lnSpc>
+              <a:spcBef>
+                <a:spcPts val="0"/>
+              </a:spcBef>
+              <a:buNone/>
+            </a:pPr>
+            <a:r>
+              <a:rPr lang="en-US" dirty="0"/>
+              <a:t>		for (</a:t>
+            </a:r>
+            <a:r>
+              <a:rPr lang="en-US" dirty="0" err="1"/>
+              <a:t>int</a:t>
+            </a:r>
+            <a:r>
+              <a:rPr lang="en-US" dirty="0"/>
+              <a:t> i=0; i &lt; </a:t>
+            </a:r>
+            <a:r>
+              <a:rPr lang="en-US" dirty="0" err="1"/>
+              <a:t>events.size</a:t>
+            </a:r>
+            <a:r>
+              <a:rPr lang="en-US" dirty="0"/>
+              <a:t>(); i++) {</a:t>
+            </a:r>
+          </a:p>
+          <a:p>
+            <a:pPr marL="0" indent="0">
+              <a:lnSpc>
+                <a:spcPct val="120000"/>
+              </a:lnSpc>
+              <a:spcBef>
+                <a:spcPts val="0"/>
+              </a:spcBef>
+              <a:buNone/>
+            </a:pPr>
+            <a:r>
+              <a:rPr lang="en-US" dirty="0"/>
+              <a:t>			Event </a:t>
+            </a:r>
+            <a:r>
+              <a:rPr lang="en-US" dirty="0" err="1"/>
+              <a:t>event</a:t>
+            </a:r>
+            <a:r>
+              <a:rPr lang="en-US" dirty="0"/>
+              <a:t> = </a:t>
+            </a:r>
+            <a:r>
+              <a:rPr lang="en-US" dirty="0" err="1"/>
+              <a:t>events.get</a:t>
+            </a:r>
+            <a:r>
+              <a:rPr lang="en-US" dirty="0"/>
+              <a:t>(i);</a:t>
+            </a:r>
+          </a:p>
+          <a:p>
+            <a:pPr marL="0" indent="0">
+              <a:lnSpc>
+                <a:spcPct val="120000"/>
+              </a:lnSpc>
+              <a:spcBef>
+                <a:spcPts val="0"/>
+              </a:spcBef>
+              <a:buNone/>
+            </a:pPr>
+            <a:r>
+              <a:rPr lang="en-US" dirty="0"/>
+              <a:t>			switch (</a:t>
+            </a:r>
+            <a:r>
+              <a:rPr lang="en-US" dirty="0" err="1"/>
+              <a:t>event.deskEvent</a:t>
+            </a:r>
+            <a:r>
+              <a:rPr lang="en-US" dirty="0"/>
+              <a:t>) {</a:t>
+            </a:r>
+          </a:p>
+          <a:p>
+            <a:pPr marL="0" indent="0">
+              <a:lnSpc>
+                <a:spcPct val="120000"/>
+              </a:lnSpc>
+              <a:spcBef>
+                <a:spcPts val="0"/>
+              </a:spcBef>
+              <a:buNone/>
+            </a:pPr>
+            <a:r>
+              <a:rPr lang="en-US" dirty="0"/>
+              <a:t>			case checkout:</a:t>
+            </a:r>
+          </a:p>
+          <a:p>
+            <a:pPr marL="0" indent="0">
+              <a:lnSpc>
+                <a:spcPct val="120000"/>
+              </a:lnSpc>
+              <a:spcBef>
+                <a:spcPts val="0"/>
+              </a:spcBef>
+              <a:buNone/>
+            </a:pPr>
+            <a:r>
+              <a:rPr lang="en-US" dirty="0"/>
+              <a:t>				</a:t>
+            </a:r>
+            <a:r>
+              <a:rPr lang="en-US" dirty="0" err="1"/>
+              <a:t>countCheckedOut</a:t>
+            </a:r>
+            <a:r>
+              <a:rPr lang="en-US" dirty="0"/>
+              <a:t>++;</a:t>
+            </a:r>
+          </a:p>
+          <a:p>
+            <a:pPr marL="0" indent="0">
+              <a:lnSpc>
+                <a:spcPct val="120000"/>
+              </a:lnSpc>
+              <a:spcBef>
+                <a:spcPts val="0"/>
+              </a:spcBef>
+              <a:buNone/>
+            </a:pPr>
+            <a:r>
+              <a:rPr lang="en-US" dirty="0"/>
+              <a:t>				break;</a:t>
+            </a:r>
+          </a:p>
+          <a:p>
+            <a:pPr marL="0" indent="0">
+              <a:lnSpc>
+                <a:spcPct val="120000"/>
+              </a:lnSpc>
+              <a:spcBef>
+                <a:spcPts val="0"/>
+              </a:spcBef>
+              <a:buNone/>
+            </a:pPr>
+            <a:r>
+              <a:rPr lang="en-US" dirty="0"/>
+              <a:t>			case </a:t>
+            </a:r>
+            <a:r>
+              <a:rPr lang="en-US" dirty="0" err="1"/>
+              <a:t>checkin</a:t>
+            </a:r>
+            <a:r>
+              <a:rPr lang="en-US" dirty="0"/>
+              <a:t>:</a:t>
+            </a:r>
+          </a:p>
+          <a:p>
+            <a:pPr marL="0" indent="0">
+              <a:lnSpc>
+                <a:spcPct val="120000"/>
+              </a:lnSpc>
+              <a:spcBef>
+                <a:spcPts val="0"/>
+              </a:spcBef>
+              <a:buNone/>
+            </a:pPr>
+            <a:r>
+              <a:rPr lang="en-US" dirty="0"/>
+              <a:t>				</a:t>
+            </a:r>
+            <a:r>
+              <a:rPr lang="en-US" dirty="0" err="1"/>
+              <a:t>countCheckedOut</a:t>
+            </a:r>
+            <a:r>
+              <a:rPr lang="en-US" dirty="0"/>
+              <a:t>--;</a:t>
+            </a:r>
+          </a:p>
+          <a:p>
+            <a:pPr marL="0" indent="0">
+              <a:lnSpc>
+                <a:spcPct val="120000"/>
+              </a:lnSpc>
+              <a:spcBef>
+                <a:spcPts val="0"/>
+              </a:spcBef>
+              <a:buNone/>
+            </a:pPr>
+            <a:r>
+              <a:rPr lang="en-US" dirty="0"/>
+              <a:t>			}</a:t>
+            </a:r>
+          </a:p>
+          <a:p>
+            <a:pPr marL="0" indent="0">
+              <a:lnSpc>
+                <a:spcPct val="120000"/>
+              </a:lnSpc>
+              <a:spcBef>
+                <a:spcPts val="0"/>
+              </a:spcBef>
+              <a:buNone/>
+            </a:pPr>
+            <a:r>
+              <a:rPr lang="en-US" dirty="0"/>
+              <a:t>			if (</a:t>
+            </a:r>
+            <a:r>
+              <a:rPr lang="en-US" dirty="0" err="1"/>
+              <a:t>countCheckedOut</a:t>
+            </a:r>
+            <a:r>
+              <a:rPr lang="en-US" dirty="0"/>
+              <a:t> &gt; </a:t>
+            </a:r>
+            <a:r>
+              <a:rPr lang="en-US" dirty="0" err="1"/>
+              <a:t>maxCount</a:t>
+            </a:r>
+            <a:r>
+              <a:rPr lang="en-US" dirty="0"/>
+              <a:t>) {</a:t>
+            </a:r>
+          </a:p>
+          <a:p>
+            <a:pPr marL="0" indent="0">
+              <a:lnSpc>
+                <a:spcPct val="120000"/>
+              </a:lnSpc>
+              <a:spcBef>
+                <a:spcPts val="0"/>
+              </a:spcBef>
+              <a:buNone/>
+            </a:pPr>
+            <a:r>
+              <a:rPr lang="en-US" dirty="0"/>
+              <a:t>				</a:t>
+            </a:r>
+            <a:r>
+              <a:rPr lang="en-US" dirty="0" err="1"/>
+              <a:t>maxCount</a:t>
+            </a:r>
+            <a:r>
+              <a:rPr lang="en-US" dirty="0"/>
+              <a:t> = </a:t>
+            </a:r>
+            <a:r>
+              <a:rPr lang="en-US" dirty="0" err="1"/>
+              <a:t>countCheckedOut</a:t>
+            </a:r>
+            <a:r>
+              <a:rPr lang="en-US" dirty="0"/>
+              <a:t>;</a:t>
+            </a:r>
+          </a:p>
+          <a:p>
+            <a:pPr marL="0" indent="0">
+              <a:lnSpc>
+                <a:spcPct val="120000"/>
+              </a:lnSpc>
+              <a:spcBef>
+                <a:spcPts val="0"/>
+              </a:spcBef>
+              <a:buNone/>
+            </a:pPr>
+            <a:r>
+              <a:rPr lang="en-US" dirty="0"/>
+              <a:t>			}</a:t>
+            </a:r>
+          </a:p>
+          <a:p>
+            <a:pPr marL="0" indent="0">
+              <a:lnSpc>
+                <a:spcPct val="120000"/>
+              </a:lnSpc>
+              <a:spcBef>
+                <a:spcPts val="0"/>
+              </a:spcBef>
+              <a:buNone/>
+            </a:pPr>
+            <a:r>
+              <a:rPr lang="en-US" dirty="0"/>
+              <a:t>		}</a:t>
+            </a:r>
+          </a:p>
+          <a:p>
+            <a:pPr marL="0" indent="0">
+              <a:lnSpc>
+                <a:spcPct val="120000"/>
+              </a:lnSpc>
+              <a:spcBef>
+                <a:spcPts val="0"/>
+              </a:spcBef>
+              <a:buNone/>
+            </a:pPr>
+            <a:r>
+              <a:rPr lang="en-US" dirty="0"/>
+              <a:t>		return </a:t>
+            </a:r>
+            <a:r>
+              <a:rPr lang="en-US" dirty="0" err="1"/>
+              <a:t>maxCount</a:t>
+            </a:r>
+            <a:r>
+              <a:rPr lang="en-US" dirty="0"/>
+              <a:t>;</a:t>
+            </a:r>
+          </a:p>
+          <a:p>
+            <a:pPr marL="0" indent="0">
+              <a:lnSpc>
+                <a:spcPct val="120000"/>
+              </a:lnSpc>
+              <a:spcBef>
+                <a:spcPts val="0"/>
+              </a:spcBef>
+              <a:buNone/>
+            </a:pPr>
+            <a:r>
+              <a:rPr lang="en-US" dirty="0"/>
+              <a:t>	}</a:t>
+            </a:r>
+          </a:p>
+          <a:p>
+            <a:pPr marL="0" indent="0">
+              <a:buNone/>
+            </a:pPr>
+            <a:endParaRPr lang="en-US" dirty="0"/>
+          </a:p>
+        </p:txBody>
+      </p:sp>
+    </p:spTree>
+    <p:extLst>
+      <p:ext uri="{BB962C8B-B14F-4D97-AF65-F5344CB8AC3E}">
+        <p14:creationId xmlns:p14="http://schemas.microsoft.com/office/powerpoint/2010/main" val="797931784"/>
       </p:ext>
     </p:extLst>
   </p:cSld>

--- a/The Library Problem.pptx
+++ b/The Library Problem.pptx
@@ -14,6 +14,8 @@
     <p:sldId id="262" r:id="rId8"/>
     <p:sldId id="263" r:id="rId9"/>
     <p:sldId id="264" r:id="rId10"/>
+    <p:sldId id="265" r:id="rId11"/>
+    <p:sldId id="266" r:id="rId12"/>
   </p:sldIdLst>
   <p:sldSz cx="12192000" cy="6858000"/>
   <p:notesSz cx="6858000" cy="9144000"/>
@@ -3413,6 +3415,188 @@
 </p:sld>
 </file>
 
+<file path=ppt/slides/slide10.xml><?xml version="1.0" encoding="utf-8"?>
+<p:sld xmlns:a="http://schemas.openxmlformats.org/drawingml/2006/main" xmlns:r="http://schemas.openxmlformats.org/officeDocument/2006/relationships" xmlns:p="http://schemas.openxmlformats.org/presentationml/2006/main">
+  <p:cSld>
+    <p:spTree>
+      <p:nvGrpSpPr>
+        <p:cNvPr id="1" name=""/>
+        <p:cNvGrpSpPr/>
+        <p:nvPr/>
+      </p:nvGrpSpPr>
+      <p:grpSpPr>
+        <a:xfrm>
+          <a:off x="0" y="0"/>
+          <a:ext cx="0" cy="0"/>
+          <a:chOff x="0" y="0"/>
+          <a:chExt cx="0" cy="0"/>
+        </a:xfrm>
+      </p:grpSpPr>
+      <p:sp>
+        <p:nvSpPr>
+          <p:cNvPr id="2" name="Title 1">
+            <a:extLst>
+              <a:ext uri="{FF2B5EF4-FFF2-40B4-BE49-F238E27FC236}">
+                <a16:creationId xmlns:a16="http://schemas.microsoft.com/office/drawing/2014/main" id="{FD8465C4-8AEF-4E22-9E8B-9DE6DAC7E1B9}"/>
+              </a:ext>
+            </a:extLst>
+          </p:cNvPr>
+          <p:cNvSpPr>
+            <a:spLocks noGrp="1"/>
+          </p:cNvSpPr>
+          <p:nvPr>
+            <p:ph type="title"/>
+          </p:nvPr>
+        </p:nvSpPr>
+        <p:spPr/>
+        <p:txBody>
+          <a:bodyPr/>
+          <a:lstStyle/>
+          <a:p>
+            <a:r>
+              <a:rPr lang="en-US" dirty="0" err="1"/>
+              <a:t>Followup</a:t>
+            </a:r>
+            <a:endParaRPr lang="en-US" dirty="0"/>
+          </a:p>
+        </p:txBody>
+      </p:sp>
+      <p:sp>
+        <p:nvSpPr>
+          <p:cNvPr id="3" name="Content Placeholder 2">
+            <a:extLst>
+              <a:ext uri="{FF2B5EF4-FFF2-40B4-BE49-F238E27FC236}">
+                <a16:creationId xmlns:a16="http://schemas.microsoft.com/office/drawing/2014/main" id="{33DE7FF3-4F8D-4C95-B240-587B27F2933F}"/>
+              </a:ext>
+            </a:extLst>
+          </p:cNvPr>
+          <p:cNvSpPr>
+            <a:spLocks noGrp="1"/>
+          </p:cNvSpPr>
+          <p:nvPr>
+            <p:ph idx="1"/>
+          </p:nvPr>
+        </p:nvSpPr>
+        <p:spPr/>
+        <p:txBody>
+          <a:bodyPr/>
+          <a:lstStyle/>
+          <a:p>
+            <a:r>
+              <a:rPr lang="en-US" dirty="0"/>
+              <a:t>Can we make the code more efficient?</a:t>
+            </a:r>
+          </a:p>
+          <a:p>
+            <a:r>
+              <a:rPr lang="en-US" dirty="0"/>
+              <a:t>If the original data were collected by checked in, checked out pairs, how do we create the data we want?</a:t>
+            </a:r>
+          </a:p>
+          <a:p>
+            <a:r>
+              <a:rPr lang="en-US" dirty="0"/>
+              <a:t>How could we handle multiple books in the data?</a:t>
+            </a:r>
+          </a:p>
+        </p:txBody>
+      </p:sp>
+    </p:spTree>
+    <p:extLst>
+      <p:ext uri="{BB962C8B-B14F-4D97-AF65-F5344CB8AC3E}">
+        <p14:creationId xmlns:p14="http://schemas.microsoft.com/office/powerpoint/2010/main" val="200770966"/>
+      </p:ext>
+    </p:extLst>
+  </p:cSld>
+  <p:clrMapOvr>
+    <a:masterClrMapping/>
+  </p:clrMapOvr>
+</p:sld>
+</file>
+
+<file path=ppt/slides/slide11.xml><?xml version="1.0" encoding="utf-8"?>
+<p:sld xmlns:a="http://schemas.openxmlformats.org/drawingml/2006/main" xmlns:r="http://schemas.openxmlformats.org/officeDocument/2006/relationships" xmlns:p="http://schemas.openxmlformats.org/presentationml/2006/main">
+  <p:cSld>
+    <p:spTree>
+      <p:nvGrpSpPr>
+        <p:cNvPr id="1" name=""/>
+        <p:cNvGrpSpPr/>
+        <p:nvPr/>
+      </p:nvGrpSpPr>
+      <p:grpSpPr>
+        <a:xfrm>
+          <a:off x="0" y="0"/>
+          <a:ext cx="0" cy="0"/>
+          <a:chOff x="0" y="0"/>
+          <a:chExt cx="0" cy="0"/>
+        </a:xfrm>
+      </p:grpSpPr>
+      <p:sp>
+        <p:nvSpPr>
+          <p:cNvPr id="2" name="Title 1">
+            <a:extLst>
+              <a:ext uri="{FF2B5EF4-FFF2-40B4-BE49-F238E27FC236}">
+                <a16:creationId xmlns:a16="http://schemas.microsoft.com/office/drawing/2014/main" id="{D25BA0A4-4D11-4C20-B45C-D0775A61FBA6}"/>
+              </a:ext>
+            </a:extLst>
+          </p:cNvPr>
+          <p:cNvSpPr>
+            <a:spLocks noGrp="1"/>
+          </p:cNvSpPr>
+          <p:nvPr>
+            <p:ph type="title"/>
+          </p:nvPr>
+        </p:nvSpPr>
+        <p:spPr/>
+        <p:txBody>
+          <a:bodyPr/>
+          <a:lstStyle/>
+          <a:p>
+            <a:r>
+              <a:rPr lang="en-US" dirty="0"/>
+              <a:t>Questions</a:t>
+            </a:r>
+          </a:p>
+        </p:txBody>
+      </p:sp>
+      <p:sp>
+        <p:nvSpPr>
+          <p:cNvPr id="3" name="Content Placeholder 2">
+            <a:extLst>
+              <a:ext uri="{FF2B5EF4-FFF2-40B4-BE49-F238E27FC236}">
+                <a16:creationId xmlns:a16="http://schemas.microsoft.com/office/drawing/2014/main" id="{C9C9F237-25AC-452B-8FC3-8EEF2FD98235}"/>
+              </a:ext>
+            </a:extLst>
+          </p:cNvPr>
+          <p:cNvSpPr>
+            <a:spLocks noGrp="1"/>
+          </p:cNvSpPr>
+          <p:nvPr>
+            <p:ph idx="1"/>
+          </p:nvPr>
+        </p:nvSpPr>
+        <p:spPr/>
+        <p:txBody>
+          <a:bodyPr/>
+          <a:lstStyle/>
+          <a:p>
+            <a:endParaRPr lang="en-US"/>
+          </a:p>
+        </p:txBody>
+      </p:sp>
+    </p:spTree>
+    <p:extLst>
+      <p:ext uri="{BB962C8B-B14F-4D97-AF65-F5344CB8AC3E}">
+        <p14:creationId xmlns:p14="http://schemas.microsoft.com/office/powerpoint/2010/main" val="1465515986"/>
+      </p:ext>
+    </p:extLst>
+  </p:cSld>
+  <p:clrMapOvr>
+    <a:masterClrMapping/>
+  </p:clrMapOvr>
+</p:sld>
+</file>
+
 <file path=ppt/slides/slide2.xml><?xml version="1.0" encoding="utf-8"?>
 <p:sld xmlns:a="http://schemas.openxmlformats.org/drawingml/2006/main" xmlns:r="http://schemas.openxmlformats.org/officeDocument/2006/relationships" xmlns:p="http://schemas.openxmlformats.org/presentationml/2006/main">
   <p:cSld>
@@ -4303,7 +4487,7 @@
           </a:bodyPr>
           <a:lstStyle/>
           <a:p>
-            <a:pPr marL="0" indent="0">
+            <a:pPr marL="0" indent="0" defTabSz="457200">
               <a:lnSpc>
                 <a:spcPct val="120000"/>
               </a:lnSpc>
@@ -4313,28 +4497,38 @@
               <a:buNone/>
             </a:pPr>
             <a:r>
-              <a:rPr lang="en-US" dirty="0"/>
-              <a:t>	public static </a:t>
-            </a:r>
-            <a:r>
-              <a:rPr lang="en-US" dirty="0" err="1"/>
+              <a:rPr lang="en-US" dirty="0">
+                <a:latin typeface="Consolas" panose="020B0609020204030204" pitchFamily="49" charset="0"/>
+              </a:rPr>
+              <a:t>public static </a:t>
+            </a:r>
+            <a:r>
+              <a:rPr lang="en-US" dirty="0" err="1">
+                <a:latin typeface="Consolas" panose="020B0609020204030204" pitchFamily="49" charset="0"/>
+              </a:rPr>
               <a:t>int</a:t>
             </a:r>
             <a:r>
-              <a:rPr lang="en-US" dirty="0"/>
+              <a:rPr lang="en-US" dirty="0">
+                <a:latin typeface="Consolas" panose="020B0609020204030204" pitchFamily="49" charset="0"/>
+              </a:rPr>
               <a:t> </a:t>
             </a:r>
             <a:r>
-              <a:rPr lang="en-US" dirty="0" err="1"/>
+              <a:rPr lang="en-US" dirty="0" err="1">
+                <a:latin typeface="Consolas" panose="020B0609020204030204" pitchFamily="49" charset="0"/>
+              </a:rPr>
               <a:t>MaxCheckedOut</a:t>
             </a:r>
             <a:r>
-              <a:rPr lang="en-US" dirty="0"/>
+              <a:rPr lang="en-US" dirty="0">
+                <a:latin typeface="Consolas" panose="020B0609020204030204" pitchFamily="49" charset="0"/>
+              </a:rPr>
               <a:t>(List&lt;Event&gt; events) {</a:t>
             </a:r>
           </a:p>
           <a:p>
-            <a:pPr marL="0" indent="0">
+            <a:pPr marL="0" indent="0" defTabSz="457200">
               <a:lnSpc>
                 <a:spcPct val="120000"/>
               </a:lnSpc>
@@ -4344,28 +4538,38 @@
               <a:buNone/>
             </a:pPr>
             <a:r>
-              <a:rPr lang="en-US" dirty="0"/>
-              <a:t>		</a:t>
-            </a:r>
-            <a:r>
-              <a:rPr lang="en-US" dirty="0" err="1"/>
+              <a:rPr lang="en-US" dirty="0">
+                <a:latin typeface="Consolas" panose="020B0609020204030204" pitchFamily="49" charset="0"/>
+              </a:rPr>
+              <a:t>	</a:t>
+            </a:r>
+            <a:r>
+              <a:rPr lang="en-US" dirty="0" err="1">
+                <a:latin typeface="Consolas" panose="020B0609020204030204" pitchFamily="49" charset="0"/>
+              </a:rPr>
               <a:t>int</a:t>
             </a:r>
             <a:r>
-              <a:rPr lang="en-US" dirty="0"/>
+              <a:rPr lang="en-US" dirty="0">
+                <a:latin typeface="Consolas" panose="020B0609020204030204" pitchFamily="49" charset="0"/>
+              </a:rPr>
               <a:t> </a:t>
             </a:r>
             <a:r>
-              <a:rPr lang="en-US" dirty="0" err="1"/>
+              <a:rPr lang="en-US" dirty="0" err="1">
+                <a:latin typeface="Consolas" panose="020B0609020204030204" pitchFamily="49" charset="0"/>
+              </a:rPr>
               <a:t>maxCount</a:t>
             </a:r>
             <a:r>
-              <a:rPr lang="en-US" dirty="0"/>
+              <a:rPr lang="en-US" dirty="0">
+                <a:latin typeface="Consolas" panose="020B0609020204030204" pitchFamily="49" charset="0"/>
+              </a:rPr>
               <a:t> = 0;</a:t>
             </a:r>
           </a:p>
           <a:p>
-            <a:pPr marL="0" indent="0">
+            <a:pPr marL="0" indent="0" defTabSz="457200">
               <a:lnSpc>
                 <a:spcPct val="120000"/>
               </a:lnSpc>
@@ -4375,28 +4579,38 @@
               <a:buNone/>
             </a:pPr>
             <a:r>
-              <a:rPr lang="en-US" dirty="0"/>
-              <a:t>		</a:t>
-            </a:r>
-            <a:r>
-              <a:rPr lang="en-US" dirty="0" err="1"/>
+              <a:rPr lang="en-US" dirty="0">
+                <a:latin typeface="Consolas" panose="020B0609020204030204" pitchFamily="49" charset="0"/>
+              </a:rPr>
+              <a:t>	</a:t>
+            </a:r>
+            <a:r>
+              <a:rPr lang="en-US" dirty="0" err="1">
+                <a:latin typeface="Consolas" panose="020B0609020204030204" pitchFamily="49" charset="0"/>
+              </a:rPr>
               <a:t>int</a:t>
             </a:r>
             <a:r>
-              <a:rPr lang="en-US" dirty="0"/>
+              <a:rPr lang="en-US" dirty="0">
+                <a:latin typeface="Consolas" panose="020B0609020204030204" pitchFamily="49" charset="0"/>
+              </a:rPr>
               <a:t> </a:t>
             </a:r>
             <a:r>
-              <a:rPr lang="en-US" dirty="0" err="1"/>
+              <a:rPr lang="en-US" dirty="0" err="1">
+                <a:latin typeface="Consolas" panose="020B0609020204030204" pitchFamily="49" charset="0"/>
+              </a:rPr>
               <a:t>countCheckedOut</a:t>
             </a:r>
             <a:r>
-              <a:rPr lang="en-US" dirty="0"/>
+              <a:rPr lang="en-US" dirty="0">
+                <a:latin typeface="Consolas" panose="020B0609020204030204" pitchFamily="49" charset="0"/>
+              </a:rPr>
               <a:t> = 0;</a:t>
             </a:r>
           </a:p>
           <a:p>
-            <a:pPr marL="0" indent="0">
+            <a:pPr marL="0" indent="0" defTabSz="457200">
               <a:lnSpc>
                 <a:spcPct val="120000"/>
               </a:lnSpc>
@@ -4406,28 +4620,38 @@
               <a:buNone/>
             </a:pPr>
             <a:r>
-              <a:rPr lang="en-US" dirty="0"/>
-              <a:t>		for (</a:t>
-            </a:r>
-            <a:r>
-              <a:rPr lang="en-US" dirty="0" err="1"/>
+              <a:rPr lang="en-US" dirty="0">
+                <a:latin typeface="Consolas" panose="020B0609020204030204" pitchFamily="49" charset="0"/>
+              </a:rPr>
+              <a:t>	for (</a:t>
+            </a:r>
+            <a:r>
+              <a:rPr lang="en-US" dirty="0" err="1">
+                <a:latin typeface="Consolas" panose="020B0609020204030204" pitchFamily="49" charset="0"/>
+              </a:rPr>
               <a:t>int</a:t>
             </a:r>
             <a:r>
-              <a:rPr lang="en-US" dirty="0"/>
+              <a:rPr lang="en-US" dirty="0">
+                <a:latin typeface="Consolas" panose="020B0609020204030204" pitchFamily="49" charset="0"/>
+              </a:rPr>
               <a:t> i=0; i &lt; </a:t>
             </a:r>
             <a:r>
-              <a:rPr lang="en-US" dirty="0" err="1"/>
+              <a:rPr lang="en-US" dirty="0" err="1">
+                <a:latin typeface="Consolas" panose="020B0609020204030204" pitchFamily="49" charset="0"/>
+              </a:rPr>
               <a:t>events.size</a:t>
             </a:r>
             <a:r>
-              <a:rPr lang="en-US" dirty="0"/>
+              <a:rPr lang="en-US" dirty="0">
+                <a:latin typeface="Consolas" panose="020B0609020204030204" pitchFamily="49" charset="0"/>
+              </a:rPr>
               <a:t>(); i++) {</a:t>
             </a:r>
           </a:p>
           <a:p>
-            <a:pPr marL="0" indent="0">
+            <a:pPr marL="0" indent="0" defTabSz="457200">
               <a:lnSpc>
                 <a:spcPct val="120000"/>
               </a:lnSpc>
@@ -4437,28 +4661,38 @@
               <a:buNone/>
             </a:pPr>
             <a:r>
-              <a:rPr lang="en-US" dirty="0"/>
-              <a:t>			Event </a:t>
-            </a:r>
-            <a:r>
-              <a:rPr lang="en-US" dirty="0" err="1"/>
+              <a:rPr lang="en-US" dirty="0">
+                <a:latin typeface="Consolas" panose="020B0609020204030204" pitchFamily="49" charset="0"/>
+              </a:rPr>
+              <a:t>		Event </a:t>
+            </a:r>
+            <a:r>
+              <a:rPr lang="en-US" dirty="0" err="1">
+                <a:latin typeface="Consolas" panose="020B0609020204030204" pitchFamily="49" charset="0"/>
+              </a:rPr>
               <a:t>event</a:t>
             </a:r>
             <a:r>
-              <a:rPr lang="en-US" dirty="0"/>
+              <a:rPr lang="en-US" dirty="0">
+                <a:latin typeface="Consolas" panose="020B0609020204030204" pitchFamily="49" charset="0"/>
+              </a:rPr>
               <a:t> = </a:t>
             </a:r>
             <a:r>
-              <a:rPr lang="en-US" dirty="0" err="1"/>
+              <a:rPr lang="en-US" dirty="0" err="1">
+                <a:latin typeface="Consolas" panose="020B0609020204030204" pitchFamily="49" charset="0"/>
+              </a:rPr>
               <a:t>events.get</a:t>
             </a:r>
             <a:r>
-              <a:rPr lang="en-US" dirty="0"/>
+              <a:rPr lang="en-US" dirty="0">
+                <a:latin typeface="Consolas" panose="020B0609020204030204" pitchFamily="49" charset="0"/>
+              </a:rPr>
               <a:t>(i);</a:t>
             </a:r>
           </a:p>
           <a:p>
-            <a:pPr marL="0" indent="0">
+            <a:pPr marL="0" indent="0" defTabSz="457200">
               <a:lnSpc>
                 <a:spcPct val="120000"/>
               </a:lnSpc>
@@ -4468,20 +4702,26 @@
               <a:buNone/>
             </a:pPr>
             <a:r>
-              <a:rPr lang="en-US" dirty="0"/>
-              <a:t>			switch (</a:t>
-            </a:r>
-            <a:r>
-              <a:rPr lang="en-US" dirty="0" err="1"/>
+              <a:rPr lang="en-US" dirty="0">
+                <a:latin typeface="Consolas" panose="020B0609020204030204" pitchFamily="49" charset="0"/>
+              </a:rPr>
+              <a:t>		switch (</a:t>
+            </a:r>
+            <a:r>
+              <a:rPr lang="en-US" dirty="0" err="1">
+                <a:latin typeface="Consolas" panose="020B0609020204030204" pitchFamily="49" charset="0"/>
+              </a:rPr>
               <a:t>event.deskEvent</a:t>
             </a:r>
             <a:r>
-              <a:rPr lang="en-US" dirty="0"/>
+              <a:rPr lang="en-US" dirty="0">
+                <a:latin typeface="Consolas" panose="020B0609020204030204" pitchFamily="49" charset="0"/>
+              </a:rPr>
               <a:t>) {</a:t>
             </a:r>
           </a:p>
           <a:p>
-            <a:pPr marL="0" indent="0">
+            <a:pPr marL="0" indent="0" defTabSz="457200">
               <a:lnSpc>
                 <a:spcPct val="120000"/>
               </a:lnSpc>
@@ -4491,12 +4731,14 @@
               <a:buNone/>
             </a:pPr>
             <a:r>
-              <a:rPr lang="en-US" dirty="0"/>
-              <a:t>			case checkout:</a:t>
-            </a:r>
-          </a:p>
-          <a:p>
-            <a:pPr marL="0" indent="0">
+              <a:rPr lang="en-US" dirty="0">
+                <a:latin typeface="Consolas" panose="020B0609020204030204" pitchFamily="49" charset="0"/>
+              </a:rPr>
+              <a:t>		case checkout:</a:t>
+            </a:r>
+          </a:p>
+          <a:p>
+            <a:pPr marL="0" indent="0" defTabSz="457200">
               <a:lnSpc>
                 <a:spcPct val="120000"/>
               </a:lnSpc>
@@ -4506,20 +4748,26 @@
               <a:buNone/>
             </a:pPr>
             <a:r>
-              <a:rPr lang="en-US" dirty="0"/>
-              <a:t>				</a:t>
-            </a:r>
-            <a:r>
-              <a:rPr lang="en-US" dirty="0" err="1"/>
+              <a:rPr lang="en-US" dirty="0">
+                <a:latin typeface="Consolas" panose="020B0609020204030204" pitchFamily="49" charset="0"/>
+              </a:rPr>
+              <a:t>			</a:t>
+            </a:r>
+            <a:r>
+              <a:rPr lang="en-US" dirty="0" err="1">
+                <a:latin typeface="Consolas" panose="020B0609020204030204" pitchFamily="49" charset="0"/>
+              </a:rPr>
               <a:t>countCheckedOut</a:t>
             </a:r>
             <a:r>
-              <a:rPr lang="en-US" dirty="0"/>
+              <a:rPr lang="en-US" dirty="0">
+                <a:latin typeface="Consolas" panose="020B0609020204030204" pitchFamily="49" charset="0"/>
+              </a:rPr>
               <a:t>++;</a:t>
             </a:r>
           </a:p>
           <a:p>
-            <a:pPr marL="0" indent="0">
+            <a:pPr marL="0" indent="0" defTabSz="457200">
               <a:lnSpc>
                 <a:spcPct val="120000"/>
               </a:lnSpc>
@@ -4529,12 +4777,14 @@
               <a:buNone/>
             </a:pPr>
             <a:r>
-              <a:rPr lang="en-US" dirty="0"/>
-              <a:t>				break;</a:t>
-            </a:r>
-          </a:p>
-          <a:p>
-            <a:pPr marL="0" indent="0">
+              <a:rPr lang="en-US" dirty="0">
+                <a:latin typeface="Consolas" panose="020B0609020204030204" pitchFamily="49" charset="0"/>
+              </a:rPr>
+              <a:t>			break;</a:t>
+            </a:r>
+          </a:p>
+          <a:p>
+            <a:pPr marL="0" indent="0" defTabSz="457200">
               <a:lnSpc>
                 <a:spcPct val="120000"/>
               </a:lnSpc>
@@ -4544,20 +4794,26 @@
               <a:buNone/>
             </a:pPr>
             <a:r>
-              <a:rPr lang="en-US" dirty="0"/>
-              <a:t>			case </a:t>
-            </a:r>
-            <a:r>
-              <a:rPr lang="en-US" dirty="0" err="1"/>
+              <a:rPr lang="en-US" dirty="0">
+                <a:latin typeface="Consolas" panose="020B0609020204030204" pitchFamily="49" charset="0"/>
+              </a:rPr>
+              <a:t>		case </a:t>
+            </a:r>
+            <a:r>
+              <a:rPr lang="en-US" dirty="0" err="1">
+                <a:latin typeface="Consolas" panose="020B0609020204030204" pitchFamily="49" charset="0"/>
+              </a:rPr>
               <a:t>checkin</a:t>
             </a:r>
             <a:r>
-              <a:rPr lang="en-US" dirty="0"/>
+              <a:rPr lang="en-US" dirty="0">
+                <a:latin typeface="Consolas" panose="020B0609020204030204" pitchFamily="49" charset="0"/>
+              </a:rPr>
               <a:t>:</a:t>
             </a:r>
           </a:p>
           <a:p>
-            <a:pPr marL="0" indent="0">
+            <a:pPr marL="0" indent="0" defTabSz="457200">
               <a:lnSpc>
                 <a:spcPct val="120000"/>
               </a:lnSpc>
@@ -4567,20 +4823,26 @@
               <a:buNone/>
             </a:pPr>
             <a:r>
-              <a:rPr lang="en-US" dirty="0"/>
-              <a:t>				</a:t>
-            </a:r>
-            <a:r>
-              <a:rPr lang="en-US" dirty="0" err="1"/>
+              <a:rPr lang="en-US" dirty="0">
+                <a:latin typeface="Consolas" panose="020B0609020204030204" pitchFamily="49" charset="0"/>
+              </a:rPr>
+              <a:t>			</a:t>
+            </a:r>
+            <a:r>
+              <a:rPr lang="en-US" dirty="0" err="1">
+                <a:latin typeface="Consolas" panose="020B0609020204030204" pitchFamily="49" charset="0"/>
+              </a:rPr>
               <a:t>countCheckedOut</a:t>
             </a:r>
             <a:r>
-              <a:rPr lang="en-US" dirty="0"/>
+              <a:rPr lang="en-US" dirty="0">
+                <a:latin typeface="Consolas" panose="020B0609020204030204" pitchFamily="49" charset="0"/>
+              </a:rPr>
               <a:t>--;</a:t>
             </a:r>
           </a:p>
           <a:p>
-            <a:pPr marL="0" indent="0">
+            <a:pPr marL="0" indent="0" defTabSz="457200">
               <a:lnSpc>
                 <a:spcPct val="120000"/>
               </a:lnSpc>
@@ -4590,12 +4852,14 @@
               <a:buNone/>
             </a:pPr>
             <a:r>
-              <a:rPr lang="en-US" dirty="0"/>
-              <a:t>			}</a:t>
-            </a:r>
-          </a:p>
-          <a:p>
-            <a:pPr marL="0" indent="0">
+              <a:rPr lang="en-US" dirty="0">
+                <a:latin typeface="Consolas" panose="020B0609020204030204" pitchFamily="49" charset="0"/>
+              </a:rPr>
+              <a:t>		}</a:t>
+            </a:r>
+          </a:p>
+          <a:p>
+            <a:pPr marL="0" indent="0" defTabSz="457200">
               <a:lnSpc>
                 <a:spcPct val="120000"/>
               </a:lnSpc>
@@ -4605,28 +4869,38 @@
               <a:buNone/>
             </a:pPr>
             <a:r>
-              <a:rPr lang="en-US" dirty="0"/>
-              <a:t>			if (</a:t>
-            </a:r>
-            <a:r>
-              <a:rPr lang="en-US" dirty="0" err="1"/>
+              <a:rPr lang="en-US" dirty="0">
+                <a:latin typeface="Consolas" panose="020B0609020204030204" pitchFamily="49" charset="0"/>
+              </a:rPr>
+              <a:t>		if (</a:t>
+            </a:r>
+            <a:r>
+              <a:rPr lang="en-US" dirty="0" err="1">
+                <a:latin typeface="Consolas" panose="020B0609020204030204" pitchFamily="49" charset="0"/>
+              </a:rPr>
               <a:t>countCheckedOut</a:t>
             </a:r>
             <a:r>
-              <a:rPr lang="en-US" dirty="0"/>
+              <a:rPr lang="en-US" dirty="0">
+                <a:latin typeface="Consolas" panose="020B0609020204030204" pitchFamily="49" charset="0"/>
+              </a:rPr>
               <a:t> &gt; </a:t>
             </a:r>
             <a:r>
-              <a:rPr lang="en-US" dirty="0" err="1"/>
+              <a:rPr lang="en-US" dirty="0" err="1">
+                <a:latin typeface="Consolas" panose="020B0609020204030204" pitchFamily="49" charset="0"/>
+              </a:rPr>
               <a:t>maxCount</a:t>
             </a:r>
             <a:r>
-              <a:rPr lang="en-US" dirty="0"/>
+              <a:rPr lang="en-US" dirty="0">
+                <a:latin typeface="Consolas" panose="020B0609020204030204" pitchFamily="49" charset="0"/>
+              </a:rPr>
               <a:t>) {</a:t>
             </a:r>
           </a:p>
           <a:p>
-            <a:pPr marL="0" indent="0">
+            <a:pPr marL="0" indent="0" defTabSz="457200">
               <a:lnSpc>
                 <a:spcPct val="120000"/>
               </a:lnSpc>
@@ -4636,28 +4910,38 @@
               <a:buNone/>
             </a:pPr>
             <a:r>
-              <a:rPr lang="en-US" dirty="0"/>
-              <a:t>				</a:t>
-            </a:r>
-            <a:r>
-              <a:rPr lang="en-US" dirty="0" err="1"/>
+              <a:rPr lang="en-US" dirty="0">
+                <a:latin typeface="Consolas" panose="020B0609020204030204" pitchFamily="49" charset="0"/>
+              </a:rPr>
+              <a:t>			</a:t>
+            </a:r>
+            <a:r>
+              <a:rPr lang="en-US" dirty="0" err="1">
+                <a:latin typeface="Consolas" panose="020B0609020204030204" pitchFamily="49" charset="0"/>
+              </a:rPr>
               <a:t>maxCount</a:t>
             </a:r>
             <a:r>
-              <a:rPr lang="en-US" dirty="0"/>
+              <a:rPr lang="en-US" dirty="0">
+                <a:latin typeface="Consolas" panose="020B0609020204030204" pitchFamily="49" charset="0"/>
+              </a:rPr>
               <a:t> = </a:t>
             </a:r>
             <a:r>
-              <a:rPr lang="en-US" dirty="0" err="1"/>
+              <a:rPr lang="en-US" dirty="0" err="1">
+                <a:latin typeface="Consolas" panose="020B0609020204030204" pitchFamily="49" charset="0"/>
+              </a:rPr>
               <a:t>countCheckedOut</a:t>
             </a:r>
             <a:r>
-              <a:rPr lang="en-US" dirty="0"/>
+              <a:rPr lang="en-US" dirty="0">
+                <a:latin typeface="Consolas" panose="020B0609020204030204" pitchFamily="49" charset="0"/>
+              </a:rPr>
               <a:t>;</a:t>
             </a:r>
           </a:p>
           <a:p>
-            <a:pPr marL="0" indent="0">
+            <a:pPr marL="0" indent="0" defTabSz="457200">
               <a:lnSpc>
                 <a:spcPct val="120000"/>
               </a:lnSpc>
@@ -4667,12 +4951,14 @@
               <a:buNone/>
             </a:pPr>
             <a:r>
-              <a:rPr lang="en-US" dirty="0"/>
-              <a:t>			}</a:t>
-            </a:r>
-          </a:p>
-          <a:p>
-            <a:pPr marL="0" indent="0">
+              <a:rPr lang="en-US" dirty="0">
+                <a:latin typeface="Consolas" panose="020B0609020204030204" pitchFamily="49" charset="0"/>
+              </a:rPr>
+              <a:t>		}</a:t>
+            </a:r>
+          </a:p>
+          <a:p>
+            <a:pPr marL="0" indent="0" defTabSz="457200">
               <a:lnSpc>
                 <a:spcPct val="120000"/>
               </a:lnSpc>
@@ -4682,12 +4968,14 @@
               <a:buNone/>
             </a:pPr>
             <a:r>
-              <a:rPr lang="en-US" dirty="0"/>
-              <a:t>		}</a:t>
-            </a:r>
-          </a:p>
-          <a:p>
-            <a:pPr marL="0" indent="0">
+              <a:rPr lang="en-US" dirty="0">
+                <a:latin typeface="Consolas" panose="020B0609020204030204" pitchFamily="49" charset="0"/>
+              </a:rPr>
+              <a:t>	}</a:t>
+            </a:r>
+          </a:p>
+          <a:p>
+            <a:pPr marL="0" indent="0" defTabSz="457200">
               <a:lnSpc>
                 <a:spcPct val="120000"/>
               </a:lnSpc>
@@ -4697,20 +4985,26 @@
               <a:buNone/>
             </a:pPr>
             <a:r>
-              <a:rPr lang="en-US" dirty="0"/>
-              <a:t>		return </a:t>
-            </a:r>
-            <a:r>
-              <a:rPr lang="en-US" dirty="0" err="1"/>
+              <a:rPr lang="en-US" dirty="0">
+                <a:latin typeface="Consolas" panose="020B0609020204030204" pitchFamily="49" charset="0"/>
+              </a:rPr>
+              <a:t>	return </a:t>
+            </a:r>
+            <a:r>
+              <a:rPr lang="en-US" dirty="0" err="1">
+                <a:latin typeface="Consolas" panose="020B0609020204030204" pitchFamily="49" charset="0"/>
+              </a:rPr>
               <a:t>maxCount</a:t>
             </a:r>
             <a:r>
-              <a:rPr lang="en-US" dirty="0"/>
+              <a:rPr lang="en-US" dirty="0">
+                <a:latin typeface="Consolas" panose="020B0609020204030204" pitchFamily="49" charset="0"/>
+              </a:rPr>
               <a:t>;</a:t>
             </a:r>
           </a:p>
           <a:p>
-            <a:pPr marL="0" indent="0">
+            <a:pPr marL="0" indent="0" defTabSz="457200">
               <a:lnSpc>
                 <a:spcPct val="120000"/>
               </a:lnSpc>
@@ -4720,8 +5014,10 @@
               <a:buNone/>
             </a:pPr>
             <a:r>
-              <a:rPr lang="en-US" dirty="0"/>
-              <a:t>	}</a:t>
+              <a:rPr lang="en-US" dirty="0">
+                <a:latin typeface="Consolas" panose="020B0609020204030204" pitchFamily="49" charset="0"/>
+              </a:rPr>
+              <a:t>}</a:t>
             </a:r>
           </a:p>
           <a:p>

--- a/The Library Problem.pptx
+++ b/The Library Problem.pptx
@@ -273,7 +273,7 @@
           <a:p>
             <a:fld id="{28AE68A4-6830-473E-9B22-9CB76D6D632B}" type="datetimeFigureOut">
               <a:rPr lang="en-US" smtClean="0"/>
-              <a:t>12/7/2017</a:t>
+              <a:t>12/10/2017</a:t>
             </a:fld>
             <a:endParaRPr lang="en-US"/>
           </a:p>
@@ -471,7 +471,7 @@
           <a:p>
             <a:fld id="{28AE68A4-6830-473E-9B22-9CB76D6D632B}" type="datetimeFigureOut">
               <a:rPr lang="en-US" smtClean="0"/>
-              <a:t>12/7/2017</a:t>
+              <a:t>12/10/2017</a:t>
             </a:fld>
             <a:endParaRPr lang="en-US"/>
           </a:p>
@@ -679,7 +679,7 @@
           <a:p>
             <a:fld id="{28AE68A4-6830-473E-9B22-9CB76D6D632B}" type="datetimeFigureOut">
               <a:rPr lang="en-US" smtClean="0"/>
-              <a:t>12/7/2017</a:t>
+              <a:t>12/10/2017</a:t>
             </a:fld>
             <a:endParaRPr lang="en-US"/>
           </a:p>
@@ -877,7 +877,7 @@
           <a:p>
             <a:fld id="{28AE68A4-6830-473E-9B22-9CB76D6D632B}" type="datetimeFigureOut">
               <a:rPr lang="en-US" smtClean="0"/>
-              <a:t>12/7/2017</a:t>
+              <a:t>12/10/2017</a:t>
             </a:fld>
             <a:endParaRPr lang="en-US"/>
           </a:p>
@@ -1152,7 +1152,7 @@
           <a:p>
             <a:fld id="{28AE68A4-6830-473E-9B22-9CB76D6D632B}" type="datetimeFigureOut">
               <a:rPr lang="en-US" smtClean="0"/>
-              <a:t>12/7/2017</a:t>
+              <a:t>12/10/2017</a:t>
             </a:fld>
             <a:endParaRPr lang="en-US"/>
           </a:p>
@@ -1417,7 +1417,7 @@
           <a:p>
             <a:fld id="{28AE68A4-6830-473E-9B22-9CB76D6D632B}" type="datetimeFigureOut">
               <a:rPr lang="en-US" smtClean="0"/>
-              <a:t>12/7/2017</a:t>
+              <a:t>12/10/2017</a:t>
             </a:fld>
             <a:endParaRPr lang="en-US"/>
           </a:p>
@@ -1829,7 +1829,7 @@
           <a:p>
             <a:fld id="{28AE68A4-6830-473E-9B22-9CB76D6D632B}" type="datetimeFigureOut">
               <a:rPr lang="en-US" smtClean="0"/>
-              <a:t>12/7/2017</a:t>
+              <a:t>12/10/2017</a:t>
             </a:fld>
             <a:endParaRPr lang="en-US"/>
           </a:p>
@@ -1970,7 +1970,7 @@
           <a:p>
             <a:fld id="{28AE68A4-6830-473E-9B22-9CB76D6D632B}" type="datetimeFigureOut">
               <a:rPr lang="en-US" smtClean="0"/>
-              <a:t>12/7/2017</a:t>
+              <a:t>12/10/2017</a:t>
             </a:fld>
             <a:endParaRPr lang="en-US"/>
           </a:p>
@@ -2083,7 +2083,7 @@
           <a:p>
             <a:fld id="{28AE68A4-6830-473E-9B22-9CB76D6D632B}" type="datetimeFigureOut">
               <a:rPr lang="en-US" smtClean="0"/>
-              <a:t>12/7/2017</a:t>
+              <a:t>12/10/2017</a:t>
             </a:fld>
             <a:endParaRPr lang="en-US"/>
           </a:p>
@@ -2394,7 +2394,7 @@
           <a:p>
             <a:fld id="{28AE68A4-6830-473E-9B22-9CB76D6D632B}" type="datetimeFigureOut">
               <a:rPr lang="en-US" smtClean="0"/>
-              <a:t>12/7/2017</a:t>
+              <a:t>12/10/2017</a:t>
             </a:fld>
             <a:endParaRPr lang="en-US"/>
           </a:p>
@@ -2682,7 +2682,7 @@
           <a:p>
             <a:fld id="{28AE68A4-6830-473E-9B22-9CB76D6D632B}" type="datetimeFigureOut">
               <a:rPr lang="en-US" smtClean="0"/>
-              <a:t>12/7/2017</a:t>
+              <a:t>12/10/2017</a:t>
             </a:fld>
             <a:endParaRPr lang="en-US"/>
           </a:p>
@@ -2923,7 +2923,7 @@
           <a:p>
             <a:fld id="{28AE68A4-6830-473E-9B22-9CB76D6D632B}" type="datetimeFigureOut">
               <a:rPr lang="en-US" smtClean="0"/>
-              <a:t>12/7/2017</a:t>
+              <a:t>12/10/2017</a:t>
             </a:fld>
             <a:endParaRPr lang="en-US"/>
           </a:p>
@@ -3412,6 +3412,13 @@
   <p:clrMapOvr>
     <a:masterClrMapping/>
   </p:clrMapOvr>
+  <p:timing>
+    <p:tnLst>
+      <p:par>
+        <p:cTn id="1" dur="indefinite" restart="never" nodeType="tmRoot"/>
+      </p:par>
+    </p:tnLst>
+  </p:timing>
 </p:sld>
 </file>
 
@@ -3490,7 +3497,15 @@
           <a:p>
             <a:r>
               <a:rPr lang="en-US" dirty="0"/>
-              <a:t>If the original data were collected by checked in, checked out pairs, how do we create the data we want?</a:t>
+              <a:t>If the original data were collected by </a:t>
+            </a:r>
+            <a:r>
+              <a:rPr lang="en-US" smtClean="0"/>
+              <a:t>individual book logs, </a:t>
+            </a:r>
+            <a:r>
+              <a:rPr lang="en-US" dirty="0"/>
+              <a:t>how do we create the data we want?</a:t>
             </a:r>
           </a:p>
           <a:p>
@@ -3511,6 +3526,13 @@
   <p:clrMapOvr>
     <a:masterClrMapping/>
   </p:clrMapOvr>
+  <p:timing>
+    <p:tnLst>
+      <p:par>
+        <p:cTn id="1" dur="indefinite" restart="never" nodeType="tmRoot"/>
+      </p:par>
+    </p:tnLst>
+  </p:timing>
 </p:sld>
 </file>
 
@@ -3594,6 +3616,13 @@
   <p:clrMapOvr>
     <a:masterClrMapping/>
   </p:clrMapOvr>
+  <p:timing>
+    <p:tnLst>
+      <p:par>
+        <p:cTn id="1" dur="indefinite" restart="never" nodeType="tmRoot"/>
+      </p:par>
+    </p:tnLst>
+  </p:timing>
 </p:sld>
 </file>
 
@@ -3716,6 +3745,13 @@
   <p:clrMapOvr>
     <a:masterClrMapping/>
   </p:clrMapOvr>
+  <p:timing>
+    <p:tnLst>
+      <p:par>
+        <p:cTn id="1" dur="indefinite" restart="never" nodeType="tmRoot"/>
+      </p:par>
+    </p:tnLst>
+  </p:timing>
 </p:sld>
 </file>
 
@@ -3820,6 +3856,13 @@
   <p:clrMapOvr>
     <a:masterClrMapping/>
   </p:clrMapOvr>
+  <p:timing>
+    <p:tnLst>
+      <p:par>
+        <p:cTn id="1" dur="indefinite" restart="never" nodeType="tmRoot"/>
+      </p:par>
+    </p:tnLst>
+  </p:timing>
 </p:sld>
 </file>
 
@@ -3967,6 +4010,13 @@
   <p:clrMapOvr>
     <a:masterClrMapping/>
   </p:clrMapOvr>
+  <p:timing>
+    <p:tnLst>
+      <p:par>
+        <p:cTn id="1" dur="indefinite" restart="never" nodeType="tmRoot"/>
+      </p:par>
+    </p:tnLst>
+  </p:timing>
 </p:sld>
 </file>
 
@@ -4073,6 +4123,13 @@
   <p:clrMapOvr>
     <a:masterClrMapping/>
   </p:clrMapOvr>
+  <p:timing>
+    <p:tnLst>
+      <p:par>
+        <p:cTn id="1" dur="indefinite" restart="never" nodeType="tmRoot"/>
+      </p:par>
+    </p:tnLst>
+  </p:timing>
 </p:sld>
 </file>
 
@@ -4156,6 +4213,13 @@
   <p:clrMapOvr>
     <a:masterClrMapping/>
   </p:clrMapOvr>
+  <p:timing>
+    <p:tnLst>
+      <p:par>
+        <p:cTn id="1" dur="indefinite" restart="never" nodeType="tmRoot"/>
+      </p:par>
+    </p:tnLst>
+  </p:timing>
 </p:sld>
 </file>
 
@@ -4198,9 +4262,10 @@
           <a:lstStyle/>
           <a:p>
             <a:r>
-              <a:rPr lang="en-US" dirty="0"/>
-              <a:t>More Questions</a:t>
-            </a:r>
+              <a:rPr lang="en-US" dirty="0" smtClean="0"/>
+              <a:t>Questions?</a:t>
+            </a:r>
+            <a:endParaRPr lang="en-US" dirty="0"/>
           </a:p>
         </p:txBody>
       </p:sp>
@@ -4264,6 +4329,13 @@
   <p:clrMapOvr>
     <a:masterClrMapping/>
   </p:clrMapOvr>
+  <p:timing>
+    <p:tnLst>
+      <p:par>
+        <p:cTn id="1" dur="indefinite" restart="never" nodeType="tmRoot"/>
+      </p:par>
+    </p:tnLst>
+  </p:timing>
 </p:sld>
 </file>
 
@@ -4416,6 +4488,13 @@
   <p:clrMapOvr>
     <a:masterClrMapping/>
   </p:clrMapOvr>
+  <p:timing>
+    <p:tnLst>
+      <p:par>
+        <p:cTn id="1" dur="indefinite" restart="never" nodeType="tmRoot"/>
+      </p:par>
+    </p:tnLst>
+  </p:timing>
 </p:sld>
 </file>
 
@@ -5038,6 +5117,13 @@
   <p:clrMapOvr>
     <a:masterClrMapping/>
   </p:clrMapOvr>
+  <p:timing>
+    <p:tnLst>
+      <p:par>
+        <p:cTn id="1" dur="indefinite" restart="never" nodeType="tmRoot"/>
+      </p:par>
+    </p:tnLst>
+  </p:timing>
 </p:sld>
 </file>
 

--- a/The Library Problem.pptx
+++ b/The Library Problem.pptx
@@ -10,12 +10,17 @@
     <p:sldId id="258" r:id="rId4"/>
     <p:sldId id="259" r:id="rId5"/>
     <p:sldId id="260" r:id="rId6"/>
-    <p:sldId id="261" r:id="rId7"/>
+    <p:sldId id="271" r:id="rId7"/>
     <p:sldId id="262" r:id="rId8"/>
     <p:sldId id="263" r:id="rId9"/>
     <p:sldId id="264" r:id="rId10"/>
     <p:sldId id="265" r:id="rId11"/>
     <p:sldId id="266" r:id="rId12"/>
+    <p:sldId id="267" r:id="rId13"/>
+    <p:sldId id="268" r:id="rId14"/>
+    <p:sldId id="270" r:id="rId15"/>
+    <p:sldId id="269" r:id="rId16"/>
+    <p:sldId id="272" r:id="rId17"/>
   </p:sldIdLst>
   <p:sldSz cx="12192000" cy="6858000"/>
   <p:notesSz cx="6858000" cy="9144000"/>
@@ -273,7 +278,7 @@
           <a:p>
             <a:fld id="{28AE68A4-6830-473E-9B22-9CB76D6D632B}" type="datetimeFigureOut">
               <a:rPr lang="en-US" smtClean="0"/>
-              <a:t>12/7/2017</a:t>
+              <a:t>12/11/2017</a:t>
             </a:fld>
             <a:endParaRPr lang="en-US"/>
           </a:p>
@@ -471,7 +476,7 @@
           <a:p>
             <a:fld id="{28AE68A4-6830-473E-9B22-9CB76D6D632B}" type="datetimeFigureOut">
               <a:rPr lang="en-US" smtClean="0"/>
-              <a:t>12/7/2017</a:t>
+              <a:t>12/11/2017</a:t>
             </a:fld>
             <a:endParaRPr lang="en-US"/>
           </a:p>
@@ -679,7 +684,7 @@
           <a:p>
             <a:fld id="{28AE68A4-6830-473E-9B22-9CB76D6D632B}" type="datetimeFigureOut">
               <a:rPr lang="en-US" smtClean="0"/>
-              <a:t>12/7/2017</a:t>
+              <a:t>12/11/2017</a:t>
             </a:fld>
             <a:endParaRPr lang="en-US"/>
           </a:p>
@@ -877,7 +882,7 @@
           <a:p>
             <a:fld id="{28AE68A4-6830-473E-9B22-9CB76D6D632B}" type="datetimeFigureOut">
               <a:rPr lang="en-US" smtClean="0"/>
-              <a:t>12/7/2017</a:t>
+              <a:t>12/11/2017</a:t>
             </a:fld>
             <a:endParaRPr lang="en-US"/>
           </a:p>
@@ -1152,7 +1157,7 @@
           <a:p>
             <a:fld id="{28AE68A4-6830-473E-9B22-9CB76D6D632B}" type="datetimeFigureOut">
               <a:rPr lang="en-US" smtClean="0"/>
-              <a:t>12/7/2017</a:t>
+              <a:t>12/11/2017</a:t>
             </a:fld>
             <a:endParaRPr lang="en-US"/>
           </a:p>
@@ -1417,7 +1422,7 @@
           <a:p>
             <a:fld id="{28AE68A4-6830-473E-9B22-9CB76D6D632B}" type="datetimeFigureOut">
               <a:rPr lang="en-US" smtClean="0"/>
-              <a:t>12/7/2017</a:t>
+              <a:t>12/11/2017</a:t>
             </a:fld>
             <a:endParaRPr lang="en-US"/>
           </a:p>
@@ -1829,7 +1834,7 @@
           <a:p>
             <a:fld id="{28AE68A4-6830-473E-9B22-9CB76D6D632B}" type="datetimeFigureOut">
               <a:rPr lang="en-US" smtClean="0"/>
-              <a:t>12/7/2017</a:t>
+              <a:t>12/11/2017</a:t>
             </a:fld>
             <a:endParaRPr lang="en-US"/>
           </a:p>
@@ -1970,7 +1975,7 @@
           <a:p>
             <a:fld id="{28AE68A4-6830-473E-9B22-9CB76D6D632B}" type="datetimeFigureOut">
               <a:rPr lang="en-US" smtClean="0"/>
-              <a:t>12/7/2017</a:t>
+              <a:t>12/11/2017</a:t>
             </a:fld>
             <a:endParaRPr lang="en-US"/>
           </a:p>
@@ -2083,7 +2088,7 @@
           <a:p>
             <a:fld id="{28AE68A4-6830-473E-9B22-9CB76D6D632B}" type="datetimeFigureOut">
               <a:rPr lang="en-US" smtClean="0"/>
-              <a:t>12/7/2017</a:t>
+              <a:t>12/11/2017</a:t>
             </a:fld>
             <a:endParaRPr lang="en-US"/>
           </a:p>
@@ -2394,7 +2399,7 @@
           <a:p>
             <a:fld id="{28AE68A4-6830-473E-9B22-9CB76D6D632B}" type="datetimeFigureOut">
               <a:rPr lang="en-US" smtClean="0"/>
-              <a:t>12/7/2017</a:t>
+              <a:t>12/11/2017</a:t>
             </a:fld>
             <a:endParaRPr lang="en-US"/>
           </a:p>
@@ -2682,7 +2687,7 @@
           <a:p>
             <a:fld id="{28AE68A4-6830-473E-9B22-9CB76D6D632B}" type="datetimeFigureOut">
               <a:rPr lang="en-US" smtClean="0"/>
-              <a:t>12/7/2017</a:t>
+              <a:t>12/11/2017</a:t>
             </a:fld>
             <a:endParaRPr lang="en-US"/>
           </a:p>
@@ -2923,7 +2928,7 @@
           <a:p>
             <a:fld id="{28AE68A4-6830-473E-9B22-9CB76D6D632B}" type="datetimeFigureOut">
               <a:rPr lang="en-US" smtClean="0"/>
-              <a:t>12/7/2017</a:t>
+              <a:t>12/11/2017</a:t>
             </a:fld>
             <a:endParaRPr lang="en-US"/>
           </a:p>
@@ -3490,7 +3495,7 @@
           <a:p>
             <a:r>
               <a:rPr lang="en-US" dirty="0"/>
-              <a:t>If the original data were collected by checked in, checked out pairs, how do we create the data we want?</a:t>
+              <a:t>If the original data were collected by book slips, how do we create the data we want?</a:t>
             </a:r>
           </a:p>
           <a:p>
@@ -3597,6 +3602,1811 @@
 </p:sld>
 </file>
 
+<file path=ppt/slides/slide12.xml><?xml version="1.0" encoding="utf-8"?>
+<p:sld xmlns:a="http://schemas.openxmlformats.org/drawingml/2006/main" xmlns:r="http://schemas.openxmlformats.org/officeDocument/2006/relationships" xmlns:p="http://schemas.openxmlformats.org/presentationml/2006/main">
+  <p:cSld>
+    <p:spTree>
+      <p:nvGrpSpPr>
+        <p:cNvPr id="1" name=""/>
+        <p:cNvGrpSpPr/>
+        <p:nvPr/>
+      </p:nvGrpSpPr>
+      <p:grpSpPr>
+        <a:xfrm>
+          <a:off x="0" y="0"/>
+          <a:ext cx="0" cy="0"/>
+          <a:chOff x="0" y="0"/>
+          <a:chExt cx="0" cy="0"/>
+        </a:xfrm>
+      </p:grpSpPr>
+      <p:sp>
+        <p:nvSpPr>
+          <p:cNvPr id="2" name="Title 1">
+            <a:extLst>
+              <a:ext uri="{FF2B5EF4-FFF2-40B4-BE49-F238E27FC236}">
+                <a16:creationId xmlns:a16="http://schemas.microsoft.com/office/drawing/2014/main" id="{C789F7D3-CB5E-4C14-A0BF-45C78ACB1237}"/>
+              </a:ext>
+            </a:extLst>
+          </p:cNvPr>
+          <p:cNvSpPr>
+            <a:spLocks noGrp="1"/>
+          </p:cNvSpPr>
+          <p:nvPr>
+            <p:ph type="title"/>
+          </p:nvPr>
+        </p:nvSpPr>
+        <p:spPr/>
+        <p:txBody>
+          <a:bodyPr/>
+          <a:lstStyle/>
+          <a:p>
+            <a:r>
+              <a:rPr lang="en-US" dirty="0"/>
+              <a:t>Appendices</a:t>
+            </a:r>
+          </a:p>
+        </p:txBody>
+      </p:sp>
+      <p:sp>
+        <p:nvSpPr>
+          <p:cNvPr id="3" name="Content Placeholder 2">
+            <a:extLst>
+              <a:ext uri="{FF2B5EF4-FFF2-40B4-BE49-F238E27FC236}">
+                <a16:creationId xmlns:a16="http://schemas.microsoft.com/office/drawing/2014/main" id="{585B6A5A-8475-4288-940C-B1F81A1EE203}"/>
+              </a:ext>
+            </a:extLst>
+          </p:cNvPr>
+          <p:cNvSpPr>
+            <a:spLocks noGrp="1"/>
+          </p:cNvSpPr>
+          <p:nvPr>
+            <p:ph idx="1"/>
+          </p:nvPr>
+        </p:nvSpPr>
+        <p:spPr/>
+        <p:txBody>
+          <a:bodyPr/>
+          <a:lstStyle/>
+          <a:p>
+            <a:endParaRPr lang="en-US"/>
+          </a:p>
+        </p:txBody>
+      </p:sp>
+    </p:spTree>
+    <p:extLst>
+      <p:ext uri="{BB962C8B-B14F-4D97-AF65-F5344CB8AC3E}">
+        <p14:creationId xmlns:p14="http://schemas.microsoft.com/office/powerpoint/2010/main" val="3877605224"/>
+      </p:ext>
+    </p:extLst>
+  </p:cSld>
+  <p:clrMapOvr>
+    <a:masterClrMapping/>
+  </p:clrMapOvr>
+</p:sld>
+</file>
+
+<file path=ppt/slides/slide13.xml><?xml version="1.0" encoding="utf-8"?>
+<p:sld xmlns:a="http://schemas.openxmlformats.org/drawingml/2006/main" xmlns:r="http://schemas.openxmlformats.org/officeDocument/2006/relationships" xmlns:p="http://schemas.openxmlformats.org/presentationml/2006/main">
+  <p:cSld>
+    <p:spTree>
+      <p:nvGrpSpPr>
+        <p:cNvPr id="1" name=""/>
+        <p:cNvGrpSpPr/>
+        <p:nvPr/>
+      </p:nvGrpSpPr>
+      <p:grpSpPr>
+        <a:xfrm>
+          <a:off x="0" y="0"/>
+          <a:ext cx="0" cy="0"/>
+          <a:chOff x="0" y="0"/>
+          <a:chExt cx="0" cy="0"/>
+        </a:xfrm>
+      </p:grpSpPr>
+      <p:sp>
+        <p:nvSpPr>
+          <p:cNvPr id="2" name="Title 1">
+            <a:extLst>
+              <a:ext uri="{FF2B5EF4-FFF2-40B4-BE49-F238E27FC236}">
+                <a16:creationId xmlns:a16="http://schemas.microsoft.com/office/drawing/2014/main" id="{DCC11DE1-C920-4C2C-9A62-A0066E99F8F2}"/>
+              </a:ext>
+            </a:extLst>
+          </p:cNvPr>
+          <p:cNvSpPr>
+            <a:spLocks noGrp="1"/>
+          </p:cNvSpPr>
+          <p:nvPr>
+            <p:ph type="title"/>
+          </p:nvPr>
+        </p:nvSpPr>
+        <p:spPr/>
+        <p:txBody>
+          <a:bodyPr/>
+          <a:lstStyle/>
+          <a:p>
+            <a:r>
+              <a:rPr lang="en-US" dirty="0"/>
+              <a:t>Event Class</a:t>
+            </a:r>
+          </a:p>
+        </p:txBody>
+      </p:sp>
+      <p:sp>
+        <p:nvSpPr>
+          <p:cNvPr id="3" name="Content Placeholder 2">
+            <a:extLst>
+              <a:ext uri="{FF2B5EF4-FFF2-40B4-BE49-F238E27FC236}">
+                <a16:creationId xmlns:a16="http://schemas.microsoft.com/office/drawing/2014/main" id="{3F36D1F1-EC93-4CA2-935D-612D0FA6287E}"/>
+              </a:ext>
+            </a:extLst>
+          </p:cNvPr>
+          <p:cNvSpPr>
+            <a:spLocks noGrp="1"/>
+          </p:cNvSpPr>
+          <p:nvPr>
+            <p:ph idx="1"/>
+          </p:nvPr>
+        </p:nvSpPr>
+        <p:spPr>
+          <a:xfrm>
+            <a:off x="838200" y="1825625"/>
+            <a:ext cx="10515600" cy="4667250"/>
+          </a:xfrm>
+        </p:spPr>
+        <p:txBody>
+          <a:bodyPr>
+            <a:noAutofit/>
+          </a:bodyPr>
+          <a:lstStyle/>
+          <a:p>
+            <a:pPr marL="0" indent="0" defTabSz="457200">
+              <a:lnSpc>
+                <a:spcPct val="100000"/>
+              </a:lnSpc>
+              <a:spcBef>
+                <a:spcPts val="0"/>
+              </a:spcBef>
+              <a:buNone/>
+            </a:pPr>
+            <a:r>
+              <a:rPr lang="en-US" sz="1800" b="1" dirty="0">
+                <a:latin typeface="Consolas" panose="020B0609020204030204" pitchFamily="49" charset="0"/>
+              </a:rPr>
+              <a:t>public class </a:t>
+            </a:r>
+            <a:r>
+              <a:rPr lang="en-US" sz="1800" dirty="0">
+                <a:latin typeface="Consolas" panose="020B0609020204030204" pitchFamily="49" charset="0"/>
+              </a:rPr>
+              <a:t>Event {</a:t>
+            </a:r>
+          </a:p>
+          <a:p>
+            <a:pPr marL="0" indent="0" defTabSz="457200">
+              <a:lnSpc>
+                <a:spcPct val="100000"/>
+              </a:lnSpc>
+              <a:spcBef>
+                <a:spcPts val="0"/>
+              </a:spcBef>
+              <a:buNone/>
+            </a:pPr>
+            <a:r>
+              <a:rPr lang="en-US" sz="1800" b="1" dirty="0">
+                <a:latin typeface="Consolas" panose="020B0609020204030204" pitchFamily="49" charset="0"/>
+              </a:rPr>
+              <a:t>	</a:t>
+            </a:r>
+            <a:r>
+              <a:rPr lang="en-US" sz="1800" b="1" dirty="0" err="1">
+                <a:latin typeface="Consolas" panose="020B0609020204030204" pitchFamily="49" charset="0"/>
+              </a:rPr>
+              <a:t>enum</a:t>
+            </a:r>
+            <a:r>
+              <a:rPr lang="en-US" sz="1800" b="1" dirty="0">
+                <a:latin typeface="Consolas" panose="020B0609020204030204" pitchFamily="49" charset="0"/>
+              </a:rPr>
+              <a:t> </a:t>
+            </a:r>
+            <a:r>
+              <a:rPr lang="en-US" sz="1800" dirty="0">
+                <a:latin typeface="Consolas" panose="020B0609020204030204" pitchFamily="49" charset="0"/>
+              </a:rPr>
+              <a:t>Stamp</a:t>
+            </a:r>
+            <a:r>
+              <a:rPr lang="en-US" sz="1800" b="1" dirty="0">
+                <a:latin typeface="Consolas" panose="020B0609020204030204" pitchFamily="49" charset="0"/>
+              </a:rPr>
+              <a:t> </a:t>
+            </a:r>
+            <a:r>
+              <a:rPr lang="en-US" sz="1800" dirty="0">
+                <a:latin typeface="Consolas" panose="020B0609020204030204" pitchFamily="49" charset="0"/>
+              </a:rPr>
+              <a:t>{</a:t>
+            </a:r>
+          </a:p>
+          <a:p>
+            <a:pPr marL="0" indent="0" defTabSz="457200">
+              <a:lnSpc>
+                <a:spcPct val="100000"/>
+              </a:lnSpc>
+              <a:spcBef>
+                <a:spcPts val="0"/>
+              </a:spcBef>
+              <a:buNone/>
+            </a:pPr>
+            <a:r>
+              <a:rPr lang="en-US" sz="1800" b="1" i="1" dirty="0">
+                <a:latin typeface="Consolas" panose="020B0609020204030204" pitchFamily="49" charset="0"/>
+              </a:rPr>
+              <a:t>		</a:t>
+            </a:r>
+            <a:r>
+              <a:rPr lang="en-US" sz="1800" i="1" dirty="0">
+                <a:latin typeface="Consolas" panose="020B0609020204030204" pitchFamily="49" charset="0"/>
+              </a:rPr>
+              <a:t>checkout,</a:t>
+            </a:r>
+          </a:p>
+          <a:p>
+            <a:pPr marL="0" indent="0" defTabSz="457200">
+              <a:lnSpc>
+                <a:spcPct val="100000"/>
+              </a:lnSpc>
+              <a:spcBef>
+                <a:spcPts val="0"/>
+              </a:spcBef>
+              <a:buNone/>
+            </a:pPr>
+            <a:r>
+              <a:rPr lang="en-US" sz="1800" b="1" i="1" dirty="0">
+                <a:latin typeface="Consolas" panose="020B0609020204030204" pitchFamily="49" charset="0"/>
+              </a:rPr>
+              <a:t>		</a:t>
+            </a:r>
+            <a:r>
+              <a:rPr lang="en-US" sz="1800" i="1" dirty="0" err="1">
+                <a:latin typeface="Consolas" panose="020B0609020204030204" pitchFamily="49" charset="0"/>
+              </a:rPr>
+              <a:t>checkin</a:t>
+            </a:r>
+            <a:endParaRPr lang="en-US" sz="1800" i="1" dirty="0">
+              <a:latin typeface="Consolas" panose="020B0609020204030204" pitchFamily="49" charset="0"/>
+            </a:endParaRPr>
+          </a:p>
+          <a:p>
+            <a:pPr marL="0" indent="0" defTabSz="457200">
+              <a:lnSpc>
+                <a:spcPct val="100000"/>
+              </a:lnSpc>
+              <a:spcBef>
+                <a:spcPts val="0"/>
+              </a:spcBef>
+              <a:buNone/>
+            </a:pPr>
+            <a:r>
+              <a:rPr lang="en-US" sz="1800" dirty="0">
+                <a:latin typeface="Consolas" panose="020B0609020204030204" pitchFamily="49" charset="0"/>
+              </a:rPr>
+              <a:t>	}</a:t>
+            </a:r>
+          </a:p>
+          <a:p>
+            <a:pPr marL="0" indent="0" defTabSz="457200">
+              <a:lnSpc>
+                <a:spcPct val="100000"/>
+              </a:lnSpc>
+              <a:spcBef>
+                <a:spcPts val="0"/>
+              </a:spcBef>
+              <a:buNone/>
+            </a:pPr>
+            <a:endParaRPr lang="en-US" sz="1800" dirty="0">
+              <a:latin typeface="Consolas" panose="020B0609020204030204" pitchFamily="49" charset="0"/>
+            </a:endParaRPr>
+          </a:p>
+          <a:p>
+            <a:pPr marL="0" indent="0" defTabSz="457200">
+              <a:lnSpc>
+                <a:spcPct val="100000"/>
+              </a:lnSpc>
+              <a:spcBef>
+                <a:spcPts val="0"/>
+              </a:spcBef>
+              <a:buNone/>
+            </a:pPr>
+            <a:r>
+              <a:rPr lang="en-US" sz="1800" dirty="0">
+                <a:latin typeface="Consolas" panose="020B0609020204030204" pitchFamily="49" charset="0"/>
+              </a:rPr>
+              <a:t>	Event(String </a:t>
+            </a:r>
+            <a:r>
+              <a:rPr lang="en-US" sz="1800" dirty="0" err="1">
+                <a:latin typeface="Consolas" panose="020B0609020204030204" pitchFamily="49" charset="0"/>
+              </a:rPr>
+              <a:t>nameIn</a:t>
+            </a:r>
+            <a:r>
+              <a:rPr lang="en-US" sz="1800" dirty="0">
+                <a:latin typeface="Consolas" panose="020B0609020204030204" pitchFamily="49" charset="0"/>
+              </a:rPr>
+              <a:t>, </a:t>
+            </a:r>
+            <a:r>
+              <a:rPr lang="en-US" sz="1800" b="1" dirty="0" err="1">
+                <a:latin typeface="Consolas" panose="020B0609020204030204" pitchFamily="49" charset="0"/>
+              </a:rPr>
+              <a:t>int</a:t>
+            </a:r>
+            <a:r>
+              <a:rPr lang="en-US" sz="1800" b="1" dirty="0">
+                <a:latin typeface="Consolas" panose="020B0609020204030204" pitchFamily="49" charset="0"/>
+              </a:rPr>
+              <a:t> </a:t>
+            </a:r>
+            <a:r>
+              <a:rPr lang="en-US" sz="1800" dirty="0" err="1">
+                <a:latin typeface="Consolas" panose="020B0609020204030204" pitchFamily="49" charset="0"/>
+              </a:rPr>
+              <a:t>dayIn</a:t>
+            </a:r>
+            <a:r>
+              <a:rPr lang="en-US" sz="1800" dirty="0">
+                <a:latin typeface="Consolas" panose="020B0609020204030204" pitchFamily="49" charset="0"/>
+              </a:rPr>
+              <a:t>,</a:t>
+            </a:r>
+            <a:r>
+              <a:rPr lang="en-US" sz="1800" b="1" dirty="0">
+                <a:latin typeface="Consolas" panose="020B0609020204030204" pitchFamily="49" charset="0"/>
+              </a:rPr>
+              <a:t> </a:t>
+            </a:r>
+            <a:r>
+              <a:rPr lang="en-US" sz="1800" dirty="0">
+                <a:latin typeface="Consolas" panose="020B0609020204030204" pitchFamily="49" charset="0"/>
+              </a:rPr>
+              <a:t>Stamp</a:t>
+            </a:r>
+            <a:r>
+              <a:rPr lang="en-US" sz="1800" b="1" dirty="0">
+                <a:latin typeface="Consolas" panose="020B0609020204030204" pitchFamily="49" charset="0"/>
+              </a:rPr>
+              <a:t> </a:t>
+            </a:r>
+            <a:r>
+              <a:rPr lang="en-US" sz="1800" dirty="0" err="1">
+                <a:latin typeface="Consolas" panose="020B0609020204030204" pitchFamily="49" charset="0"/>
+              </a:rPr>
+              <a:t>stampIn</a:t>
+            </a:r>
+            <a:r>
+              <a:rPr lang="en-US" sz="1800" b="1" dirty="0">
+                <a:latin typeface="Consolas" panose="020B0609020204030204" pitchFamily="49" charset="0"/>
+              </a:rPr>
+              <a:t>) </a:t>
+            </a:r>
+            <a:r>
+              <a:rPr lang="en-US" sz="1800" dirty="0">
+                <a:latin typeface="Consolas" panose="020B0609020204030204" pitchFamily="49" charset="0"/>
+              </a:rPr>
+              <a:t>{</a:t>
+            </a:r>
+          </a:p>
+          <a:p>
+            <a:pPr marL="0" indent="0" defTabSz="457200">
+              <a:lnSpc>
+                <a:spcPct val="100000"/>
+              </a:lnSpc>
+              <a:spcBef>
+                <a:spcPts val="0"/>
+              </a:spcBef>
+              <a:buNone/>
+            </a:pPr>
+            <a:r>
+              <a:rPr lang="en-US" sz="1800" dirty="0">
+                <a:latin typeface="Consolas" panose="020B0609020204030204" pitchFamily="49" charset="0"/>
+              </a:rPr>
+              <a:t>		</a:t>
+            </a:r>
+            <a:r>
+              <a:rPr lang="en-US" sz="1800" dirty="0" err="1">
+                <a:latin typeface="Consolas" panose="020B0609020204030204" pitchFamily="49" charset="0"/>
+              </a:rPr>
+              <a:t>bookName</a:t>
+            </a:r>
+            <a:r>
+              <a:rPr lang="en-US" sz="1800" dirty="0">
+                <a:latin typeface="Consolas" panose="020B0609020204030204" pitchFamily="49" charset="0"/>
+              </a:rPr>
+              <a:t> = </a:t>
+            </a:r>
+            <a:r>
+              <a:rPr lang="en-US" sz="1800" dirty="0" err="1">
+                <a:latin typeface="Consolas" panose="020B0609020204030204" pitchFamily="49" charset="0"/>
+              </a:rPr>
+              <a:t>nameIn</a:t>
+            </a:r>
+            <a:r>
+              <a:rPr lang="en-US" sz="1800" dirty="0">
+                <a:latin typeface="Consolas" panose="020B0609020204030204" pitchFamily="49" charset="0"/>
+              </a:rPr>
+              <a:t>;</a:t>
+            </a:r>
+          </a:p>
+          <a:p>
+            <a:pPr marL="0" indent="0" defTabSz="457200">
+              <a:lnSpc>
+                <a:spcPct val="100000"/>
+              </a:lnSpc>
+              <a:spcBef>
+                <a:spcPts val="0"/>
+              </a:spcBef>
+              <a:buNone/>
+            </a:pPr>
+            <a:r>
+              <a:rPr lang="en-US" sz="1800" dirty="0">
+                <a:latin typeface="Consolas" panose="020B0609020204030204" pitchFamily="49" charset="0"/>
+              </a:rPr>
+              <a:t>		day = </a:t>
+            </a:r>
+            <a:r>
+              <a:rPr lang="en-US" sz="1800" dirty="0" err="1">
+                <a:latin typeface="Consolas" panose="020B0609020204030204" pitchFamily="49" charset="0"/>
+              </a:rPr>
+              <a:t>dayIn</a:t>
+            </a:r>
+            <a:r>
+              <a:rPr lang="en-US" sz="1800" dirty="0">
+                <a:latin typeface="Consolas" panose="020B0609020204030204" pitchFamily="49" charset="0"/>
+              </a:rPr>
+              <a:t>;</a:t>
+            </a:r>
+          </a:p>
+          <a:p>
+            <a:pPr marL="0" indent="0" defTabSz="457200">
+              <a:lnSpc>
+                <a:spcPct val="100000"/>
+              </a:lnSpc>
+              <a:spcBef>
+                <a:spcPts val="0"/>
+              </a:spcBef>
+              <a:buNone/>
+            </a:pPr>
+            <a:r>
+              <a:rPr lang="en-US" sz="1800" dirty="0">
+                <a:latin typeface="Consolas" panose="020B0609020204030204" pitchFamily="49" charset="0"/>
+              </a:rPr>
+              <a:t>		stamp = </a:t>
+            </a:r>
+            <a:r>
+              <a:rPr lang="en-US" sz="1800" dirty="0" err="1">
+                <a:latin typeface="Consolas" panose="020B0609020204030204" pitchFamily="49" charset="0"/>
+              </a:rPr>
+              <a:t>stampIn</a:t>
+            </a:r>
+            <a:r>
+              <a:rPr lang="en-US" sz="1800" dirty="0">
+                <a:latin typeface="Consolas" panose="020B0609020204030204" pitchFamily="49" charset="0"/>
+              </a:rPr>
+              <a:t>;</a:t>
+            </a:r>
+          </a:p>
+          <a:p>
+            <a:pPr marL="0" indent="0" defTabSz="457200">
+              <a:lnSpc>
+                <a:spcPct val="100000"/>
+              </a:lnSpc>
+              <a:spcBef>
+                <a:spcPts val="0"/>
+              </a:spcBef>
+              <a:buNone/>
+            </a:pPr>
+            <a:r>
+              <a:rPr lang="en-US" sz="1800" dirty="0">
+                <a:latin typeface="Consolas" panose="020B0609020204030204" pitchFamily="49" charset="0"/>
+              </a:rPr>
+              <a:t>	}</a:t>
+            </a:r>
+          </a:p>
+          <a:p>
+            <a:pPr marL="0" indent="0" defTabSz="457200">
+              <a:lnSpc>
+                <a:spcPct val="100000"/>
+              </a:lnSpc>
+              <a:spcBef>
+                <a:spcPts val="0"/>
+              </a:spcBef>
+              <a:buNone/>
+            </a:pPr>
+            <a:endParaRPr lang="en-US" sz="1800" dirty="0">
+              <a:latin typeface="Consolas" panose="020B0609020204030204" pitchFamily="49" charset="0"/>
+            </a:endParaRPr>
+          </a:p>
+          <a:p>
+            <a:pPr marL="0" indent="0" defTabSz="457200">
+              <a:lnSpc>
+                <a:spcPct val="100000"/>
+              </a:lnSpc>
+              <a:spcBef>
+                <a:spcPts val="0"/>
+              </a:spcBef>
+              <a:buNone/>
+            </a:pPr>
+            <a:r>
+              <a:rPr lang="en-US" sz="1800" b="1" dirty="0">
+                <a:latin typeface="Consolas" panose="020B0609020204030204" pitchFamily="49" charset="0"/>
+              </a:rPr>
+              <a:t>	public </a:t>
+            </a:r>
+            <a:r>
+              <a:rPr lang="en-US" sz="1800" dirty="0">
+                <a:latin typeface="Consolas" panose="020B0609020204030204" pitchFamily="49" charset="0"/>
+              </a:rPr>
+              <a:t>String</a:t>
+            </a:r>
+            <a:r>
+              <a:rPr lang="en-US" sz="1800" b="1" dirty="0">
+                <a:latin typeface="Consolas" panose="020B0609020204030204" pitchFamily="49" charset="0"/>
+              </a:rPr>
+              <a:t> </a:t>
+            </a:r>
+            <a:r>
+              <a:rPr lang="en-US" sz="1800" dirty="0" err="1">
+                <a:latin typeface="Consolas" panose="020B0609020204030204" pitchFamily="49" charset="0"/>
+              </a:rPr>
+              <a:t>bookName</a:t>
+            </a:r>
+            <a:r>
+              <a:rPr lang="en-US" sz="1800" dirty="0">
+                <a:latin typeface="Consolas" panose="020B0609020204030204" pitchFamily="49" charset="0"/>
+              </a:rPr>
+              <a:t>;</a:t>
+            </a:r>
+          </a:p>
+          <a:p>
+            <a:pPr marL="0" indent="0" defTabSz="457200">
+              <a:lnSpc>
+                <a:spcPct val="100000"/>
+              </a:lnSpc>
+              <a:spcBef>
+                <a:spcPts val="0"/>
+              </a:spcBef>
+              <a:buNone/>
+            </a:pPr>
+            <a:r>
+              <a:rPr lang="en-US" sz="1800" b="1" dirty="0">
+                <a:latin typeface="Consolas" panose="020B0609020204030204" pitchFamily="49" charset="0"/>
+              </a:rPr>
+              <a:t>	public </a:t>
+            </a:r>
+            <a:r>
+              <a:rPr lang="en-US" sz="1800" b="1" dirty="0" err="1">
+                <a:latin typeface="Consolas" panose="020B0609020204030204" pitchFamily="49" charset="0"/>
+              </a:rPr>
+              <a:t>int</a:t>
+            </a:r>
+            <a:r>
+              <a:rPr lang="en-US" sz="1800" b="1" dirty="0">
+                <a:latin typeface="Consolas" panose="020B0609020204030204" pitchFamily="49" charset="0"/>
+              </a:rPr>
+              <a:t> </a:t>
+            </a:r>
+            <a:r>
+              <a:rPr lang="en-US" sz="1800" dirty="0">
+                <a:latin typeface="Consolas" panose="020B0609020204030204" pitchFamily="49" charset="0"/>
+              </a:rPr>
+              <a:t>day;</a:t>
+            </a:r>
+          </a:p>
+          <a:p>
+            <a:pPr marL="0" indent="0" defTabSz="457200">
+              <a:lnSpc>
+                <a:spcPct val="100000"/>
+              </a:lnSpc>
+              <a:spcBef>
+                <a:spcPts val="0"/>
+              </a:spcBef>
+              <a:buNone/>
+            </a:pPr>
+            <a:r>
+              <a:rPr lang="en-US" sz="1800" b="1" dirty="0">
+                <a:latin typeface="Consolas" panose="020B0609020204030204" pitchFamily="49" charset="0"/>
+              </a:rPr>
+              <a:t>	public </a:t>
+            </a:r>
+            <a:r>
+              <a:rPr lang="en-US" sz="1800" dirty="0">
+                <a:latin typeface="Consolas" panose="020B0609020204030204" pitchFamily="49" charset="0"/>
+              </a:rPr>
+              <a:t>Stamp</a:t>
+            </a:r>
+            <a:r>
+              <a:rPr lang="en-US" sz="1800" b="1" dirty="0">
+                <a:latin typeface="Consolas" panose="020B0609020204030204" pitchFamily="49" charset="0"/>
+              </a:rPr>
+              <a:t> </a:t>
+            </a:r>
+            <a:r>
+              <a:rPr lang="en-US" sz="1800" dirty="0" err="1">
+                <a:latin typeface="Consolas" panose="020B0609020204030204" pitchFamily="49" charset="0"/>
+              </a:rPr>
+              <a:t>stamp</a:t>
+            </a:r>
+            <a:r>
+              <a:rPr lang="en-US" sz="1800" dirty="0">
+                <a:latin typeface="Consolas" panose="020B0609020204030204" pitchFamily="49" charset="0"/>
+              </a:rPr>
+              <a:t>; </a:t>
+            </a:r>
+          </a:p>
+          <a:p>
+            <a:pPr marL="0" indent="0" defTabSz="457200">
+              <a:lnSpc>
+                <a:spcPct val="100000"/>
+              </a:lnSpc>
+              <a:spcBef>
+                <a:spcPts val="0"/>
+              </a:spcBef>
+              <a:buNone/>
+            </a:pPr>
+            <a:r>
+              <a:rPr lang="en-US" sz="1800" dirty="0">
+                <a:latin typeface="Consolas" panose="020B0609020204030204" pitchFamily="49" charset="0"/>
+              </a:rPr>
+              <a:t>}</a:t>
+            </a:r>
+          </a:p>
+          <a:p>
+            <a:pPr marL="0" indent="0">
+              <a:lnSpc>
+                <a:spcPct val="100000"/>
+              </a:lnSpc>
+              <a:spcBef>
+                <a:spcPts val="0"/>
+              </a:spcBef>
+              <a:buNone/>
+            </a:pPr>
+            <a:endParaRPr lang="en-US" sz="1200" dirty="0">
+              <a:latin typeface="Consolas" panose="020B0609020204030204" pitchFamily="49" charset="0"/>
+            </a:endParaRPr>
+          </a:p>
+        </p:txBody>
+      </p:sp>
+    </p:spTree>
+    <p:extLst>
+      <p:ext uri="{BB962C8B-B14F-4D97-AF65-F5344CB8AC3E}">
+        <p14:creationId xmlns:p14="http://schemas.microsoft.com/office/powerpoint/2010/main" val="2059230833"/>
+      </p:ext>
+    </p:extLst>
+  </p:cSld>
+  <p:clrMapOvr>
+    <a:masterClrMapping/>
+  </p:clrMapOvr>
+</p:sld>
+</file>
+
+<file path=ppt/slides/slide14.xml><?xml version="1.0" encoding="utf-8"?>
+<p:sld xmlns:a="http://schemas.openxmlformats.org/drawingml/2006/main" xmlns:r="http://schemas.openxmlformats.org/officeDocument/2006/relationships" xmlns:p="http://schemas.openxmlformats.org/presentationml/2006/main">
+  <p:cSld>
+    <p:spTree>
+      <p:nvGrpSpPr>
+        <p:cNvPr id="1" name=""/>
+        <p:cNvGrpSpPr/>
+        <p:nvPr/>
+      </p:nvGrpSpPr>
+      <p:grpSpPr>
+        <a:xfrm>
+          <a:off x="0" y="0"/>
+          <a:ext cx="0" cy="0"/>
+          <a:chOff x="0" y="0"/>
+          <a:chExt cx="0" cy="0"/>
+        </a:xfrm>
+      </p:grpSpPr>
+      <p:sp>
+        <p:nvSpPr>
+          <p:cNvPr id="2" name="Title 1">
+            <a:extLst>
+              <a:ext uri="{FF2B5EF4-FFF2-40B4-BE49-F238E27FC236}">
+                <a16:creationId xmlns:a16="http://schemas.microsoft.com/office/drawing/2014/main" id="{15924BA9-9BA2-4041-8687-14482E91AD2C}"/>
+              </a:ext>
+            </a:extLst>
+          </p:cNvPr>
+          <p:cNvSpPr>
+            <a:spLocks noGrp="1"/>
+          </p:cNvSpPr>
+          <p:nvPr>
+            <p:ph type="title"/>
+          </p:nvPr>
+        </p:nvSpPr>
+        <p:spPr/>
+        <p:txBody>
+          <a:bodyPr/>
+          <a:lstStyle/>
+          <a:p>
+            <a:r>
+              <a:rPr lang="en-US" dirty="0"/>
+              <a:t>Slip Class</a:t>
+            </a:r>
+          </a:p>
+        </p:txBody>
+      </p:sp>
+      <p:sp>
+        <p:nvSpPr>
+          <p:cNvPr id="4" name="Rectangle 3">
+            <a:extLst>
+              <a:ext uri="{FF2B5EF4-FFF2-40B4-BE49-F238E27FC236}">
+                <a16:creationId xmlns:a16="http://schemas.microsoft.com/office/drawing/2014/main" id="{0E87A495-A6ED-45E8-A8EF-093601391B6E}"/>
+              </a:ext>
+            </a:extLst>
+          </p:cNvPr>
+          <p:cNvSpPr/>
+          <p:nvPr/>
+        </p:nvSpPr>
+        <p:spPr>
+          <a:xfrm>
+            <a:off x="838199" y="1690688"/>
+            <a:ext cx="11061033" cy="4154984"/>
+          </a:xfrm>
+          <a:prstGeom prst="rect">
+            <a:avLst/>
+          </a:prstGeom>
+        </p:spPr>
+        <p:txBody>
+          <a:bodyPr wrap="square">
+            <a:spAutoFit/>
+          </a:bodyPr>
+          <a:lstStyle/>
+          <a:p>
+            <a:pPr defTabSz="457200"/>
+            <a:r>
+              <a:rPr lang="en-US" sz="2400" dirty="0">
+                <a:latin typeface="Consolas" panose="020B0609020204030204" pitchFamily="49" charset="0"/>
+              </a:rPr>
+              <a:t>public class Slip {</a:t>
+            </a:r>
+          </a:p>
+          <a:p>
+            <a:pPr defTabSz="457200"/>
+            <a:r>
+              <a:rPr lang="en-US" sz="2400" dirty="0">
+                <a:latin typeface="Consolas" panose="020B0609020204030204" pitchFamily="49" charset="0"/>
+              </a:rPr>
+              <a:t>	Slip(String </a:t>
+            </a:r>
+            <a:r>
+              <a:rPr lang="en-US" sz="2400" dirty="0" err="1">
+                <a:latin typeface="Consolas" panose="020B0609020204030204" pitchFamily="49" charset="0"/>
+              </a:rPr>
+              <a:t>nameIn</a:t>
+            </a:r>
+            <a:r>
+              <a:rPr lang="en-US" sz="2400" dirty="0">
+                <a:latin typeface="Consolas" panose="020B0609020204030204" pitchFamily="49" charset="0"/>
+              </a:rPr>
+              <a:t>, </a:t>
+            </a:r>
+            <a:r>
+              <a:rPr lang="en-US" sz="2400" dirty="0" err="1">
+                <a:latin typeface="Consolas" panose="020B0609020204030204" pitchFamily="49" charset="0"/>
+              </a:rPr>
+              <a:t>int</a:t>
+            </a:r>
+            <a:r>
+              <a:rPr lang="en-US" sz="2400" dirty="0">
+                <a:latin typeface="Consolas" panose="020B0609020204030204" pitchFamily="49" charset="0"/>
+              </a:rPr>
+              <a:t> </a:t>
+            </a:r>
+            <a:r>
+              <a:rPr lang="en-US" sz="2400" dirty="0" err="1">
+                <a:latin typeface="Consolas" panose="020B0609020204030204" pitchFamily="49" charset="0"/>
+              </a:rPr>
+              <a:t>dayOutIn</a:t>
+            </a:r>
+            <a:r>
+              <a:rPr lang="en-US" sz="2400" dirty="0">
+                <a:latin typeface="Consolas" panose="020B0609020204030204" pitchFamily="49" charset="0"/>
+              </a:rPr>
+              <a:t>, </a:t>
+            </a:r>
+            <a:r>
+              <a:rPr lang="en-US" sz="2400" dirty="0" err="1">
+                <a:latin typeface="Consolas" panose="020B0609020204030204" pitchFamily="49" charset="0"/>
+              </a:rPr>
+              <a:t>int</a:t>
+            </a:r>
+            <a:r>
+              <a:rPr lang="en-US" sz="2400" dirty="0">
+                <a:latin typeface="Consolas" panose="020B0609020204030204" pitchFamily="49" charset="0"/>
+              </a:rPr>
+              <a:t> </a:t>
+            </a:r>
+            <a:r>
+              <a:rPr lang="en-US" sz="2400" dirty="0" err="1">
+                <a:latin typeface="Consolas" panose="020B0609020204030204" pitchFamily="49" charset="0"/>
+              </a:rPr>
+              <a:t>dayInIn</a:t>
+            </a:r>
+            <a:r>
+              <a:rPr lang="en-US" sz="2400" dirty="0">
+                <a:latin typeface="Consolas" panose="020B0609020204030204" pitchFamily="49" charset="0"/>
+              </a:rPr>
+              <a:t>) {</a:t>
+            </a:r>
+          </a:p>
+          <a:p>
+            <a:pPr defTabSz="457200"/>
+            <a:r>
+              <a:rPr lang="en-US" sz="2400" dirty="0">
+                <a:latin typeface="Consolas" panose="020B0609020204030204" pitchFamily="49" charset="0"/>
+              </a:rPr>
+              <a:t>		name = </a:t>
+            </a:r>
+            <a:r>
+              <a:rPr lang="en-US" sz="2400" dirty="0" err="1">
+                <a:latin typeface="Consolas" panose="020B0609020204030204" pitchFamily="49" charset="0"/>
+              </a:rPr>
+              <a:t>nameIn</a:t>
+            </a:r>
+            <a:r>
+              <a:rPr lang="en-US" sz="2400" dirty="0">
+                <a:latin typeface="Consolas" panose="020B0609020204030204" pitchFamily="49" charset="0"/>
+              </a:rPr>
+              <a:t>;</a:t>
+            </a:r>
+          </a:p>
+          <a:p>
+            <a:pPr defTabSz="457200"/>
+            <a:r>
+              <a:rPr lang="en-US" sz="2400" dirty="0">
+                <a:latin typeface="Consolas" panose="020B0609020204030204" pitchFamily="49" charset="0"/>
+              </a:rPr>
+              <a:t>		</a:t>
+            </a:r>
+            <a:r>
+              <a:rPr lang="en-US" sz="2400" dirty="0" err="1">
+                <a:latin typeface="Consolas" panose="020B0609020204030204" pitchFamily="49" charset="0"/>
+              </a:rPr>
+              <a:t>dayOut</a:t>
+            </a:r>
+            <a:r>
+              <a:rPr lang="en-US" sz="2400" dirty="0">
+                <a:latin typeface="Consolas" panose="020B0609020204030204" pitchFamily="49" charset="0"/>
+              </a:rPr>
+              <a:t> = </a:t>
+            </a:r>
+            <a:r>
+              <a:rPr lang="en-US" sz="2400" dirty="0" err="1">
+                <a:latin typeface="Consolas" panose="020B0609020204030204" pitchFamily="49" charset="0"/>
+              </a:rPr>
+              <a:t>dayOutIn</a:t>
+            </a:r>
+            <a:r>
+              <a:rPr lang="en-US" sz="2400" dirty="0">
+                <a:latin typeface="Consolas" panose="020B0609020204030204" pitchFamily="49" charset="0"/>
+              </a:rPr>
+              <a:t>;</a:t>
+            </a:r>
+          </a:p>
+          <a:p>
+            <a:pPr defTabSz="457200"/>
+            <a:r>
+              <a:rPr lang="en-US" sz="2400" dirty="0">
+                <a:latin typeface="Consolas" panose="020B0609020204030204" pitchFamily="49" charset="0"/>
+              </a:rPr>
+              <a:t>		</a:t>
+            </a:r>
+            <a:r>
+              <a:rPr lang="en-US" sz="2400" dirty="0" err="1">
+                <a:latin typeface="Consolas" panose="020B0609020204030204" pitchFamily="49" charset="0"/>
+              </a:rPr>
+              <a:t>dayIn</a:t>
+            </a:r>
+            <a:r>
+              <a:rPr lang="en-US" sz="2400" dirty="0">
+                <a:latin typeface="Consolas" panose="020B0609020204030204" pitchFamily="49" charset="0"/>
+              </a:rPr>
+              <a:t> = </a:t>
+            </a:r>
+            <a:r>
+              <a:rPr lang="en-US" sz="2400" dirty="0" err="1">
+                <a:latin typeface="Consolas" panose="020B0609020204030204" pitchFamily="49" charset="0"/>
+              </a:rPr>
+              <a:t>dayInIn</a:t>
+            </a:r>
+            <a:r>
+              <a:rPr lang="en-US" sz="2400" dirty="0">
+                <a:latin typeface="Consolas" panose="020B0609020204030204" pitchFamily="49" charset="0"/>
+              </a:rPr>
+              <a:t>;</a:t>
+            </a:r>
+          </a:p>
+          <a:p>
+            <a:pPr defTabSz="457200"/>
+            <a:r>
+              <a:rPr lang="en-US" sz="2400" dirty="0">
+                <a:latin typeface="Consolas" panose="020B0609020204030204" pitchFamily="49" charset="0"/>
+              </a:rPr>
+              <a:t>	}</a:t>
+            </a:r>
+          </a:p>
+          <a:p>
+            <a:pPr defTabSz="457200"/>
+            <a:r>
+              <a:rPr lang="en-US" sz="2400" dirty="0">
+                <a:latin typeface="Consolas" panose="020B0609020204030204" pitchFamily="49" charset="0"/>
+              </a:rPr>
+              <a:t>	</a:t>
+            </a:r>
+          </a:p>
+          <a:p>
+            <a:pPr defTabSz="457200"/>
+            <a:r>
+              <a:rPr lang="en-US" sz="2400" dirty="0">
+                <a:latin typeface="Consolas" panose="020B0609020204030204" pitchFamily="49" charset="0"/>
+              </a:rPr>
+              <a:t>	public String name;</a:t>
+            </a:r>
+          </a:p>
+          <a:p>
+            <a:pPr defTabSz="457200"/>
+            <a:r>
+              <a:rPr lang="en-US" sz="2400" dirty="0">
+                <a:latin typeface="Consolas" panose="020B0609020204030204" pitchFamily="49" charset="0"/>
+              </a:rPr>
+              <a:t>	public </a:t>
+            </a:r>
+            <a:r>
+              <a:rPr lang="en-US" sz="2400" dirty="0" err="1">
+                <a:latin typeface="Consolas" panose="020B0609020204030204" pitchFamily="49" charset="0"/>
+              </a:rPr>
+              <a:t>int</a:t>
+            </a:r>
+            <a:r>
+              <a:rPr lang="en-US" sz="2400" dirty="0">
+                <a:latin typeface="Consolas" panose="020B0609020204030204" pitchFamily="49" charset="0"/>
+              </a:rPr>
+              <a:t> </a:t>
+            </a:r>
+            <a:r>
+              <a:rPr lang="en-US" sz="2400" dirty="0" err="1">
+                <a:latin typeface="Consolas" panose="020B0609020204030204" pitchFamily="49" charset="0"/>
+              </a:rPr>
+              <a:t>dayOut</a:t>
+            </a:r>
+            <a:r>
+              <a:rPr lang="en-US" sz="2400" dirty="0">
+                <a:latin typeface="Consolas" panose="020B0609020204030204" pitchFamily="49" charset="0"/>
+              </a:rPr>
+              <a:t>;</a:t>
+            </a:r>
+          </a:p>
+          <a:p>
+            <a:pPr defTabSz="457200"/>
+            <a:r>
+              <a:rPr lang="en-US" sz="2400" dirty="0">
+                <a:latin typeface="Consolas" panose="020B0609020204030204" pitchFamily="49" charset="0"/>
+              </a:rPr>
+              <a:t>	public </a:t>
+            </a:r>
+            <a:r>
+              <a:rPr lang="en-US" sz="2400" dirty="0" err="1">
+                <a:latin typeface="Consolas" panose="020B0609020204030204" pitchFamily="49" charset="0"/>
+              </a:rPr>
+              <a:t>int</a:t>
+            </a:r>
+            <a:r>
+              <a:rPr lang="en-US" sz="2400" dirty="0">
+                <a:latin typeface="Consolas" panose="020B0609020204030204" pitchFamily="49" charset="0"/>
+              </a:rPr>
+              <a:t> </a:t>
+            </a:r>
+            <a:r>
+              <a:rPr lang="en-US" sz="2400" dirty="0" err="1">
+                <a:latin typeface="Consolas" panose="020B0609020204030204" pitchFamily="49" charset="0"/>
+              </a:rPr>
+              <a:t>dayIn</a:t>
+            </a:r>
+            <a:r>
+              <a:rPr lang="en-US" sz="2400" dirty="0">
+                <a:latin typeface="Consolas" panose="020B0609020204030204" pitchFamily="49" charset="0"/>
+              </a:rPr>
+              <a:t>;</a:t>
+            </a:r>
+          </a:p>
+          <a:p>
+            <a:pPr defTabSz="457200"/>
+            <a:r>
+              <a:rPr lang="en-US" sz="2400" dirty="0">
+                <a:latin typeface="Consolas" panose="020B0609020204030204" pitchFamily="49" charset="0"/>
+              </a:rPr>
+              <a:t>}</a:t>
+            </a:r>
+          </a:p>
+        </p:txBody>
+      </p:sp>
+    </p:spTree>
+    <p:extLst>
+      <p:ext uri="{BB962C8B-B14F-4D97-AF65-F5344CB8AC3E}">
+        <p14:creationId xmlns:p14="http://schemas.microsoft.com/office/powerpoint/2010/main" val="2078657950"/>
+      </p:ext>
+    </p:extLst>
+  </p:cSld>
+  <p:clrMapOvr>
+    <a:masterClrMapping/>
+  </p:clrMapOvr>
+</p:sld>
+</file>
+
+<file path=ppt/slides/slide15.xml><?xml version="1.0" encoding="utf-8"?>
+<p:sld xmlns:a="http://schemas.openxmlformats.org/drawingml/2006/main" xmlns:r="http://schemas.openxmlformats.org/officeDocument/2006/relationships" xmlns:p="http://schemas.openxmlformats.org/presentationml/2006/main">
+  <p:cSld>
+    <p:spTree>
+      <p:nvGrpSpPr>
+        <p:cNvPr id="1" name=""/>
+        <p:cNvGrpSpPr/>
+        <p:nvPr/>
+      </p:nvGrpSpPr>
+      <p:grpSpPr>
+        <a:xfrm>
+          <a:off x="0" y="0"/>
+          <a:ext cx="0" cy="0"/>
+          <a:chOff x="0" y="0"/>
+          <a:chExt cx="0" cy="0"/>
+        </a:xfrm>
+      </p:grpSpPr>
+      <p:sp>
+        <p:nvSpPr>
+          <p:cNvPr id="2" name="Title 1">
+            <a:extLst>
+              <a:ext uri="{FF2B5EF4-FFF2-40B4-BE49-F238E27FC236}">
+                <a16:creationId xmlns:a16="http://schemas.microsoft.com/office/drawing/2014/main" id="{05EBC6D0-A78B-4D4F-9D4C-0BB77C858A24}"/>
+              </a:ext>
+            </a:extLst>
+          </p:cNvPr>
+          <p:cNvSpPr>
+            <a:spLocks noGrp="1"/>
+          </p:cNvSpPr>
+          <p:nvPr>
+            <p:ph type="title"/>
+          </p:nvPr>
+        </p:nvSpPr>
+        <p:spPr/>
+        <p:txBody>
+          <a:bodyPr/>
+          <a:lstStyle/>
+          <a:p>
+            <a:r>
+              <a:rPr lang="en-US" dirty="0"/>
+              <a:t>Building the List of Events</a:t>
+            </a:r>
+          </a:p>
+        </p:txBody>
+      </p:sp>
+      <p:sp>
+        <p:nvSpPr>
+          <p:cNvPr id="3" name="Content Placeholder 2">
+            <a:extLst>
+              <a:ext uri="{FF2B5EF4-FFF2-40B4-BE49-F238E27FC236}">
+                <a16:creationId xmlns:a16="http://schemas.microsoft.com/office/drawing/2014/main" id="{B08E92D5-F9B7-480E-9474-191EB69697B2}"/>
+              </a:ext>
+            </a:extLst>
+          </p:cNvPr>
+          <p:cNvSpPr>
+            <a:spLocks noGrp="1"/>
+          </p:cNvSpPr>
+          <p:nvPr>
+            <p:ph idx="1"/>
+          </p:nvPr>
+        </p:nvSpPr>
+        <p:spPr>
+          <a:xfrm>
+            <a:off x="838200" y="1825625"/>
+            <a:ext cx="11217442" cy="4887996"/>
+          </a:xfrm>
+        </p:spPr>
+        <p:txBody>
+          <a:bodyPr>
+            <a:normAutofit fontScale="85000" lnSpcReduction="10000"/>
+          </a:bodyPr>
+          <a:lstStyle/>
+          <a:p>
+            <a:pPr marL="0" indent="0" defTabSz="457200">
+              <a:lnSpc>
+                <a:spcPct val="120000"/>
+              </a:lnSpc>
+              <a:spcBef>
+                <a:spcPts val="0"/>
+              </a:spcBef>
+              <a:buNone/>
+            </a:pPr>
+            <a:r>
+              <a:rPr lang="en-US" sz="2600" dirty="0">
+                <a:latin typeface="Consolas" panose="020B0609020204030204" pitchFamily="49" charset="0"/>
+              </a:rPr>
+              <a:t>public static List&lt;Event&gt; </a:t>
+            </a:r>
+            <a:r>
+              <a:rPr lang="en-US" sz="2600" dirty="0" err="1">
+                <a:latin typeface="Consolas" panose="020B0609020204030204" pitchFamily="49" charset="0"/>
+              </a:rPr>
+              <a:t>EventsFromTrans</a:t>
+            </a:r>
+            <a:r>
+              <a:rPr lang="en-US" sz="2600" dirty="0">
+                <a:latin typeface="Consolas" panose="020B0609020204030204" pitchFamily="49" charset="0"/>
+              </a:rPr>
+              <a:t>(List&lt;Slip&gt; slips) {</a:t>
+            </a:r>
+          </a:p>
+          <a:p>
+            <a:pPr marL="0" indent="0" defTabSz="457200">
+              <a:lnSpc>
+                <a:spcPct val="120000"/>
+              </a:lnSpc>
+              <a:spcBef>
+                <a:spcPts val="0"/>
+              </a:spcBef>
+              <a:buNone/>
+            </a:pPr>
+            <a:r>
+              <a:rPr lang="en-US" sz="2600" dirty="0">
+                <a:latin typeface="Consolas" panose="020B0609020204030204" pitchFamily="49" charset="0"/>
+              </a:rPr>
+              <a:t>	</a:t>
+            </a:r>
+            <a:r>
+              <a:rPr lang="en-US" sz="2600" dirty="0" err="1">
+                <a:latin typeface="Consolas" panose="020B0609020204030204" pitchFamily="49" charset="0"/>
+              </a:rPr>
+              <a:t>ArrayList</a:t>
+            </a:r>
+            <a:r>
+              <a:rPr lang="en-US" sz="2600" dirty="0">
+                <a:latin typeface="Consolas" panose="020B0609020204030204" pitchFamily="49" charset="0"/>
+              </a:rPr>
+              <a:t>&lt;Event&gt; events = new </a:t>
+            </a:r>
+            <a:r>
+              <a:rPr lang="en-US" sz="2600" dirty="0" err="1">
+                <a:latin typeface="Consolas" panose="020B0609020204030204" pitchFamily="49" charset="0"/>
+              </a:rPr>
+              <a:t>ArrayList</a:t>
+            </a:r>
+            <a:r>
+              <a:rPr lang="en-US" sz="2600" dirty="0">
+                <a:latin typeface="Consolas" panose="020B0609020204030204" pitchFamily="49" charset="0"/>
+              </a:rPr>
+              <a:t>&lt;Event&gt;();</a:t>
+            </a:r>
+          </a:p>
+          <a:p>
+            <a:pPr marL="0" indent="0" defTabSz="457200">
+              <a:lnSpc>
+                <a:spcPct val="120000"/>
+              </a:lnSpc>
+              <a:spcBef>
+                <a:spcPts val="0"/>
+              </a:spcBef>
+              <a:buNone/>
+            </a:pPr>
+            <a:r>
+              <a:rPr lang="en-US" sz="2600" dirty="0">
+                <a:latin typeface="Consolas" panose="020B0609020204030204" pitchFamily="49" charset="0"/>
+              </a:rPr>
+              <a:t>	for (</a:t>
+            </a:r>
+            <a:r>
+              <a:rPr lang="en-US" sz="2600" dirty="0" err="1">
+                <a:latin typeface="Consolas" panose="020B0609020204030204" pitchFamily="49" charset="0"/>
+              </a:rPr>
+              <a:t>int</a:t>
+            </a:r>
+            <a:r>
+              <a:rPr lang="en-US" sz="2600" dirty="0">
+                <a:latin typeface="Consolas" panose="020B0609020204030204" pitchFamily="49" charset="0"/>
+              </a:rPr>
+              <a:t> i = 0; i &lt; </a:t>
+            </a:r>
+            <a:r>
+              <a:rPr lang="en-US" sz="2600" dirty="0" err="1">
+                <a:latin typeface="Consolas" panose="020B0609020204030204" pitchFamily="49" charset="0"/>
+              </a:rPr>
+              <a:t>slips.size</a:t>
+            </a:r>
+            <a:r>
+              <a:rPr lang="en-US" sz="2600" dirty="0">
+                <a:latin typeface="Consolas" panose="020B0609020204030204" pitchFamily="49" charset="0"/>
+              </a:rPr>
+              <a:t>(); i++) {</a:t>
+            </a:r>
+          </a:p>
+          <a:p>
+            <a:pPr marL="0" indent="0" defTabSz="457200">
+              <a:lnSpc>
+                <a:spcPct val="120000"/>
+              </a:lnSpc>
+              <a:spcBef>
+                <a:spcPts val="0"/>
+              </a:spcBef>
+              <a:buNone/>
+            </a:pPr>
+            <a:r>
+              <a:rPr lang="en-US" sz="2600" dirty="0">
+                <a:latin typeface="Consolas" panose="020B0609020204030204" pitchFamily="49" charset="0"/>
+              </a:rPr>
+              <a:t>		Slip </a:t>
+            </a:r>
+            <a:r>
+              <a:rPr lang="en-US" sz="2600" dirty="0" err="1">
+                <a:latin typeface="Consolas" panose="020B0609020204030204" pitchFamily="49" charset="0"/>
+              </a:rPr>
+              <a:t>slip</a:t>
+            </a:r>
+            <a:r>
+              <a:rPr lang="en-US" sz="2600" dirty="0">
+                <a:latin typeface="Consolas" panose="020B0609020204030204" pitchFamily="49" charset="0"/>
+              </a:rPr>
+              <a:t> = </a:t>
+            </a:r>
+            <a:r>
+              <a:rPr lang="en-US" sz="2600" dirty="0" err="1">
+                <a:latin typeface="Consolas" panose="020B0609020204030204" pitchFamily="49" charset="0"/>
+              </a:rPr>
+              <a:t>slips.get</a:t>
+            </a:r>
+            <a:r>
+              <a:rPr lang="en-US" sz="2600" dirty="0">
+                <a:latin typeface="Consolas" panose="020B0609020204030204" pitchFamily="49" charset="0"/>
+              </a:rPr>
+              <a:t>(i);</a:t>
+            </a:r>
+          </a:p>
+          <a:p>
+            <a:pPr marL="0" indent="0" defTabSz="457200">
+              <a:lnSpc>
+                <a:spcPct val="120000"/>
+              </a:lnSpc>
+              <a:spcBef>
+                <a:spcPts val="0"/>
+              </a:spcBef>
+              <a:buNone/>
+            </a:pPr>
+            <a:r>
+              <a:rPr lang="en-US" sz="2600" dirty="0">
+                <a:latin typeface="Consolas" panose="020B0609020204030204" pitchFamily="49" charset="0"/>
+              </a:rPr>
+              <a:t>		if (</a:t>
+            </a:r>
+            <a:r>
+              <a:rPr lang="en-US" sz="2600" dirty="0" err="1">
+                <a:latin typeface="Consolas" panose="020B0609020204030204" pitchFamily="49" charset="0"/>
+              </a:rPr>
+              <a:t>slip.dayIn</a:t>
+            </a:r>
+            <a:r>
+              <a:rPr lang="en-US" sz="2600" dirty="0">
+                <a:latin typeface="Consolas" panose="020B0609020204030204" pitchFamily="49" charset="0"/>
+              </a:rPr>
+              <a:t> &gt;= 0)</a:t>
+            </a:r>
+          </a:p>
+          <a:p>
+            <a:pPr marL="0" indent="0" defTabSz="457200">
+              <a:lnSpc>
+                <a:spcPct val="120000"/>
+              </a:lnSpc>
+              <a:spcBef>
+                <a:spcPts val="0"/>
+              </a:spcBef>
+              <a:buNone/>
+            </a:pPr>
+            <a:r>
+              <a:rPr lang="en-US" sz="2600" dirty="0">
+                <a:latin typeface="Consolas" panose="020B0609020204030204" pitchFamily="49" charset="0"/>
+              </a:rPr>
+              <a:t>			</a:t>
+            </a:r>
+            <a:r>
+              <a:rPr lang="en-US" sz="2600" dirty="0" err="1">
+                <a:latin typeface="Consolas" panose="020B0609020204030204" pitchFamily="49" charset="0"/>
+              </a:rPr>
+              <a:t>events.add</a:t>
+            </a:r>
+            <a:r>
+              <a:rPr lang="en-US" sz="2600" dirty="0">
+                <a:latin typeface="Consolas" panose="020B0609020204030204" pitchFamily="49" charset="0"/>
+              </a:rPr>
+              <a:t>(new Event(slip.name, </a:t>
+            </a:r>
+            <a:r>
+              <a:rPr lang="en-US" sz="2600" dirty="0" err="1">
+                <a:latin typeface="Consolas" panose="020B0609020204030204" pitchFamily="49" charset="0"/>
+              </a:rPr>
+              <a:t>slip.dayIn</a:t>
+            </a:r>
+            <a:r>
+              <a:rPr lang="en-US" sz="2600" dirty="0">
+                <a:latin typeface="Consolas" panose="020B0609020204030204" pitchFamily="49" charset="0"/>
+              </a:rPr>
+              <a:t>, </a:t>
+            </a:r>
+            <a:r>
+              <a:rPr lang="en-US" sz="2600" dirty="0" err="1">
+                <a:latin typeface="Consolas" panose="020B0609020204030204" pitchFamily="49" charset="0"/>
+              </a:rPr>
+              <a:t>Stamp.checkin</a:t>
+            </a:r>
+            <a:r>
+              <a:rPr lang="en-US" sz="2600" dirty="0">
+                <a:latin typeface="Consolas" panose="020B0609020204030204" pitchFamily="49" charset="0"/>
+              </a:rPr>
+              <a:t>));</a:t>
+            </a:r>
+          </a:p>
+          <a:p>
+            <a:pPr marL="0" indent="0" defTabSz="457200">
+              <a:lnSpc>
+                <a:spcPct val="120000"/>
+              </a:lnSpc>
+              <a:spcBef>
+                <a:spcPts val="0"/>
+              </a:spcBef>
+              <a:buNone/>
+            </a:pPr>
+            <a:r>
+              <a:rPr lang="en-US" sz="2600" dirty="0">
+                <a:latin typeface="Consolas" panose="020B0609020204030204" pitchFamily="49" charset="0"/>
+              </a:rPr>
+              <a:t>		if (</a:t>
+            </a:r>
+            <a:r>
+              <a:rPr lang="en-US" sz="2600" dirty="0" err="1">
+                <a:latin typeface="Consolas" panose="020B0609020204030204" pitchFamily="49" charset="0"/>
+              </a:rPr>
+              <a:t>slip.dayOut</a:t>
+            </a:r>
+            <a:r>
+              <a:rPr lang="en-US" sz="2600" dirty="0">
+                <a:latin typeface="Consolas" panose="020B0609020204030204" pitchFamily="49" charset="0"/>
+              </a:rPr>
+              <a:t> &gt;= 0)</a:t>
+            </a:r>
+          </a:p>
+          <a:p>
+            <a:pPr marL="0" indent="0" defTabSz="457200">
+              <a:lnSpc>
+                <a:spcPct val="120000"/>
+              </a:lnSpc>
+              <a:spcBef>
+                <a:spcPts val="0"/>
+              </a:spcBef>
+              <a:buNone/>
+            </a:pPr>
+            <a:r>
+              <a:rPr lang="en-US" sz="2600" dirty="0">
+                <a:latin typeface="Consolas" panose="020B0609020204030204" pitchFamily="49" charset="0"/>
+              </a:rPr>
+              <a:t>			</a:t>
+            </a:r>
+            <a:r>
+              <a:rPr lang="en-US" sz="2600" dirty="0" err="1">
+                <a:latin typeface="Consolas" panose="020B0609020204030204" pitchFamily="49" charset="0"/>
+              </a:rPr>
+              <a:t>events.add</a:t>
+            </a:r>
+            <a:r>
+              <a:rPr lang="en-US" sz="2600" dirty="0">
+                <a:latin typeface="Consolas" panose="020B0609020204030204" pitchFamily="49" charset="0"/>
+              </a:rPr>
+              <a:t>(new Event(slip.name, </a:t>
+            </a:r>
+            <a:r>
+              <a:rPr lang="en-US" sz="2600" dirty="0" err="1">
+                <a:latin typeface="Consolas" panose="020B0609020204030204" pitchFamily="49" charset="0"/>
+              </a:rPr>
+              <a:t>slip.dayOut</a:t>
+            </a:r>
+            <a:r>
+              <a:rPr lang="en-US" sz="2600" dirty="0">
+                <a:latin typeface="Consolas" panose="020B0609020204030204" pitchFamily="49" charset="0"/>
+              </a:rPr>
+              <a:t>, </a:t>
+            </a:r>
+            <a:r>
+              <a:rPr lang="en-US" sz="2600" dirty="0" err="1">
+                <a:latin typeface="Consolas" panose="020B0609020204030204" pitchFamily="49" charset="0"/>
+              </a:rPr>
+              <a:t>Stamp.checkout</a:t>
+            </a:r>
+            <a:r>
+              <a:rPr lang="en-US" sz="2600" dirty="0">
+                <a:latin typeface="Consolas" panose="020B0609020204030204" pitchFamily="49" charset="0"/>
+              </a:rPr>
+              <a:t>));</a:t>
+            </a:r>
+          </a:p>
+          <a:p>
+            <a:pPr marL="0" indent="0" defTabSz="457200">
+              <a:lnSpc>
+                <a:spcPct val="120000"/>
+              </a:lnSpc>
+              <a:spcBef>
+                <a:spcPts val="0"/>
+              </a:spcBef>
+              <a:buNone/>
+            </a:pPr>
+            <a:r>
+              <a:rPr lang="en-US" sz="2600" dirty="0">
+                <a:latin typeface="Consolas" panose="020B0609020204030204" pitchFamily="49" charset="0"/>
+              </a:rPr>
+              <a:t>	}</a:t>
+            </a:r>
+          </a:p>
+          <a:p>
+            <a:pPr marL="0" indent="0" defTabSz="457200">
+              <a:lnSpc>
+                <a:spcPct val="120000"/>
+              </a:lnSpc>
+              <a:spcBef>
+                <a:spcPts val="0"/>
+              </a:spcBef>
+              <a:buNone/>
+            </a:pPr>
+            <a:r>
+              <a:rPr lang="en-US" sz="2600" dirty="0">
+                <a:latin typeface="Consolas" panose="020B0609020204030204" pitchFamily="49" charset="0"/>
+              </a:rPr>
+              <a:t>	</a:t>
+            </a:r>
+            <a:r>
+              <a:rPr lang="en-US" sz="2600" dirty="0" err="1">
+                <a:latin typeface="Consolas" panose="020B0609020204030204" pitchFamily="49" charset="0"/>
+              </a:rPr>
+              <a:t>events.sort</a:t>
+            </a:r>
+            <a:r>
+              <a:rPr lang="en-US" sz="2600" dirty="0">
+                <a:latin typeface="Consolas" panose="020B0609020204030204" pitchFamily="49" charset="0"/>
+              </a:rPr>
+              <a:t>(new </a:t>
+            </a:r>
+            <a:r>
+              <a:rPr lang="en-US" sz="2600" dirty="0" err="1">
+                <a:latin typeface="Consolas" panose="020B0609020204030204" pitchFamily="49" charset="0"/>
+              </a:rPr>
+              <a:t>EventOrder</a:t>
+            </a:r>
+            <a:r>
+              <a:rPr lang="en-US" sz="2600" dirty="0">
+                <a:latin typeface="Consolas" panose="020B0609020204030204" pitchFamily="49" charset="0"/>
+              </a:rPr>
+              <a:t>());</a:t>
+            </a:r>
+          </a:p>
+          <a:p>
+            <a:pPr marL="0" indent="0" defTabSz="457200">
+              <a:lnSpc>
+                <a:spcPct val="120000"/>
+              </a:lnSpc>
+              <a:spcBef>
+                <a:spcPts val="0"/>
+              </a:spcBef>
+              <a:buNone/>
+            </a:pPr>
+            <a:r>
+              <a:rPr lang="en-US" sz="2600" dirty="0">
+                <a:latin typeface="Consolas" panose="020B0609020204030204" pitchFamily="49" charset="0"/>
+              </a:rPr>
+              <a:t>	return events;</a:t>
+            </a:r>
+          </a:p>
+          <a:p>
+            <a:pPr marL="0" indent="0" defTabSz="457200">
+              <a:lnSpc>
+                <a:spcPct val="120000"/>
+              </a:lnSpc>
+              <a:spcBef>
+                <a:spcPts val="0"/>
+              </a:spcBef>
+              <a:buNone/>
+            </a:pPr>
+            <a:r>
+              <a:rPr lang="en-US" sz="2600" dirty="0">
+                <a:latin typeface="Consolas" panose="020B0609020204030204" pitchFamily="49" charset="0"/>
+              </a:rPr>
+              <a:t>}</a:t>
+            </a:r>
+          </a:p>
+          <a:p>
+            <a:pPr marL="0" indent="0" defTabSz="457200">
+              <a:lnSpc>
+                <a:spcPct val="120000"/>
+              </a:lnSpc>
+              <a:spcBef>
+                <a:spcPts val="0"/>
+              </a:spcBef>
+              <a:buNone/>
+            </a:pPr>
+            <a:endParaRPr lang="en-US" sz="1000" dirty="0">
+              <a:latin typeface="Consolas" panose="020B0609020204030204" pitchFamily="49" charset="0"/>
+            </a:endParaRPr>
+          </a:p>
+        </p:txBody>
+      </p:sp>
+    </p:spTree>
+    <p:extLst>
+      <p:ext uri="{BB962C8B-B14F-4D97-AF65-F5344CB8AC3E}">
+        <p14:creationId xmlns:p14="http://schemas.microsoft.com/office/powerpoint/2010/main" val="366506815"/>
+      </p:ext>
+    </p:extLst>
+  </p:cSld>
+  <p:clrMapOvr>
+    <a:masterClrMapping/>
+  </p:clrMapOvr>
+</p:sld>
+</file>
+
+<file path=ppt/slides/slide16.xml><?xml version="1.0" encoding="utf-8"?>
+<p:sld xmlns:a="http://schemas.openxmlformats.org/drawingml/2006/main" xmlns:r="http://schemas.openxmlformats.org/officeDocument/2006/relationships" xmlns:p="http://schemas.openxmlformats.org/presentationml/2006/main">
+  <p:cSld>
+    <p:spTree>
+      <p:nvGrpSpPr>
+        <p:cNvPr id="1" name=""/>
+        <p:cNvGrpSpPr/>
+        <p:nvPr/>
+      </p:nvGrpSpPr>
+      <p:grpSpPr>
+        <a:xfrm>
+          <a:off x="0" y="0"/>
+          <a:ext cx="0" cy="0"/>
+          <a:chOff x="0" y="0"/>
+          <a:chExt cx="0" cy="0"/>
+        </a:xfrm>
+      </p:grpSpPr>
+      <p:sp>
+        <p:nvSpPr>
+          <p:cNvPr id="2" name="Title 1">
+            <a:extLst>
+              <a:ext uri="{FF2B5EF4-FFF2-40B4-BE49-F238E27FC236}">
+                <a16:creationId xmlns:a16="http://schemas.microsoft.com/office/drawing/2014/main" id="{316D37E9-24D9-484F-9F2E-B7287B8DA945}"/>
+              </a:ext>
+            </a:extLst>
+          </p:cNvPr>
+          <p:cNvSpPr>
+            <a:spLocks noGrp="1"/>
+          </p:cNvSpPr>
+          <p:nvPr>
+            <p:ph type="title"/>
+          </p:nvPr>
+        </p:nvSpPr>
+        <p:spPr/>
+        <p:txBody>
+          <a:bodyPr/>
+          <a:lstStyle/>
+          <a:p>
+            <a:r>
+              <a:rPr lang="en-US" dirty="0"/>
+              <a:t>Sort Comparator</a:t>
+            </a:r>
+          </a:p>
+        </p:txBody>
+      </p:sp>
+      <p:sp>
+        <p:nvSpPr>
+          <p:cNvPr id="3" name="Content Placeholder 2">
+            <a:extLst>
+              <a:ext uri="{FF2B5EF4-FFF2-40B4-BE49-F238E27FC236}">
+                <a16:creationId xmlns:a16="http://schemas.microsoft.com/office/drawing/2014/main" id="{02C27330-CD22-4474-94D8-7D4E88975FB9}"/>
+              </a:ext>
+            </a:extLst>
+          </p:cNvPr>
+          <p:cNvSpPr>
+            <a:spLocks noGrp="1"/>
+          </p:cNvSpPr>
+          <p:nvPr>
+            <p:ph idx="1"/>
+          </p:nvPr>
+        </p:nvSpPr>
+        <p:spPr/>
+        <p:txBody>
+          <a:bodyPr>
+            <a:normAutofit fontScale="92500" lnSpcReduction="20000"/>
+          </a:bodyPr>
+          <a:lstStyle/>
+          <a:p>
+            <a:pPr marL="0" indent="0" defTabSz="457200">
+              <a:lnSpc>
+                <a:spcPct val="120000"/>
+              </a:lnSpc>
+              <a:spcBef>
+                <a:spcPts val="0"/>
+              </a:spcBef>
+              <a:buNone/>
+            </a:pPr>
+            <a:r>
+              <a:rPr lang="en-US" dirty="0"/>
+              <a:t>public class </a:t>
+            </a:r>
+            <a:r>
+              <a:rPr lang="en-US" dirty="0" err="1"/>
+              <a:t>EventOrder</a:t>
+            </a:r>
+            <a:r>
+              <a:rPr lang="en-US" dirty="0"/>
+              <a:t> implements Comparator&lt;Event&gt; {</a:t>
+            </a:r>
+          </a:p>
+          <a:p>
+            <a:pPr marL="0" indent="0" defTabSz="457200">
+              <a:lnSpc>
+                <a:spcPct val="120000"/>
+              </a:lnSpc>
+              <a:spcBef>
+                <a:spcPts val="0"/>
+              </a:spcBef>
+              <a:buNone/>
+            </a:pPr>
+            <a:r>
+              <a:rPr lang="en-US" dirty="0"/>
+              <a:t>	public </a:t>
+            </a:r>
+            <a:r>
+              <a:rPr lang="en-US" dirty="0" err="1"/>
+              <a:t>int</a:t>
+            </a:r>
+            <a:r>
+              <a:rPr lang="en-US" dirty="0"/>
+              <a:t> compare(Event event1, Event event2) 	{</a:t>
+            </a:r>
+          </a:p>
+          <a:p>
+            <a:pPr marL="0" indent="0" defTabSz="457200">
+              <a:lnSpc>
+                <a:spcPct val="120000"/>
+              </a:lnSpc>
+              <a:spcBef>
+                <a:spcPts val="0"/>
+              </a:spcBef>
+              <a:buNone/>
+            </a:pPr>
+            <a:r>
+              <a:rPr lang="en-US" dirty="0"/>
+              <a:t>		if (event1.day != event2.day)</a:t>
+            </a:r>
+          </a:p>
+          <a:p>
+            <a:pPr marL="0" indent="0" defTabSz="457200">
+              <a:lnSpc>
+                <a:spcPct val="120000"/>
+              </a:lnSpc>
+              <a:spcBef>
+                <a:spcPts val="0"/>
+              </a:spcBef>
+              <a:buNone/>
+            </a:pPr>
+            <a:r>
+              <a:rPr lang="en-US" dirty="0"/>
+              <a:t>			return event1.day - event2.day;</a:t>
+            </a:r>
+          </a:p>
+          <a:p>
+            <a:pPr marL="0" indent="0" defTabSz="457200">
+              <a:lnSpc>
+                <a:spcPct val="120000"/>
+              </a:lnSpc>
+              <a:spcBef>
+                <a:spcPts val="0"/>
+              </a:spcBef>
+              <a:buNone/>
+            </a:pPr>
+            <a:r>
+              <a:rPr lang="en-US" dirty="0"/>
+              <a:t>		else if (event1.stamp != event2.stamp)</a:t>
+            </a:r>
+          </a:p>
+          <a:p>
+            <a:pPr marL="0" indent="0" defTabSz="457200">
+              <a:lnSpc>
+                <a:spcPct val="120000"/>
+              </a:lnSpc>
+              <a:spcBef>
+                <a:spcPts val="0"/>
+              </a:spcBef>
+              <a:buNone/>
+            </a:pPr>
+            <a:r>
+              <a:rPr lang="en-US" dirty="0"/>
+              <a:t>			return (event1.stamp == </a:t>
+            </a:r>
+            <a:r>
+              <a:rPr lang="en-US" dirty="0" err="1"/>
+              <a:t>Event.Stamp.checkin</a:t>
+            </a:r>
+            <a:r>
+              <a:rPr lang="en-US" dirty="0"/>
+              <a:t>) ? -1 : 1;</a:t>
+            </a:r>
+          </a:p>
+          <a:p>
+            <a:pPr marL="0" indent="0" defTabSz="457200">
+              <a:lnSpc>
+                <a:spcPct val="120000"/>
+              </a:lnSpc>
+              <a:spcBef>
+                <a:spcPts val="0"/>
+              </a:spcBef>
+              <a:buNone/>
+            </a:pPr>
+            <a:r>
+              <a:rPr lang="en-US" dirty="0"/>
+              <a:t>		else</a:t>
+            </a:r>
+          </a:p>
+          <a:p>
+            <a:pPr marL="0" indent="0" defTabSz="457200">
+              <a:lnSpc>
+                <a:spcPct val="120000"/>
+              </a:lnSpc>
+              <a:spcBef>
+                <a:spcPts val="0"/>
+              </a:spcBef>
+              <a:buNone/>
+            </a:pPr>
+            <a:r>
+              <a:rPr lang="en-US" dirty="0"/>
+              <a:t>			return (event1.bookName.compareTo(event2.bookName));</a:t>
+            </a:r>
+          </a:p>
+          <a:p>
+            <a:pPr marL="0" indent="0" defTabSz="457200">
+              <a:lnSpc>
+                <a:spcPct val="120000"/>
+              </a:lnSpc>
+              <a:spcBef>
+                <a:spcPts val="0"/>
+              </a:spcBef>
+              <a:buNone/>
+            </a:pPr>
+            <a:r>
+              <a:rPr lang="en-US" dirty="0"/>
+              <a:t>	}</a:t>
+            </a:r>
+          </a:p>
+          <a:p>
+            <a:pPr marL="0" indent="0" defTabSz="457200">
+              <a:lnSpc>
+                <a:spcPct val="120000"/>
+              </a:lnSpc>
+              <a:spcBef>
+                <a:spcPts val="0"/>
+              </a:spcBef>
+              <a:buNone/>
+            </a:pPr>
+            <a:r>
+              <a:rPr lang="en-US" dirty="0"/>
+              <a:t>}</a:t>
+            </a:r>
+          </a:p>
+        </p:txBody>
+      </p:sp>
+    </p:spTree>
+    <p:extLst>
+      <p:ext uri="{BB962C8B-B14F-4D97-AF65-F5344CB8AC3E}">
+        <p14:creationId xmlns:p14="http://schemas.microsoft.com/office/powerpoint/2010/main" val="2488881202"/>
+      </p:ext>
+    </p:extLst>
+  </p:cSld>
+  <p:clrMapOvr>
+    <a:masterClrMapping/>
+  </p:clrMapOvr>
+</p:sld>
+</file>
+
 <file path=ppt/slides/slide2.xml><?xml version="1.0" encoding="utf-8"?>
 <p:sld xmlns:a="http://schemas.openxmlformats.org/drawingml/2006/main" xmlns:r="http://schemas.openxmlformats.org/officeDocument/2006/relationships" xmlns:p="http://schemas.openxmlformats.org/presentationml/2006/main">
   <p:cSld>
@@ -4098,7 +5908,7 @@
           <p:cNvPr id="2" name="Title 1">
             <a:extLst>
               <a:ext uri="{FF2B5EF4-FFF2-40B4-BE49-F238E27FC236}">
-                <a16:creationId xmlns:a16="http://schemas.microsoft.com/office/drawing/2014/main" id="{77440ECE-8CD7-45EF-9128-A5274BABA918}"/>
+                <a16:creationId xmlns:a16="http://schemas.microsoft.com/office/drawing/2014/main" id="{7400AA22-FC1C-420A-A585-9EB8E0B68F57}"/>
               </a:ext>
             </a:extLst>
           </p:cNvPr>
@@ -4116,40 +5926,4563 @@
           <a:p>
             <a:r>
               <a:rPr lang="en-US" dirty="0"/>
-              <a:t>Questions?</a:t>
-            </a:r>
+              <a:t>The Data – </a:t>
+            </a:r>
+            <a:r>
+              <a:rPr lang="en-US" sz="4000" dirty="0"/>
+              <a:t>We have 10 copies of </a:t>
+            </a:r>
+            <a:r>
+              <a:rPr lang="en-US" sz="4000" i="1" dirty="0"/>
+              <a:t>Head First Java</a:t>
+            </a:r>
+            <a:endParaRPr lang="en-US" dirty="0"/>
           </a:p>
         </p:txBody>
       </p:sp>
-      <p:sp>
-        <p:nvSpPr>
-          <p:cNvPr id="3" name="Content Placeholder 2">
+      <p:graphicFrame>
+        <p:nvGraphicFramePr>
+          <p:cNvPr id="4" name="Content Placeholder 3">
             <a:extLst>
               <a:ext uri="{FF2B5EF4-FFF2-40B4-BE49-F238E27FC236}">
-                <a16:creationId xmlns:a16="http://schemas.microsoft.com/office/drawing/2014/main" id="{8E3A11BF-D110-4090-9399-D073DCA86F67}"/>
+                <a16:creationId xmlns:a16="http://schemas.microsoft.com/office/drawing/2014/main" id="{EB946897-A7D3-4356-92E7-68E6676C3D69}"/>
               </a:ext>
             </a:extLst>
           </p:cNvPr>
-          <p:cNvSpPr>
-            <a:spLocks noGrp="1"/>
-          </p:cNvSpPr>
+          <p:cNvGraphicFramePr>
+            <a:graphicFrameLocks noGrp="1"/>
+          </p:cNvGraphicFramePr>
           <p:nvPr>
             <p:ph idx="1"/>
+            <p:extLst>
+              <p:ext uri="{D42A27DB-BD31-4B8C-83A1-F6EECF244321}">
+                <p14:modId xmlns:p14="http://schemas.microsoft.com/office/powerpoint/2010/main" val="2313624644"/>
+              </p:ext>
+            </p:extLst>
           </p:nvPr>
+        </p:nvGraphicFramePr>
+        <p:xfrm>
+          <a:off x="838200" y="1825625"/>
+          <a:ext cx="10515603" cy="4079240"/>
+        </p:xfrm>
+        <a:graphic>
+          <a:graphicData uri="http://schemas.openxmlformats.org/drawingml/2006/table">
+            <a:tbl>
+              <a:tblPr firstRow="1" bandRow="1">
+                <a:tableStyleId>{5C22544A-7EE6-4342-B048-85BDC9FD1C3A}</a:tableStyleId>
+              </a:tblPr>
+              <a:tblGrid>
+                <a:gridCol w="339213">
+                  <a:extLst>
+                    <a:ext uri="{9D8B030D-6E8A-4147-A177-3AD203B41FA5}">
+                      <a16:colId xmlns:a16="http://schemas.microsoft.com/office/drawing/2014/main" val="2768121828"/>
+                    </a:ext>
+                  </a:extLst>
+                </a:gridCol>
+                <a:gridCol w="339213">
+                  <a:extLst>
+                    <a:ext uri="{9D8B030D-6E8A-4147-A177-3AD203B41FA5}">
+                      <a16:colId xmlns:a16="http://schemas.microsoft.com/office/drawing/2014/main" val="2536320447"/>
+                    </a:ext>
+                  </a:extLst>
+                </a:gridCol>
+                <a:gridCol w="339213">
+                  <a:extLst>
+                    <a:ext uri="{9D8B030D-6E8A-4147-A177-3AD203B41FA5}">
+                      <a16:colId xmlns:a16="http://schemas.microsoft.com/office/drawing/2014/main" val="737498514"/>
+                    </a:ext>
+                  </a:extLst>
+                </a:gridCol>
+                <a:gridCol w="339213">
+                  <a:extLst>
+                    <a:ext uri="{9D8B030D-6E8A-4147-A177-3AD203B41FA5}">
+                      <a16:colId xmlns:a16="http://schemas.microsoft.com/office/drawing/2014/main" val="1696573370"/>
+                    </a:ext>
+                  </a:extLst>
+                </a:gridCol>
+                <a:gridCol w="339213">
+                  <a:extLst>
+                    <a:ext uri="{9D8B030D-6E8A-4147-A177-3AD203B41FA5}">
+                      <a16:colId xmlns:a16="http://schemas.microsoft.com/office/drawing/2014/main" val="134078162"/>
+                    </a:ext>
+                  </a:extLst>
+                </a:gridCol>
+                <a:gridCol w="339213">
+                  <a:extLst>
+                    <a:ext uri="{9D8B030D-6E8A-4147-A177-3AD203B41FA5}">
+                      <a16:colId xmlns:a16="http://schemas.microsoft.com/office/drawing/2014/main" val="2178629336"/>
+                    </a:ext>
+                  </a:extLst>
+                </a:gridCol>
+                <a:gridCol w="339213">
+                  <a:extLst>
+                    <a:ext uri="{9D8B030D-6E8A-4147-A177-3AD203B41FA5}">
+                      <a16:colId xmlns:a16="http://schemas.microsoft.com/office/drawing/2014/main" val="3401607464"/>
+                    </a:ext>
+                  </a:extLst>
+                </a:gridCol>
+                <a:gridCol w="339213">
+                  <a:extLst>
+                    <a:ext uri="{9D8B030D-6E8A-4147-A177-3AD203B41FA5}">
+                      <a16:colId xmlns:a16="http://schemas.microsoft.com/office/drawing/2014/main" val="3141936775"/>
+                    </a:ext>
+                  </a:extLst>
+                </a:gridCol>
+                <a:gridCol w="339213">
+                  <a:extLst>
+                    <a:ext uri="{9D8B030D-6E8A-4147-A177-3AD203B41FA5}">
+                      <a16:colId xmlns:a16="http://schemas.microsoft.com/office/drawing/2014/main" val="202396532"/>
+                    </a:ext>
+                  </a:extLst>
+                </a:gridCol>
+                <a:gridCol w="339213">
+                  <a:extLst>
+                    <a:ext uri="{9D8B030D-6E8A-4147-A177-3AD203B41FA5}">
+                      <a16:colId xmlns:a16="http://schemas.microsoft.com/office/drawing/2014/main" val="1469288911"/>
+                    </a:ext>
+                  </a:extLst>
+                </a:gridCol>
+                <a:gridCol w="339213">
+                  <a:extLst>
+                    <a:ext uri="{9D8B030D-6E8A-4147-A177-3AD203B41FA5}">
+                      <a16:colId xmlns:a16="http://schemas.microsoft.com/office/drawing/2014/main" val="2824622606"/>
+                    </a:ext>
+                  </a:extLst>
+                </a:gridCol>
+                <a:gridCol w="339213">
+                  <a:extLst>
+                    <a:ext uri="{9D8B030D-6E8A-4147-A177-3AD203B41FA5}">
+                      <a16:colId xmlns:a16="http://schemas.microsoft.com/office/drawing/2014/main" val="2124840901"/>
+                    </a:ext>
+                  </a:extLst>
+                </a:gridCol>
+                <a:gridCol w="339213">
+                  <a:extLst>
+                    <a:ext uri="{9D8B030D-6E8A-4147-A177-3AD203B41FA5}">
+                      <a16:colId xmlns:a16="http://schemas.microsoft.com/office/drawing/2014/main" val="2041127869"/>
+                    </a:ext>
+                  </a:extLst>
+                </a:gridCol>
+                <a:gridCol w="339213">
+                  <a:extLst>
+                    <a:ext uri="{9D8B030D-6E8A-4147-A177-3AD203B41FA5}">
+                      <a16:colId xmlns:a16="http://schemas.microsoft.com/office/drawing/2014/main" val="1068521918"/>
+                    </a:ext>
+                  </a:extLst>
+                </a:gridCol>
+                <a:gridCol w="339213">
+                  <a:extLst>
+                    <a:ext uri="{9D8B030D-6E8A-4147-A177-3AD203B41FA5}">
+                      <a16:colId xmlns:a16="http://schemas.microsoft.com/office/drawing/2014/main" val="837986739"/>
+                    </a:ext>
+                  </a:extLst>
+                </a:gridCol>
+                <a:gridCol w="339213">
+                  <a:extLst>
+                    <a:ext uri="{9D8B030D-6E8A-4147-A177-3AD203B41FA5}">
+                      <a16:colId xmlns:a16="http://schemas.microsoft.com/office/drawing/2014/main" val="2986358316"/>
+                    </a:ext>
+                  </a:extLst>
+                </a:gridCol>
+                <a:gridCol w="339213">
+                  <a:extLst>
+                    <a:ext uri="{9D8B030D-6E8A-4147-A177-3AD203B41FA5}">
+                      <a16:colId xmlns:a16="http://schemas.microsoft.com/office/drawing/2014/main" val="2404774638"/>
+                    </a:ext>
+                  </a:extLst>
+                </a:gridCol>
+                <a:gridCol w="339213">
+                  <a:extLst>
+                    <a:ext uri="{9D8B030D-6E8A-4147-A177-3AD203B41FA5}">
+                      <a16:colId xmlns:a16="http://schemas.microsoft.com/office/drawing/2014/main" val="4069820835"/>
+                    </a:ext>
+                  </a:extLst>
+                </a:gridCol>
+                <a:gridCol w="339213">
+                  <a:extLst>
+                    <a:ext uri="{9D8B030D-6E8A-4147-A177-3AD203B41FA5}">
+                      <a16:colId xmlns:a16="http://schemas.microsoft.com/office/drawing/2014/main" val="1502399392"/>
+                    </a:ext>
+                  </a:extLst>
+                </a:gridCol>
+                <a:gridCol w="339213">
+                  <a:extLst>
+                    <a:ext uri="{9D8B030D-6E8A-4147-A177-3AD203B41FA5}">
+                      <a16:colId xmlns:a16="http://schemas.microsoft.com/office/drawing/2014/main" val="1895355164"/>
+                    </a:ext>
+                  </a:extLst>
+                </a:gridCol>
+                <a:gridCol w="339213">
+                  <a:extLst>
+                    <a:ext uri="{9D8B030D-6E8A-4147-A177-3AD203B41FA5}">
+                      <a16:colId xmlns:a16="http://schemas.microsoft.com/office/drawing/2014/main" val="765526713"/>
+                    </a:ext>
+                  </a:extLst>
+                </a:gridCol>
+                <a:gridCol w="339213">
+                  <a:extLst>
+                    <a:ext uri="{9D8B030D-6E8A-4147-A177-3AD203B41FA5}">
+                      <a16:colId xmlns:a16="http://schemas.microsoft.com/office/drawing/2014/main" val="1561828987"/>
+                    </a:ext>
+                  </a:extLst>
+                </a:gridCol>
+                <a:gridCol w="339213">
+                  <a:extLst>
+                    <a:ext uri="{9D8B030D-6E8A-4147-A177-3AD203B41FA5}">
+                      <a16:colId xmlns:a16="http://schemas.microsoft.com/office/drawing/2014/main" val="2309770609"/>
+                    </a:ext>
+                  </a:extLst>
+                </a:gridCol>
+                <a:gridCol w="339213">
+                  <a:extLst>
+                    <a:ext uri="{9D8B030D-6E8A-4147-A177-3AD203B41FA5}">
+                      <a16:colId xmlns:a16="http://schemas.microsoft.com/office/drawing/2014/main" val="2154224759"/>
+                    </a:ext>
+                  </a:extLst>
+                </a:gridCol>
+                <a:gridCol w="339213">
+                  <a:extLst>
+                    <a:ext uri="{9D8B030D-6E8A-4147-A177-3AD203B41FA5}">
+                      <a16:colId xmlns:a16="http://schemas.microsoft.com/office/drawing/2014/main" val="3749113735"/>
+                    </a:ext>
+                  </a:extLst>
+                </a:gridCol>
+                <a:gridCol w="339213">
+                  <a:extLst>
+                    <a:ext uri="{9D8B030D-6E8A-4147-A177-3AD203B41FA5}">
+                      <a16:colId xmlns:a16="http://schemas.microsoft.com/office/drawing/2014/main" val="2117688709"/>
+                    </a:ext>
+                  </a:extLst>
+                </a:gridCol>
+                <a:gridCol w="339213">
+                  <a:extLst>
+                    <a:ext uri="{9D8B030D-6E8A-4147-A177-3AD203B41FA5}">
+                      <a16:colId xmlns:a16="http://schemas.microsoft.com/office/drawing/2014/main" val="1705879913"/>
+                    </a:ext>
+                  </a:extLst>
+                </a:gridCol>
+                <a:gridCol w="339213">
+                  <a:extLst>
+                    <a:ext uri="{9D8B030D-6E8A-4147-A177-3AD203B41FA5}">
+                      <a16:colId xmlns:a16="http://schemas.microsoft.com/office/drawing/2014/main" val="1379756197"/>
+                    </a:ext>
+                  </a:extLst>
+                </a:gridCol>
+                <a:gridCol w="339213">
+                  <a:extLst>
+                    <a:ext uri="{9D8B030D-6E8A-4147-A177-3AD203B41FA5}">
+                      <a16:colId xmlns:a16="http://schemas.microsoft.com/office/drawing/2014/main" val="3494109245"/>
+                    </a:ext>
+                  </a:extLst>
+                </a:gridCol>
+                <a:gridCol w="339213">
+                  <a:extLst>
+                    <a:ext uri="{9D8B030D-6E8A-4147-A177-3AD203B41FA5}">
+                      <a16:colId xmlns:a16="http://schemas.microsoft.com/office/drawing/2014/main" val="2459077234"/>
+                    </a:ext>
+                  </a:extLst>
+                </a:gridCol>
+                <a:gridCol w="339213">
+                  <a:extLst>
+                    <a:ext uri="{9D8B030D-6E8A-4147-A177-3AD203B41FA5}">
+                      <a16:colId xmlns:a16="http://schemas.microsoft.com/office/drawing/2014/main" val="3921407388"/>
+                    </a:ext>
+                  </a:extLst>
+                </a:gridCol>
+              </a:tblGrid>
+              <a:tr h="370840">
+                <a:tc>
+                  <a:txBody>
+                    <a:bodyPr/>
+                    <a:lstStyle/>
+                    <a:p>
+                      <a:r>
+                        <a:rPr lang="en-US" sz="1200" b="0" dirty="0"/>
+                        <a:t>1</a:t>
+                      </a:r>
+                    </a:p>
+                  </a:txBody>
+                  <a:tcPr/>
+                </a:tc>
+                <a:tc>
+                  <a:txBody>
+                    <a:bodyPr/>
+                    <a:lstStyle/>
+                    <a:p>
+                      <a:r>
+                        <a:rPr lang="en-US" sz="1200" b="0" dirty="0"/>
+                        <a:t>2</a:t>
+                      </a:r>
+                    </a:p>
+                  </a:txBody>
+                  <a:tcPr/>
+                </a:tc>
+                <a:tc>
+                  <a:txBody>
+                    <a:bodyPr/>
+                    <a:lstStyle/>
+                    <a:p>
+                      <a:r>
+                        <a:rPr lang="en-US" sz="1200" b="0" dirty="0"/>
+                        <a:t>3</a:t>
+                      </a:r>
+                    </a:p>
+                  </a:txBody>
+                  <a:tcPr/>
+                </a:tc>
+                <a:tc>
+                  <a:txBody>
+                    <a:bodyPr/>
+                    <a:lstStyle/>
+                    <a:p>
+                      <a:r>
+                        <a:rPr lang="en-US" sz="1200" b="0" dirty="0"/>
+                        <a:t>4</a:t>
+                      </a:r>
+                    </a:p>
+                  </a:txBody>
+                  <a:tcPr/>
+                </a:tc>
+                <a:tc>
+                  <a:txBody>
+                    <a:bodyPr/>
+                    <a:lstStyle/>
+                    <a:p>
+                      <a:r>
+                        <a:rPr lang="en-US" sz="1200" b="0" dirty="0"/>
+                        <a:t>5</a:t>
+                      </a:r>
+                    </a:p>
+                  </a:txBody>
+                  <a:tcPr/>
+                </a:tc>
+                <a:tc>
+                  <a:txBody>
+                    <a:bodyPr/>
+                    <a:lstStyle/>
+                    <a:p>
+                      <a:r>
+                        <a:rPr lang="en-US" sz="1200" b="0" dirty="0"/>
+                        <a:t>6</a:t>
+                      </a:r>
+                    </a:p>
+                  </a:txBody>
+                  <a:tcPr/>
+                </a:tc>
+                <a:tc>
+                  <a:txBody>
+                    <a:bodyPr/>
+                    <a:lstStyle/>
+                    <a:p>
+                      <a:r>
+                        <a:rPr lang="en-US" sz="1200" b="0" dirty="0"/>
+                        <a:t>7</a:t>
+                      </a:r>
+                    </a:p>
+                  </a:txBody>
+                  <a:tcPr/>
+                </a:tc>
+                <a:tc>
+                  <a:txBody>
+                    <a:bodyPr/>
+                    <a:lstStyle/>
+                    <a:p>
+                      <a:r>
+                        <a:rPr lang="en-US" sz="1200" b="0" dirty="0"/>
+                        <a:t>8</a:t>
+                      </a:r>
+                    </a:p>
+                  </a:txBody>
+                  <a:tcPr/>
+                </a:tc>
+                <a:tc>
+                  <a:txBody>
+                    <a:bodyPr/>
+                    <a:lstStyle/>
+                    <a:p>
+                      <a:r>
+                        <a:rPr lang="en-US" sz="1200" b="0" dirty="0"/>
+                        <a:t>9</a:t>
+                      </a:r>
+                    </a:p>
+                  </a:txBody>
+                  <a:tcPr/>
+                </a:tc>
+                <a:tc>
+                  <a:txBody>
+                    <a:bodyPr/>
+                    <a:lstStyle/>
+                    <a:p>
+                      <a:r>
+                        <a:rPr lang="en-US" sz="1200" b="0" dirty="0"/>
+                        <a:t>10</a:t>
+                      </a:r>
+                    </a:p>
+                  </a:txBody>
+                  <a:tcPr/>
+                </a:tc>
+                <a:tc>
+                  <a:txBody>
+                    <a:bodyPr/>
+                    <a:lstStyle/>
+                    <a:p>
+                      <a:r>
+                        <a:rPr lang="en-US" sz="1200" b="0" dirty="0"/>
+                        <a:t>11</a:t>
+                      </a:r>
+                    </a:p>
+                  </a:txBody>
+                  <a:tcPr/>
+                </a:tc>
+                <a:tc>
+                  <a:txBody>
+                    <a:bodyPr/>
+                    <a:lstStyle/>
+                    <a:p>
+                      <a:r>
+                        <a:rPr lang="en-US" sz="1200" b="0" dirty="0"/>
+                        <a:t>12</a:t>
+                      </a:r>
+                    </a:p>
+                  </a:txBody>
+                  <a:tcPr/>
+                </a:tc>
+                <a:tc>
+                  <a:txBody>
+                    <a:bodyPr/>
+                    <a:lstStyle/>
+                    <a:p>
+                      <a:r>
+                        <a:rPr lang="en-US" sz="1200" b="0" dirty="0"/>
+                        <a:t>13</a:t>
+                      </a:r>
+                    </a:p>
+                  </a:txBody>
+                  <a:tcPr/>
+                </a:tc>
+                <a:tc>
+                  <a:txBody>
+                    <a:bodyPr/>
+                    <a:lstStyle/>
+                    <a:p>
+                      <a:r>
+                        <a:rPr lang="en-US" sz="1200" b="0" dirty="0"/>
+                        <a:t>14</a:t>
+                      </a:r>
+                    </a:p>
+                  </a:txBody>
+                  <a:tcPr/>
+                </a:tc>
+                <a:tc>
+                  <a:txBody>
+                    <a:bodyPr/>
+                    <a:lstStyle/>
+                    <a:p>
+                      <a:r>
+                        <a:rPr lang="en-US" sz="1200" b="0" dirty="0"/>
+                        <a:t>15</a:t>
+                      </a:r>
+                    </a:p>
+                  </a:txBody>
+                  <a:tcPr/>
+                </a:tc>
+                <a:tc>
+                  <a:txBody>
+                    <a:bodyPr/>
+                    <a:lstStyle/>
+                    <a:p>
+                      <a:r>
+                        <a:rPr lang="en-US" sz="1200" b="0" dirty="0"/>
+                        <a:t>16</a:t>
+                      </a:r>
+                    </a:p>
+                  </a:txBody>
+                  <a:tcPr/>
+                </a:tc>
+                <a:tc>
+                  <a:txBody>
+                    <a:bodyPr/>
+                    <a:lstStyle/>
+                    <a:p>
+                      <a:r>
+                        <a:rPr lang="en-US" sz="1200" b="0" dirty="0"/>
+                        <a:t>17</a:t>
+                      </a:r>
+                    </a:p>
+                  </a:txBody>
+                  <a:tcPr/>
+                </a:tc>
+                <a:tc>
+                  <a:txBody>
+                    <a:bodyPr/>
+                    <a:lstStyle/>
+                    <a:p>
+                      <a:r>
+                        <a:rPr lang="en-US" sz="1200" b="0" dirty="0"/>
+                        <a:t>18</a:t>
+                      </a:r>
+                    </a:p>
+                  </a:txBody>
+                  <a:tcPr/>
+                </a:tc>
+                <a:tc>
+                  <a:txBody>
+                    <a:bodyPr/>
+                    <a:lstStyle/>
+                    <a:p>
+                      <a:r>
+                        <a:rPr lang="en-US" sz="1200" b="0" dirty="0"/>
+                        <a:t>19</a:t>
+                      </a:r>
+                    </a:p>
+                  </a:txBody>
+                  <a:tcPr/>
+                </a:tc>
+                <a:tc>
+                  <a:txBody>
+                    <a:bodyPr/>
+                    <a:lstStyle/>
+                    <a:p>
+                      <a:r>
+                        <a:rPr lang="en-US" sz="1200" b="0" dirty="0"/>
+                        <a:t>20</a:t>
+                      </a:r>
+                    </a:p>
+                  </a:txBody>
+                  <a:tcPr/>
+                </a:tc>
+                <a:tc>
+                  <a:txBody>
+                    <a:bodyPr/>
+                    <a:lstStyle/>
+                    <a:p>
+                      <a:r>
+                        <a:rPr lang="en-US" sz="1200" b="0" dirty="0"/>
+                        <a:t>21</a:t>
+                      </a:r>
+                    </a:p>
+                  </a:txBody>
+                  <a:tcPr/>
+                </a:tc>
+                <a:tc>
+                  <a:txBody>
+                    <a:bodyPr/>
+                    <a:lstStyle/>
+                    <a:p>
+                      <a:r>
+                        <a:rPr lang="en-US" sz="1200" b="0" dirty="0"/>
+                        <a:t>22</a:t>
+                      </a:r>
+                    </a:p>
+                  </a:txBody>
+                  <a:tcPr/>
+                </a:tc>
+                <a:tc>
+                  <a:txBody>
+                    <a:bodyPr/>
+                    <a:lstStyle/>
+                    <a:p>
+                      <a:r>
+                        <a:rPr lang="en-US" sz="1200" b="0" dirty="0"/>
+                        <a:t>23</a:t>
+                      </a:r>
+                    </a:p>
+                  </a:txBody>
+                  <a:tcPr/>
+                </a:tc>
+                <a:tc>
+                  <a:txBody>
+                    <a:bodyPr/>
+                    <a:lstStyle/>
+                    <a:p>
+                      <a:r>
+                        <a:rPr lang="en-US" sz="1200" b="0" dirty="0"/>
+                        <a:t>24</a:t>
+                      </a:r>
+                    </a:p>
+                  </a:txBody>
+                  <a:tcPr/>
+                </a:tc>
+                <a:tc>
+                  <a:txBody>
+                    <a:bodyPr/>
+                    <a:lstStyle/>
+                    <a:p>
+                      <a:r>
+                        <a:rPr lang="en-US" sz="1200" b="0" dirty="0"/>
+                        <a:t>25</a:t>
+                      </a:r>
+                    </a:p>
+                  </a:txBody>
+                  <a:tcPr/>
+                </a:tc>
+                <a:tc>
+                  <a:txBody>
+                    <a:bodyPr/>
+                    <a:lstStyle/>
+                    <a:p>
+                      <a:r>
+                        <a:rPr lang="en-US" sz="1200" b="0" dirty="0"/>
+                        <a:t>26</a:t>
+                      </a:r>
+                    </a:p>
+                  </a:txBody>
+                  <a:tcPr/>
+                </a:tc>
+                <a:tc>
+                  <a:txBody>
+                    <a:bodyPr/>
+                    <a:lstStyle/>
+                    <a:p>
+                      <a:r>
+                        <a:rPr lang="en-US" sz="1200" b="0" dirty="0"/>
+                        <a:t>27</a:t>
+                      </a:r>
+                    </a:p>
+                  </a:txBody>
+                  <a:tcPr/>
+                </a:tc>
+                <a:tc>
+                  <a:txBody>
+                    <a:bodyPr/>
+                    <a:lstStyle/>
+                    <a:p>
+                      <a:r>
+                        <a:rPr lang="en-US" sz="1200" b="0" dirty="0"/>
+                        <a:t>28</a:t>
+                      </a:r>
+                    </a:p>
+                  </a:txBody>
+                  <a:tcPr/>
+                </a:tc>
+                <a:tc>
+                  <a:txBody>
+                    <a:bodyPr/>
+                    <a:lstStyle/>
+                    <a:p>
+                      <a:r>
+                        <a:rPr lang="en-US" sz="1200" b="0" dirty="0"/>
+                        <a:t>29</a:t>
+                      </a:r>
+                    </a:p>
+                  </a:txBody>
+                  <a:tcPr/>
+                </a:tc>
+                <a:tc>
+                  <a:txBody>
+                    <a:bodyPr/>
+                    <a:lstStyle/>
+                    <a:p>
+                      <a:r>
+                        <a:rPr lang="en-US" sz="1200" b="0" dirty="0"/>
+                        <a:t>30</a:t>
+                      </a:r>
+                    </a:p>
+                  </a:txBody>
+                  <a:tcPr/>
+                </a:tc>
+                <a:tc>
+                  <a:txBody>
+                    <a:bodyPr/>
+                    <a:lstStyle/>
+                    <a:p>
+                      <a:r>
+                        <a:rPr lang="en-US" sz="1200" b="0" dirty="0"/>
+                        <a:t>31</a:t>
+                      </a:r>
+                    </a:p>
+                  </a:txBody>
+                  <a:tcPr/>
+                </a:tc>
+                <a:extLst>
+                  <a:ext uri="{0D108BD9-81ED-4DB2-BD59-A6C34878D82A}">
+                    <a16:rowId xmlns:a16="http://schemas.microsoft.com/office/drawing/2014/main" val="937313850"/>
+                  </a:ext>
+                </a:extLst>
+              </a:tr>
+              <a:tr h="370840">
+                <a:tc>
+                  <a:txBody>
+                    <a:bodyPr/>
+                    <a:lstStyle/>
+                    <a:p>
+                      <a:endParaRPr lang="en-US"/>
+                    </a:p>
+                  </a:txBody>
+                  <a:tcPr/>
+                </a:tc>
+                <a:tc>
+                  <a:txBody>
+                    <a:bodyPr/>
+                    <a:lstStyle/>
+                    <a:p>
+                      <a:endParaRPr lang="en-US"/>
+                    </a:p>
+                  </a:txBody>
+                  <a:tcPr/>
+                </a:tc>
+                <a:tc>
+                  <a:txBody>
+                    <a:bodyPr/>
+                    <a:lstStyle/>
+                    <a:p>
+                      <a:endParaRPr lang="en-US"/>
+                    </a:p>
+                  </a:txBody>
+                  <a:tcPr/>
+                </a:tc>
+                <a:tc>
+                  <a:txBody>
+                    <a:bodyPr/>
+                    <a:lstStyle/>
+                    <a:p>
+                      <a:endParaRPr lang="en-US"/>
+                    </a:p>
+                  </a:txBody>
+                  <a:tcPr/>
+                </a:tc>
+                <a:tc>
+                  <a:txBody>
+                    <a:bodyPr/>
+                    <a:lstStyle/>
+                    <a:p>
+                      <a:endParaRPr lang="en-US" dirty="0">
+                        <a:solidFill>
+                          <a:schemeClr val="accent2">
+                            <a:lumMod val="75000"/>
+                          </a:schemeClr>
+                        </a:solidFill>
+                      </a:endParaRPr>
+                    </a:p>
+                  </a:txBody>
+                  <a:tcPr/>
+                </a:tc>
+                <a:tc>
+                  <a:txBody>
+                    <a:bodyPr/>
+                    <a:lstStyle/>
+                    <a:p>
+                      <a:endParaRPr lang="en-US" dirty="0">
+                        <a:solidFill>
+                          <a:schemeClr val="accent2">
+                            <a:lumMod val="75000"/>
+                          </a:schemeClr>
+                        </a:solidFill>
+                      </a:endParaRPr>
+                    </a:p>
+                  </a:txBody>
+                  <a:tcPr>
+                    <a:solidFill>
+                      <a:schemeClr val="accent2"/>
+                    </a:solidFill>
+                  </a:tcPr>
+                </a:tc>
+                <a:tc>
+                  <a:txBody>
+                    <a:bodyPr/>
+                    <a:lstStyle/>
+                    <a:p>
+                      <a:endParaRPr lang="en-US" dirty="0">
+                        <a:solidFill>
+                          <a:schemeClr val="accent2">
+                            <a:lumMod val="75000"/>
+                          </a:schemeClr>
+                        </a:solidFill>
+                      </a:endParaRPr>
+                    </a:p>
+                  </a:txBody>
+                  <a:tcPr>
+                    <a:solidFill>
+                      <a:schemeClr val="accent2"/>
+                    </a:solidFill>
+                  </a:tcPr>
+                </a:tc>
+                <a:tc>
+                  <a:txBody>
+                    <a:bodyPr/>
+                    <a:lstStyle/>
+                    <a:p>
+                      <a:endParaRPr lang="en-US" dirty="0">
+                        <a:solidFill>
+                          <a:schemeClr val="accent2">
+                            <a:lumMod val="75000"/>
+                          </a:schemeClr>
+                        </a:solidFill>
+                      </a:endParaRPr>
+                    </a:p>
+                  </a:txBody>
+                  <a:tcPr>
+                    <a:solidFill>
+                      <a:schemeClr val="accent2"/>
+                    </a:solidFill>
+                  </a:tcPr>
+                </a:tc>
+                <a:tc>
+                  <a:txBody>
+                    <a:bodyPr/>
+                    <a:lstStyle/>
+                    <a:p>
+                      <a:endParaRPr lang="en-US" dirty="0">
+                        <a:solidFill>
+                          <a:schemeClr val="accent2">
+                            <a:lumMod val="75000"/>
+                          </a:schemeClr>
+                        </a:solidFill>
+                      </a:endParaRPr>
+                    </a:p>
+                  </a:txBody>
+                  <a:tcPr>
+                    <a:solidFill>
+                      <a:schemeClr val="accent2"/>
+                    </a:solidFill>
+                  </a:tcPr>
+                </a:tc>
+                <a:tc>
+                  <a:txBody>
+                    <a:bodyPr/>
+                    <a:lstStyle/>
+                    <a:p>
+                      <a:endParaRPr lang="en-US" dirty="0">
+                        <a:solidFill>
+                          <a:schemeClr val="accent2">
+                            <a:lumMod val="75000"/>
+                          </a:schemeClr>
+                        </a:solidFill>
+                      </a:endParaRPr>
+                    </a:p>
+                  </a:txBody>
+                  <a:tcPr>
+                    <a:solidFill>
+                      <a:schemeClr val="accent2"/>
+                    </a:solidFill>
+                  </a:tcPr>
+                </a:tc>
+                <a:tc>
+                  <a:txBody>
+                    <a:bodyPr/>
+                    <a:lstStyle/>
+                    <a:p>
+                      <a:endParaRPr lang="en-US" dirty="0"/>
+                    </a:p>
+                  </a:txBody>
+                  <a:tcPr>
+                    <a:solidFill>
+                      <a:schemeClr val="accent2"/>
+                    </a:solidFill>
+                  </a:tcPr>
+                </a:tc>
+                <a:tc>
+                  <a:txBody>
+                    <a:bodyPr/>
+                    <a:lstStyle/>
+                    <a:p>
+                      <a:endParaRPr lang="en-US"/>
+                    </a:p>
+                  </a:txBody>
+                  <a:tcPr>
+                    <a:solidFill>
+                      <a:schemeClr val="accent2"/>
+                    </a:solidFill>
+                  </a:tcPr>
+                </a:tc>
+                <a:tc>
+                  <a:txBody>
+                    <a:bodyPr/>
+                    <a:lstStyle/>
+                    <a:p>
+                      <a:endParaRPr lang="en-US" dirty="0"/>
+                    </a:p>
+                  </a:txBody>
+                  <a:tcPr>
+                    <a:solidFill>
+                      <a:schemeClr val="accent2"/>
+                    </a:solidFill>
+                  </a:tcPr>
+                </a:tc>
+                <a:tc>
+                  <a:txBody>
+                    <a:bodyPr/>
+                    <a:lstStyle/>
+                    <a:p>
+                      <a:endParaRPr lang="en-US"/>
+                    </a:p>
+                  </a:txBody>
+                  <a:tcPr/>
+                </a:tc>
+                <a:tc>
+                  <a:txBody>
+                    <a:bodyPr/>
+                    <a:lstStyle/>
+                    <a:p>
+                      <a:endParaRPr lang="en-US"/>
+                    </a:p>
+                  </a:txBody>
+                  <a:tcPr/>
+                </a:tc>
+                <a:tc>
+                  <a:txBody>
+                    <a:bodyPr/>
+                    <a:lstStyle/>
+                    <a:p>
+                      <a:endParaRPr lang="en-US"/>
+                    </a:p>
+                  </a:txBody>
+                  <a:tcPr/>
+                </a:tc>
+                <a:tc>
+                  <a:txBody>
+                    <a:bodyPr/>
+                    <a:lstStyle/>
+                    <a:p>
+                      <a:endParaRPr lang="en-US"/>
+                    </a:p>
+                  </a:txBody>
+                  <a:tcPr/>
+                </a:tc>
+                <a:tc>
+                  <a:txBody>
+                    <a:bodyPr/>
+                    <a:lstStyle/>
+                    <a:p>
+                      <a:endParaRPr lang="en-US" dirty="0"/>
+                    </a:p>
+                  </a:txBody>
+                  <a:tcPr>
+                    <a:solidFill>
+                      <a:schemeClr val="accent2"/>
+                    </a:solidFill>
+                  </a:tcPr>
+                </a:tc>
+                <a:tc>
+                  <a:txBody>
+                    <a:bodyPr/>
+                    <a:lstStyle/>
+                    <a:p>
+                      <a:endParaRPr lang="en-US" dirty="0"/>
+                    </a:p>
+                  </a:txBody>
+                  <a:tcPr>
+                    <a:solidFill>
+                      <a:schemeClr val="accent2"/>
+                    </a:solidFill>
+                  </a:tcPr>
+                </a:tc>
+                <a:tc>
+                  <a:txBody>
+                    <a:bodyPr/>
+                    <a:lstStyle/>
+                    <a:p>
+                      <a:endParaRPr lang="en-US" dirty="0"/>
+                    </a:p>
+                  </a:txBody>
+                  <a:tcPr>
+                    <a:solidFill>
+                      <a:schemeClr val="accent2"/>
+                    </a:solidFill>
+                  </a:tcPr>
+                </a:tc>
+                <a:tc>
+                  <a:txBody>
+                    <a:bodyPr/>
+                    <a:lstStyle/>
+                    <a:p>
+                      <a:endParaRPr lang="en-US" dirty="0"/>
+                    </a:p>
+                  </a:txBody>
+                  <a:tcPr>
+                    <a:solidFill>
+                      <a:schemeClr val="accent2"/>
+                    </a:solidFill>
+                  </a:tcPr>
+                </a:tc>
+                <a:tc>
+                  <a:txBody>
+                    <a:bodyPr/>
+                    <a:lstStyle/>
+                    <a:p>
+                      <a:endParaRPr lang="en-US" dirty="0"/>
+                    </a:p>
+                  </a:txBody>
+                  <a:tcPr>
+                    <a:solidFill>
+                      <a:schemeClr val="accent2"/>
+                    </a:solidFill>
+                  </a:tcPr>
+                </a:tc>
+                <a:tc>
+                  <a:txBody>
+                    <a:bodyPr/>
+                    <a:lstStyle/>
+                    <a:p>
+                      <a:endParaRPr lang="en-US" dirty="0"/>
+                    </a:p>
+                  </a:txBody>
+                  <a:tcPr>
+                    <a:solidFill>
+                      <a:schemeClr val="accent2"/>
+                    </a:solidFill>
+                  </a:tcPr>
+                </a:tc>
+                <a:tc>
+                  <a:txBody>
+                    <a:bodyPr/>
+                    <a:lstStyle/>
+                    <a:p>
+                      <a:endParaRPr lang="en-US" dirty="0"/>
+                    </a:p>
+                  </a:txBody>
+                  <a:tcPr>
+                    <a:solidFill>
+                      <a:schemeClr val="accent2"/>
+                    </a:solidFill>
+                  </a:tcPr>
+                </a:tc>
+                <a:tc>
+                  <a:txBody>
+                    <a:bodyPr/>
+                    <a:lstStyle/>
+                    <a:p>
+                      <a:endParaRPr lang="en-US"/>
+                    </a:p>
+                  </a:txBody>
+                  <a:tcPr/>
+                </a:tc>
+                <a:tc>
+                  <a:txBody>
+                    <a:bodyPr/>
+                    <a:lstStyle/>
+                    <a:p>
+                      <a:endParaRPr lang="en-US"/>
+                    </a:p>
+                  </a:txBody>
+                  <a:tcPr/>
+                </a:tc>
+                <a:tc>
+                  <a:txBody>
+                    <a:bodyPr/>
+                    <a:lstStyle/>
+                    <a:p>
+                      <a:endParaRPr lang="en-US"/>
+                    </a:p>
+                  </a:txBody>
+                  <a:tcPr/>
+                </a:tc>
+                <a:tc>
+                  <a:txBody>
+                    <a:bodyPr/>
+                    <a:lstStyle/>
+                    <a:p>
+                      <a:endParaRPr lang="en-US"/>
+                    </a:p>
+                  </a:txBody>
+                  <a:tcPr/>
+                </a:tc>
+                <a:tc>
+                  <a:txBody>
+                    <a:bodyPr/>
+                    <a:lstStyle/>
+                    <a:p>
+                      <a:endParaRPr lang="en-US"/>
+                    </a:p>
+                  </a:txBody>
+                  <a:tcPr/>
+                </a:tc>
+                <a:tc>
+                  <a:txBody>
+                    <a:bodyPr/>
+                    <a:lstStyle/>
+                    <a:p>
+                      <a:endParaRPr lang="en-US"/>
+                    </a:p>
+                  </a:txBody>
+                  <a:tcPr/>
+                </a:tc>
+                <a:tc>
+                  <a:txBody>
+                    <a:bodyPr/>
+                    <a:lstStyle/>
+                    <a:p>
+                      <a:endParaRPr lang="en-US"/>
+                    </a:p>
+                  </a:txBody>
+                  <a:tcPr/>
+                </a:tc>
+                <a:extLst>
+                  <a:ext uri="{0D108BD9-81ED-4DB2-BD59-A6C34878D82A}">
+                    <a16:rowId xmlns:a16="http://schemas.microsoft.com/office/drawing/2014/main" val="3946208365"/>
+                  </a:ext>
+                </a:extLst>
+              </a:tr>
+              <a:tr h="370840">
+                <a:tc>
+                  <a:txBody>
+                    <a:bodyPr/>
+                    <a:lstStyle/>
+                    <a:p>
+                      <a:endParaRPr lang="en-US"/>
+                    </a:p>
+                  </a:txBody>
+                  <a:tcPr/>
+                </a:tc>
+                <a:tc>
+                  <a:txBody>
+                    <a:bodyPr/>
+                    <a:lstStyle/>
+                    <a:p>
+                      <a:endParaRPr lang="en-US"/>
+                    </a:p>
+                  </a:txBody>
+                  <a:tcPr/>
+                </a:tc>
+                <a:tc>
+                  <a:txBody>
+                    <a:bodyPr/>
+                    <a:lstStyle/>
+                    <a:p>
+                      <a:endParaRPr lang="en-US"/>
+                    </a:p>
+                  </a:txBody>
+                  <a:tcPr/>
+                </a:tc>
+                <a:tc>
+                  <a:txBody>
+                    <a:bodyPr/>
+                    <a:lstStyle/>
+                    <a:p>
+                      <a:endParaRPr lang="en-US"/>
+                    </a:p>
+                  </a:txBody>
+                  <a:tcPr/>
+                </a:tc>
+                <a:tc>
+                  <a:txBody>
+                    <a:bodyPr/>
+                    <a:lstStyle/>
+                    <a:p>
+                      <a:endParaRPr lang="en-US"/>
+                    </a:p>
+                  </a:txBody>
+                  <a:tcPr/>
+                </a:tc>
+                <a:tc>
+                  <a:txBody>
+                    <a:bodyPr/>
+                    <a:lstStyle/>
+                    <a:p>
+                      <a:endParaRPr lang="en-US"/>
+                    </a:p>
+                  </a:txBody>
+                  <a:tcPr/>
+                </a:tc>
+                <a:tc>
+                  <a:txBody>
+                    <a:bodyPr/>
+                    <a:lstStyle/>
+                    <a:p>
+                      <a:endParaRPr lang="en-US" dirty="0"/>
+                    </a:p>
+                  </a:txBody>
+                  <a:tcPr/>
+                </a:tc>
+                <a:tc>
+                  <a:txBody>
+                    <a:bodyPr/>
+                    <a:lstStyle/>
+                    <a:p>
+                      <a:endParaRPr lang="en-US"/>
+                    </a:p>
+                  </a:txBody>
+                  <a:tcPr/>
+                </a:tc>
+                <a:tc>
+                  <a:txBody>
+                    <a:bodyPr/>
+                    <a:lstStyle/>
+                    <a:p>
+                      <a:endParaRPr lang="en-US"/>
+                    </a:p>
+                  </a:txBody>
+                  <a:tcPr/>
+                </a:tc>
+                <a:tc>
+                  <a:txBody>
+                    <a:bodyPr/>
+                    <a:lstStyle/>
+                    <a:p>
+                      <a:endParaRPr lang="en-US" dirty="0"/>
+                    </a:p>
+                  </a:txBody>
+                  <a:tcPr>
+                    <a:solidFill>
+                      <a:schemeClr val="accent2"/>
+                    </a:solidFill>
+                  </a:tcPr>
+                </a:tc>
+                <a:tc>
+                  <a:txBody>
+                    <a:bodyPr/>
+                    <a:lstStyle/>
+                    <a:p>
+                      <a:endParaRPr lang="en-US" dirty="0"/>
+                    </a:p>
+                  </a:txBody>
+                  <a:tcPr>
+                    <a:solidFill>
+                      <a:schemeClr val="accent2"/>
+                    </a:solidFill>
+                  </a:tcPr>
+                </a:tc>
+                <a:tc>
+                  <a:txBody>
+                    <a:bodyPr/>
+                    <a:lstStyle/>
+                    <a:p>
+                      <a:endParaRPr lang="en-US" dirty="0"/>
+                    </a:p>
+                  </a:txBody>
+                  <a:tcPr>
+                    <a:solidFill>
+                      <a:schemeClr val="accent2"/>
+                    </a:solidFill>
+                  </a:tcPr>
+                </a:tc>
+                <a:tc>
+                  <a:txBody>
+                    <a:bodyPr/>
+                    <a:lstStyle/>
+                    <a:p>
+                      <a:endParaRPr lang="en-US"/>
+                    </a:p>
+                  </a:txBody>
+                  <a:tcPr>
+                    <a:solidFill>
+                      <a:schemeClr val="accent2"/>
+                    </a:solidFill>
+                  </a:tcPr>
+                </a:tc>
+                <a:tc>
+                  <a:txBody>
+                    <a:bodyPr/>
+                    <a:lstStyle/>
+                    <a:p>
+                      <a:endParaRPr lang="en-US" dirty="0"/>
+                    </a:p>
+                  </a:txBody>
+                  <a:tcPr>
+                    <a:solidFill>
+                      <a:schemeClr val="accent2"/>
+                    </a:solidFill>
+                  </a:tcPr>
+                </a:tc>
+                <a:tc>
+                  <a:txBody>
+                    <a:bodyPr/>
+                    <a:lstStyle/>
+                    <a:p>
+                      <a:endParaRPr lang="en-US" dirty="0"/>
+                    </a:p>
+                  </a:txBody>
+                  <a:tcPr>
+                    <a:solidFill>
+                      <a:schemeClr val="accent2"/>
+                    </a:solidFill>
+                  </a:tcPr>
+                </a:tc>
+                <a:tc>
+                  <a:txBody>
+                    <a:bodyPr/>
+                    <a:lstStyle/>
+                    <a:p>
+                      <a:endParaRPr lang="en-US" dirty="0"/>
+                    </a:p>
+                  </a:txBody>
+                  <a:tcPr>
+                    <a:solidFill>
+                      <a:schemeClr val="accent2"/>
+                    </a:solidFill>
+                  </a:tcPr>
+                </a:tc>
+                <a:tc>
+                  <a:txBody>
+                    <a:bodyPr/>
+                    <a:lstStyle/>
+                    <a:p>
+                      <a:endParaRPr lang="en-US" dirty="0"/>
+                    </a:p>
+                  </a:txBody>
+                  <a:tcPr>
+                    <a:solidFill>
+                      <a:schemeClr val="accent2"/>
+                    </a:solidFill>
+                  </a:tcPr>
+                </a:tc>
+                <a:tc>
+                  <a:txBody>
+                    <a:bodyPr/>
+                    <a:lstStyle/>
+                    <a:p>
+                      <a:endParaRPr lang="en-US"/>
+                    </a:p>
+                  </a:txBody>
+                  <a:tcPr/>
+                </a:tc>
+                <a:tc>
+                  <a:txBody>
+                    <a:bodyPr/>
+                    <a:lstStyle/>
+                    <a:p>
+                      <a:endParaRPr lang="en-US"/>
+                    </a:p>
+                  </a:txBody>
+                  <a:tcPr/>
+                </a:tc>
+                <a:tc>
+                  <a:txBody>
+                    <a:bodyPr/>
+                    <a:lstStyle/>
+                    <a:p>
+                      <a:endParaRPr lang="en-US"/>
+                    </a:p>
+                  </a:txBody>
+                  <a:tcPr/>
+                </a:tc>
+                <a:tc>
+                  <a:txBody>
+                    <a:bodyPr/>
+                    <a:lstStyle/>
+                    <a:p>
+                      <a:endParaRPr lang="en-US"/>
+                    </a:p>
+                  </a:txBody>
+                  <a:tcPr/>
+                </a:tc>
+                <a:tc>
+                  <a:txBody>
+                    <a:bodyPr/>
+                    <a:lstStyle/>
+                    <a:p>
+                      <a:endParaRPr lang="en-US"/>
+                    </a:p>
+                  </a:txBody>
+                  <a:tcPr/>
+                </a:tc>
+                <a:tc>
+                  <a:txBody>
+                    <a:bodyPr/>
+                    <a:lstStyle/>
+                    <a:p>
+                      <a:endParaRPr lang="en-US"/>
+                    </a:p>
+                  </a:txBody>
+                  <a:tcPr/>
+                </a:tc>
+                <a:tc>
+                  <a:txBody>
+                    <a:bodyPr/>
+                    <a:lstStyle/>
+                    <a:p>
+                      <a:endParaRPr lang="en-US"/>
+                    </a:p>
+                  </a:txBody>
+                  <a:tcPr/>
+                </a:tc>
+                <a:tc>
+                  <a:txBody>
+                    <a:bodyPr/>
+                    <a:lstStyle/>
+                    <a:p>
+                      <a:endParaRPr lang="en-US"/>
+                    </a:p>
+                  </a:txBody>
+                  <a:tcPr/>
+                </a:tc>
+                <a:tc>
+                  <a:txBody>
+                    <a:bodyPr/>
+                    <a:lstStyle/>
+                    <a:p>
+                      <a:endParaRPr lang="en-US"/>
+                    </a:p>
+                  </a:txBody>
+                  <a:tcPr/>
+                </a:tc>
+                <a:tc>
+                  <a:txBody>
+                    <a:bodyPr/>
+                    <a:lstStyle/>
+                    <a:p>
+                      <a:endParaRPr lang="en-US" dirty="0"/>
+                    </a:p>
+                  </a:txBody>
+                  <a:tcPr>
+                    <a:solidFill>
+                      <a:schemeClr val="accent2"/>
+                    </a:solidFill>
+                  </a:tcPr>
+                </a:tc>
+                <a:tc>
+                  <a:txBody>
+                    <a:bodyPr/>
+                    <a:lstStyle/>
+                    <a:p>
+                      <a:endParaRPr lang="en-US" dirty="0"/>
+                    </a:p>
+                  </a:txBody>
+                  <a:tcPr>
+                    <a:solidFill>
+                      <a:schemeClr val="accent2"/>
+                    </a:solidFill>
+                  </a:tcPr>
+                </a:tc>
+                <a:tc>
+                  <a:txBody>
+                    <a:bodyPr/>
+                    <a:lstStyle/>
+                    <a:p>
+                      <a:endParaRPr lang="en-US" dirty="0"/>
+                    </a:p>
+                  </a:txBody>
+                  <a:tcPr>
+                    <a:solidFill>
+                      <a:schemeClr val="accent2"/>
+                    </a:solidFill>
+                  </a:tcPr>
+                </a:tc>
+                <a:tc>
+                  <a:txBody>
+                    <a:bodyPr/>
+                    <a:lstStyle/>
+                    <a:p>
+                      <a:endParaRPr lang="en-US" dirty="0"/>
+                    </a:p>
+                  </a:txBody>
+                  <a:tcPr>
+                    <a:solidFill>
+                      <a:schemeClr val="accent2"/>
+                    </a:solidFill>
+                  </a:tcPr>
+                </a:tc>
+                <a:tc>
+                  <a:txBody>
+                    <a:bodyPr/>
+                    <a:lstStyle/>
+                    <a:p>
+                      <a:endParaRPr lang="en-US" dirty="0"/>
+                    </a:p>
+                  </a:txBody>
+                  <a:tcPr>
+                    <a:solidFill>
+                      <a:schemeClr val="accent2"/>
+                    </a:solidFill>
+                  </a:tcPr>
+                </a:tc>
+                <a:extLst>
+                  <a:ext uri="{0D108BD9-81ED-4DB2-BD59-A6C34878D82A}">
+                    <a16:rowId xmlns:a16="http://schemas.microsoft.com/office/drawing/2014/main" val="2033707846"/>
+                  </a:ext>
+                </a:extLst>
+              </a:tr>
+              <a:tr h="370840">
+                <a:tc>
+                  <a:txBody>
+                    <a:bodyPr/>
+                    <a:lstStyle/>
+                    <a:p>
+                      <a:endParaRPr lang="en-US"/>
+                    </a:p>
+                  </a:txBody>
+                  <a:tcPr/>
+                </a:tc>
+                <a:tc>
+                  <a:txBody>
+                    <a:bodyPr/>
+                    <a:lstStyle/>
+                    <a:p>
+                      <a:endParaRPr lang="en-US"/>
+                    </a:p>
+                  </a:txBody>
+                  <a:tcPr/>
+                </a:tc>
+                <a:tc>
+                  <a:txBody>
+                    <a:bodyPr/>
+                    <a:lstStyle/>
+                    <a:p>
+                      <a:endParaRPr lang="en-US" dirty="0"/>
+                    </a:p>
+                  </a:txBody>
+                  <a:tcPr>
+                    <a:solidFill>
+                      <a:schemeClr val="accent2"/>
+                    </a:solidFill>
+                  </a:tcPr>
+                </a:tc>
+                <a:tc>
+                  <a:txBody>
+                    <a:bodyPr/>
+                    <a:lstStyle/>
+                    <a:p>
+                      <a:endParaRPr lang="en-US" dirty="0"/>
+                    </a:p>
+                  </a:txBody>
+                  <a:tcPr>
+                    <a:solidFill>
+                      <a:schemeClr val="accent2"/>
+                    </a:solidFill>
+                  </a:tcPr>
+                </a:tc>
+                <a:tc>
+                  <a:txBody>
+                    <a:bodyPr/>
+                    <a:lstStyle/>
+                    <a:p>
+                      <a:endParaRPr lang="en-US" dirty="0"/>
+                    </a:p>
+                  </a:txBody>
+                  <a:tcPr>
+                    <a:solidFill>
+                      <a:schemeClr val="accent2"/>
+                    </a:solidFill>
+                  </a:tcPr>
+                </a:tc>
+                <a:tc>
+                  <a:txBody>
+                    <a:bodyPr/>
+                    <a:lstStyle/>
+                    <a:p>
+                      <a:endParaRPr lang="en-US" dirty="0"/>
+                    </a:p>
+                  </a:txBody>
+                  <a:tcPr>
+                    <a:solidFill>
+                      <a:schemeClr val="accent2"/>
+                    </a:solidFill>
+                  </a:tcPr>
+                </a:tc>
+                <a:tc>
+                  <a:txBody>
+                    <a:bodyPr/>
+                    <a:lstStyle/>
+                    <a:p>
+                      <a:endParaRPr lang="en-US" dirty="0"/>
+                    </a:p>
+                  </a:txBody>
+                  <a:tcPr>
+                    <a:solidFill>
+                      <a:schemeClr val="accent2"/>
+                    </a:solidFill>
+                  </a:tcPr>
+                </a:tc>
+                <a:tc>
+                  <a:txBody>
+                    <a:bodyPr/>
+                    <a:lstStyle/>
+                    <a:p>
+                      <a:endParaRPr lang="en-US" dirty="0"/>
+                    </a:p>
+                  </a:txBody>
+                  <a:tcPr>
+                    <a:solidFill>
+                      <a:schemeClr val="accent2"/>
+                    </a:solidFill>
+                  </a:tcPr>
+                </a:tc>
+                <a:tc>
+                  <a:txBody>
+                    <a:bodyPr/>
+                    <a:lstStyle/>
+                    <a:p>
+                      <a:endParaRPr lang="en-US"/>
+                    </a:p>
+                  </a:txBody>
+                  <a:tcPr/>
+                </a:tc>
+                <a:tc>
+                  <a:txBody>
+                    <a:bodyPr/>
+                    <a:lstStyle/>
+                    <a:p>
+                      <a:endParaRPr lang="en-US"/>
+                    </a:p>
+                  </a:txBody>
+                  <a:tcPr/>
+                </a:tc>
+                <a:tc>
+                  <a:txBody>
+                    <a:bodyPr/>
+                    <a:lstStyle/>
+                    <a:p>
+                      <a:endParaRPr lang="en-US"/>
+                    </a:p>
+                  </a:txBody>
+                  <a:tcPr/>
+                </a:tc>
+                <a:tc>
+                  <a:txBody>
+                    <a:bodyPr/>
+                    <a:lstStyle/>
+                    <a:p>
+                      <a:endParaRPr lang="en-US"/>
+                    </a:p>
+                  </a:txBody>
+                  <a:tcPr/>
+                </a:tc>
+                <a:tc>
+                  <a:txBody>
+                    <a:bodyPr/>
+                    <a:lstStyle/>
+                    <a:p>
+                      <a:endParaRPr lang="en-US" dirty="0"/>
+                    </a:p>
+                  </a:txBody>
+                  <a:tcPr>
+                    <a:solidFill>
+                      <a:schemeClr val="accent2"/>
+                    </a:solidFill>
+                  </a:tcPr>
+                </a:tc>
+                <a:tc>
+                  <a:txBody>
+                    <a:bodyPr/>
+                    <a:lstStyle/>
+                    <a:p>
+                      <a:endParaRPr lang="en-US" dirty="0"/>
+                    </a:p>
+                  </a:txBody>
+                  <a:tcPr>
+                    <a:solidFill>
+                      <a:schemeClr val="accent2"/>
+                    </a:solidFill>
+                  </a:tcPr>
+                </a:tc>
+                <a:tc>
+                  <a:txBody>
+                    <a:bodyPr/>
+                    <a:lstStyle/>
+                    <a:p>
+                      <a:endParaRPr lang="en-US" dirty="0"/>
+                    </a:p>
+                  </a:txBody>
+                  <a:tcPr>
+                    <a:solidFill>
+                      <a:schemeClr val="accent2"/>
+                    </a:solidFill>
+                  </a:tcPr>
+                </a:tc>
+                <a:tc>
+                  <a:txBody>
+                    <a:bodyPr/>
+                    <a:lstStyle/>
+                    <a:p>
+                      <a:endParaRPr lang="en-US" dirty="0"/>
+                    </a:p>
+                  </a:txBody>
+                  <a:tcPr>
+                    <a:solidFill>
+                      <a:schemeClr val="accent2"/>
+                    </a:solidFill>
+                  </a:tcPr>
+                </a:tc>
+                <a:tc>
+                  <a:txBody>
+                    <a:bodyPr/>
+                    <a:lstStyle/>
+                    <a:p>
+                      <a:endParaRPr lang="en-US" dirty="0"/>
+                    </a:p>
+                  </a:txBody>
+                  <a:tcPr>
+                    <a:solidFill>
+                      <a:schemeClr val="accent2"/>
+                    </a:solidFill>
+                  </a:tcPr>
+                </a:tc>
+                <a:tc>
+                  <a:txBody>
+                    <a:bodyPr/>
+                    <a:lstStyle/>
+                    <a:p>
+                      <a:endParaRPr lang="en-US" dirty="0"/>
+                    </a:p>
+                  </a:txBody>
+                  <a:tcPr>
+                    <a:solidFill>
+                      <a:schemeClr val="accent2"/>
+                    </a:solidFill>
+                  </a:tcPr>
+                </a:tc>
+                <a:tc>
+                  <a:txBody>
+                    <a:bodyPr/>
+                    <a:lstStyle/>
+                    <a:p>
+                      <a:endParaRPr lang="en-US" dirty="0"/>
+                    </a:p>
+                  </a:txBody>
+                  <a:tcPr>
+                    <a:solidFill>
+                      <a:schemeClr val="accent2"/>
+                    </a:solidFill>
+                  </a:tcPr>
+                </a:tc>
+                <a:tc>
+                  <a:txBody>
+                    <a:bodyPr/>
+                    <a:lstStyle/>
+                    <a:p>
+                      <a:endParaRPr lang="en-US"/>
+                    </a:p>
+                  </a:txBody>
+                  <a:tcPr/>
+                </a:tc>
+                <a:tc>
+                  <a:txBody>
+                    <a:bodyPr/>
+                    <a:lstStyle/>
+                    <a:p>
+                      <a:endParaRPr lang="en-US"/>
+                    </a:p>
+                  </a:txBody>
+                  <a:tcPr/>
+                </a:tc>
+                <a:tc>
+                  <a:txBody>
+                    <a:bodyPr/>
+                    <a:lstStyle/>
+                    <a:p>
+                      <a:endParaRPr lang="en-US"/>
+                    </a:p>
+                  </a:txBody>
+                  <a:tcPr/>
+                </a:tc>
+                <a:tc>
+                  <a:txBody>
+                    <a:bodyPr/>
+                    <a:lstStyle/>
+                    <a:p>
+                      <a:endParaRPr lang="en-US"/>
+                    </a:p>
+                  </a:txBody>
+                  <a:tcPr/>
+                </a:tc>
+                <a:tc>
+                  <a:txBody>
+                    <a:bodyPr/>
+                    <a:lstStyle/>
+                    <a:p>
+                      <a:endParaRPr lang="en-US"/>
+                    </a:p>
+                  </a:txBody>
+                  <a:tcPr/>
+                </a:tc>
+                <a:tc>
+                  <a:txBody>
+                    <a:bodyPr/>
+                    <a:lstStyle/>
+                    <a:p>
+                      <a:endParaRPr lang="en-US" dirty="0"/>
+                    </a:p>
+                  </a:txBody>
+                  <a:tcPr>
+                    <a:solidFill>
+                      <a:schemeClr val="accent2"/>
+                    </a:solidFill>
+                  </a:tcPr>
+                </a:tc>
+                <a:tc>
+                  <a:txBody>
+                    <a:bodyPr/>
+                    <a:lstStyle/>
+                    <a:p>
+                      <a:endParaRPr lang="en-US" dirty="0"/>
+                    </a:p>
+                  </a:txBody>
+                  <a:tcPr>
+                    <a:solidFill>
+                      <a:schemeClr val="accent2"/>
+                    </a:solidFill>
+                  </a:tcPr>
+                </a:tc>
+                <a:tc>
+                  <a:txBody>
+                    <a:bodyPr/>
+                    <a:lstStyle/>
+                    <a:p>
+                      <a:endParaRPr lang="en-US"/>
+                    </a:p>
+                  </a:txBody>
+                  <a:tcPr>
+                    <a:solidFill>
+                      <a:schemeClr val="accent2"/>
+                    </a:solidFill>
+                  </a:tcPr>
+                </a:tc>
+                <a:tc>
+                  <a:txBody>
+                    <a:bodyPr/>
+                    <a:lstStyle/>
+                    <a:p>
+                      <a:endParaRPr lang="en-US" dirty="0"/>
+                    </a:p>
+                  </a:txBody>
+                  <a:tcPr>
+                    <a:solidFill>
+                      <a:schemeClr val="accent2"/>
+                    </a:solidFill>
+                  </a:tcPr>
+                </a:tc>
+                <a:tc>
+                  <a:txBody>
+                    <a:bodyPr/>
+                    <a:lstStyle/>
+                    <a:p>
+                      <a:endParaRPr lang="en-US" dirty="0"/>
+                    </a:p>
+                  </a:txBody>
+                  <a:tcPr>
+                    <a:solidFill>
+                      <a:schemeClr val="accent2"/>
+                    </a:solidFill>
+                  </a:tcPr>
+                </a:tc>
+                <a:tc>
+                  <a:txBody>
+                    <a:bodyPr/>
+                    <a:lstStyle/>
+                    <a:p>
+                      <a:endParaRPr lang="en-US" dirty="0"/>
+                    </a:p>
+                  </a:txBody>
+                  <a:tcPr>
+                    <a:solidFill>
+                      <a:schemeClr val="accent2"/>
+                    </a:solidFill>
+                  </a:tcPr>
+                </a:tc>
+                <a:tc>
+                  <a:txBody>
+                    <a:bodyPr/>
+                    <a:lstStyle/>
+                    <a:p>
+                      <a:endParaRPr lang="en-US"/>
+                    </a:p>
+                  </a:txBody>
+                  <a:tcPr/>
+                </a:tc>
+                <a:extLst>
+                  <a:ext uri="{0D108BD9-81ED-4DB2-BD59-A6C34878D82A}">
+                    <a16:rowId xmlns:a16="http://schemas.microsoft.com/office/drawing/2014/main" val="317887761"/>
+                  </a:ext>
+                </a:extLst>
+              </a:tr>
+              <a:tr h="370840">
+                <a:tc>
+                  <a:txBody>
+                    <a:bodyPr/>
+                    <a:lstStyle/>
+                    <a:p>
+                      <a:endParaRPr lang="en-US"/>
+                    </a:p>
+                  </a:txBody>
+                  <a:tcPr/>
+                </a:tc>
+                <a:tc>
+                  <a:txBody>
+                    <a:bodyPr/>
+                    <a:lstStyle/>
+                    <a:p>
+                      <a:endParaRPr lang="en-US" dirty="0"/>
+                    </a:p>
+                  </a:txBody>
+                  <a:tcPr>
+                    <a:solidFill>
+                      <a:schemeClr val="accent2"/>
+                    </a:solidFill>
+                  </a:tcPr>
+                </a:tc>
+                <a:tc>
+                  <a:txBody>
+                    <a:bodyPr/>
+                    <a:lstStyle/>
+                    <a:p>
+                      <a:endParaRPr lang="en-US" dirty="0"/>
+                    </a:p>
+                  </a:txBody>
+                  <a:tcPr>
+                    <a:solidFill>
+                      <a:schemeClr val="accent2"/>
+                    </a:solidFill>
+                  </a:tcPr>
+                </a:tc>
+                <a:tc>
+                  <a:txBody>
+                    <a:bodyPr/>
+                    <a:lstStyle/>
+                    <a:p>
+                      <a:endParaRPr lang="en-US" dirty="0"/>
+                    </a:p>
+                  </a:txBody>
+                  <a:tcPr>
+                    <a:solidFill>
+                      <a:schemeClr val="accent2"/>
+                    </a:solidFill>
+                  </a:tcPr>
+                </a:tc>
+                <a:tc>
+                  <a:txBody>
+                    <a:bodyPr/>
+                    <a:lstStyle/>
+                    <a:p>
+                      <a:endParaRPr lang="en-US" dirty="0"/>
+                    </a:p>
+                  </a:txBody>
+                  <a:tcPr>
+                    <a:solidFill>
+                      <a:schemeClr val="accent2"/>
+                    </a:solidFill>
+                  </a:tcPr>
+                </a:tc>
+                <a:tc>
+                  <a:txBody>
+                    <a:bodyPr/>
+                    <a:lstStyle/>
+                    <a:p>
+                      <a:endParaRPr lang="en-US" dirty="0"/>
+                    </a:p>
+                  </a:txBody>
+                  <a:tcPr>
+                    <a:solidFill>
+                      <a:schemeClr val="accent2"/>
+                    </a:solidFill>
+                  </a:tcPr>
+                </a:tc>
+                <a:tc>
+                  <a:txBody>
+                    <a:bodyPr/>
+                    <a:lstStyle/>
+                    <a:p>
+                      <a:endParaRPr lang="en-US"/>
+                    </a:p>
+                  </a:txBody>
+                  <a:tcPr>
+                    <a:solidFill>
+                      <a:schemeClr val="accent2"/>
+                    </a:solidFill>
+                  </a:tcPr>
+                </a:tc>
+                <a:tc>
+                  <a:txBody>
+                    <a:bodyPr/>
+                    <a:lstStyle/>
+                    <a:p>
+                      <a:endParaRPr lang="en-US" dirty="0"/>
+                    </a:p>
+                  </a:txBody>
+                  <a:tcPr>
+                    <a:solidFill>
+                      <a:schemeClr val="accent2"/>
+                    </a:solidFill>
+                  </a:tcPr>
+                </a:tc>
+                <a:tc>
+                  <a:txBody>
+                    <a:bodyPr/>
+                    <a:lstStyle/>
+                    <a:p>
+                      <a:endParaRPr lang="en-US" dirty="0"/>
+                    </a:p>
+                  </a:txBody>
+                  <a:tcPr>
+                    <a:solidFill>
+                      <a:schemeClr val="accent2"/>
+                    </a:solidFill>
+                  </a:tcPr>
+                </a:tc>
+                <a:tc>
+                  <a:txBody>
+                    <a:bodyPr/>
+                    <a:lstStyle/>
+                    <a:p>
+                      <a:endParaRPr lang="en-US" dirty="0"/>
+                    </a:p>
+                  </a:txBody>
+                  <a:tcPr>
+                    <a:solidFill>
+                      <a:schemeClr val="accent2"/>
+                    </a:solidFill>
+                  </a:tcPr>
+                </a:tc>
+                <a:tc>
+                  <a:txBody>
+                    <a:bodyPr/>
+                    <a:lstStyle/>
+                    <a:p>
+                      <a:endParaRPr lang="en-US" dirty="0"/>
+                    </a:p>
+                  </a:txBody>
+                  <a:tcPr>
+                    <a:solidFill>
+                      <a:schemeClr val="accent2"/>
+                    </a:solidFill>
+                  </a:tcPr>
+                </a:tc>
+                <a:tc>
+                  <a:txBody>
+                    <a:bodyPr/>
+                    <a:lstStyle/>
+                    <a:p>
+                      <a:endParaRPr lang="en-US" dirty="0"/>
+                    </a:p>
+                  </a:txBody>
+                  <a:tcPr>
+                    <a:solidFill>
+                      <a:schemeClr val="accent2"/>
+                    </a:solidFill>
+                  </a:tcPr>
+                </a:tc>
+                <a:tc>
+                  <a:txBody>
+                    <a:bodyPr/>
+                    <a:lstStyle/>
+                    <a:p>
+                      <a:endParaRPr lang="en-US" dirty="0"/>
+                    </a:p>
+                  </a:txBody>
+                  <a:tcPr>
+                    <a:solidFill>
+                      <a:schemeClr val="accent2"/>
+                    </a:solidFill>
+                  </a:tcPr>
+                </a:tc>
+                <a:tc>
+                  <a:txBody>
+                    <a:bodyPr/>
+                    <a:lstStyle/>
+                    <a:p>
+                      <a:endParaRPr lang="en-US"/>
+                    </a:p>
+                  </a:txBody>
+                  <a:tcPr/>
+                </a:tc>
+                <a:tc>
+                  <a:txBody>
+                    <a:bodyPr/>
+                    <a:lstStyle/>
+                    <a:p>
+                      <a:endParaRPr lang="en-US"/>
+                    </a:p>
+                  </a:txBody>
+                  <a:tcPr/>
+                </a:tc>
+                <a:tc>
+                  <a:txBody>
+                    <a:bodyPr/>
+                    <a:lstStyle/>
+                    <a:p>
+                      <a:endParaRPr lang="en-US"/>
+                    </a:p>
+                  </a:txBody>
+                  <a:tcPr/>
+                </a:tc>
+                <a:tc>
+                  <a:txBody>
+                    <a:bodyPr/>
+                    <a:lstStyle/>
+                    <a:p>
+                      <a:endParaRPr lang="en-US"/>
+                    </a:p>
+                  </a:txBody>
+                  <a:tcPr/>
+                </a:tc>
+                <a:tc>
+                  <a:txBody>
+                    <a:bodyPr/>
+                    <a:lstStyle/>
+                    <a:p>
+                      <a:endParaRPr lang="en-US"/>
+                    </a:p>
+                  </a:txBody>
+                  <a:tcPr/>
+                </a:tc>
+                <a:tc>
+                  <a:txBody>
+                    <a:bodyPr/>
+                    <a:lstStyle/>
+                    <a:p>
+                      <a:endParaRPr lang="en-US"/>
+                    </a:p>
+                  </a:txBody>
+                  <a:tcPr/>
+                </a:tc>
+                <a:tc>
+                  <a:txBody>
+                    <a:bodyPr/>
+                    <a:lstStyle/>
+                    <a:p>
+                      <a:endParaRPr lang="en-US"/>
+                    </a:p>
+                  </a:txBody>
+                  <a:tcPr/>
+                </a:tc>
+                <a:tc>
+                  <a:txBody>
+                    <a:bodyPr/>
+                    <a:lstStyle/>
+                    <a:p>
+                      <a:endParaRPr lang="en-US" dirty="0"/>
+                    </a:p>
+                  </a:txBody>
+                  <a:tcPr>
+                    <a:solidFill>
+                      <a:schemeClr val="accent2"/>
+                    </a:solidFill>
+                  </a:tcPr>
+                </a:tc>
+                <a:tc>
+                  <a:txBody>
+                    <a:bodyPr/>
+                    <a:lstStyle/>
+                    <a:p>
+                      <a:endParaRPr lang="en-US" dirty="0"/>
+                    </a:p>
+                  </a:txBody>
+                  <a:tcPr>
+                    <a:solidFill>
+                      <a:schemeClr val="accent2"/>
+                    </a:solidFill>
+                  </a:tcPr>
+                </a:tc>
+                <a:tc>
+                  <a:txBody>
+                    <a:bodyPr/>
+                    <a:lstStyle/>
+                    <a:p>
+                      <a:endParaRPr lang="en-US" dirty="0"/>
+                    </a:p>
+                  </a:txBody>
+                  <a:tcPr>
+                    <a:solidFill>
+                      <a:schemeClr val="accent2"/>
+                    </a:solidFill>
+                  </a:tcPr>
+                </a:tc>
+                <a:tc>
+                  <a:txBody>
+                    <a:bodyPr/>
+                    <a:lstStyle/>
+                    <a:p>
+                      <a:endParaRPr lang="en-US" dirty="0"/>
+                    </a:p>
+                  </a:txBody>
+                  <a:tcPr>
+                    <a:solidFill>
+                      <a:schemeClr val="accent2"/>
+                    </a:solidFill>
+                  </a:tcPr>
+                </a:tc>
+                <a:tc>
+                  <a:txBody>
+                    <a:bodyPr/>
+                    <a:lstStyle/>
+                    <a:p>
+                      <a:endParaRPr lang="en-US" dirty="0"/>
+                    </a:p>
+                  </a:txBody>
+                  <a:tcPr>
+                    <a:solidFill>
+                      <a:schemeClr val="accent2"/>
+                    </a:solidFill>
+                  </a:tcPr>
+                </a:tc>
+                <a:tc>
+                  <a:txBody>
+                    <a:bodyPr/>
+                    <a:lstStyle/>
+                    <a:p>
+                      <a:endParaRPr lang="en-US" dirty="0"/>
+                    </a:p>
+                  </a:txBody>
+                  <a:tcPr>
+                    <a:solidFill>
+                      <a:schemeClr val="accent2"/>
+                    </a:solidFill>
+                  </a:tcPr>
+                </a:tc>
+                <a:tc>
+                  <a:txBody>
+                    <a:bodyPr/>
+                    <a:lstStyle/>
+                    <a:p>
+                      <a:endParaRPr lang="en-US" dirty="0"/>
+                    </a:p>
+                  </a:txBody>
+                  <a:tcPr>
+                    <a:solidFill>
+                      <a:schemeClr val="accent2"/>
+                    </a:solidFill>
+                  </a:tcPr>
+                </a:tc>
+                <a:tc>
+                  <a:txBody>
+                    <a:bodyPr/>
+                    <a:lstStyle/>
+                    <a:p>
+                      <a:endParaRPr lang="en-US" dirty="0"/>
+                    </a:p>
+                  </a:txBody>
+                  <a:tcPr>
+                    <a:solidFill>
+                      <a:schemeClr val="accent2"/>
+                    </a:solidFill>
+                  </a:tcPr>
+                </a:tc>
+                <a:tc>
+                  <a:txBody>
+                    <a:bodyPr/>
+                    <a:lstStyle/>
+                    <a:p>
+                      <a:endParaRPr lang="en-US" dirty="0"/>
+                    </a:p>
+                  </a:txBody>
+                  <a:tcPr/>
+                </a:tc>
+                <a:tc>
+                  <a:txBody>
+                    <a:bodyPr/>
+                    <a:lstStyle/>
+                    <a:p>
+                      <a:endParaRPr lang="en-US" dirty="0"/>
+                    </a:p>
+                  </a:txBody>
+                  <a:tcPr/>
+                </a:tc>
+                <a:tc>
+                  <a:txBody>
+                    <a:bodyPr/>
+                    <a:lstStyle/>
+                    <a:p>
+                      <a:endParaRPr lang="en-US"/>
+                    </a:p>
+                  </a:txBody>
+                  <a:tcPr/>
+                </a:tc>
+                <a:extLst>
+                  <a:ext uri="{0D108BD9-81ED-4DB2-BD59-A6C34878D82A}">
+                    <a16:rowId xmlns:a16="http://schemas.microsoft.com/office/drawing/2014/main" val="4245013958"/>
+                  </a:ext>
+                </a:extLst>
+              </a:tr>
+              <a:tr h="370840">
+                <a:tc>
+                  <a:txBody>
+                    <a:bodyPr/>
+                    <a:lstStyle/>
+                    <a:p>
+                      <a:endParaRPr lang="en-US"/>
+                    </a:p>
+                  </a:txBody>
+                  <a:tcPr/>
+                </a:tc>
+                <a:tc>
+                  <a:txBody>
+                    <a:bodyPr/>
+                    <a:lstStyle/>
+                    <a:p>
+                      <a:endParaRPr lang="en-US"/>
+                    </a:p>
+                  </a:txBody>
+                  <a:tcPr/>
+                </a:tc>
+                <a:tc>
+                  <a:txBody>
+                    <a:bodyPr/>
+                    <a:lstStyle/>
+                    <a:p>
+                      <a:endParaRPr lang="en-US"/>
+                    </a:p>
+                  </a:txBody>
+                  <a:tcPr/>
+                </a:tc>
+                <a:tc>
+                  <a:txBody>
+                    <a:bodyPr/>
+                    <a:lstStyle/>
+                    <a:p>
+                      <a:endParaRPr lang="en-US"/>
+                    </a:p>
+                  </a:txBody>
+                  <a:tcPr/>
+                </a:tc>
+                <a:tc>
+                  <a:txBody>
+                    <a:bodyPr/>
+                    <a:lstStyle/>
+                    <a:p>
+                      <a:endParaRPr lang="en-US"/>
+                    </a:p>
+                  </a:txBody>
+                  <a:tcPr/>
+                </a:tc>
+                <a:tc>
+                  <a:txBody>
+                    <a:bodyPr/>
+                    <a:lstStyle/>
+                    <a:p>
+                      <a:endParaRPr lang="en-US"/>
+                    </a:p>
+                  </a:txBody>
+                  <a:tcPr/>
+                </a:tc>
+                <a:tc>
+                  <a:txBody>
+                    <a:bodyPr/>
+                    <a:lstStyle/>
+                    <a:p>
+                      <a:endParaRPr lang="en-US"/>
+                    </a:p>
+                  </a:txBody>
+                  <a:tcPr/>
+                </a:tc>
+                <a:tc>
+                  <a:txBody>
+                    <a:bodyPr/>
+                    <a:lstStyle/>
+                    <a:p>
+                      <a:endParaRPr lang="en-US"/>
+                    </a:p>
+                  </a:txBody>
+                  <a:tcPr/>
+                </a:tc>
+                <a:tc>
+                  <a:txBody>
+                    <a:bodyPr/>
+                    <a:lstStyle/>
+                    <a:p>
+                      <a:endParaRPr lang="en-US"/>
+                    </a:p>
+                  </a:txBody>
+                  <a:tcPr/>
+                </a:tc>
+                <a:tc>
+                  <a:txBody>
+                    <a:bodyPr/>
+                    <a:lstStyle/>
+                    <a:p>
+                      <a:endParaRPr lang="en-US" dirty="0"/>
+                    </a:p>
+                  </a:txBody>
+                  <a:tcPr/>
+                </a:tc>
+                <a:tc>
+                  <a:txBody>
+                    <a:bodyPr/>
+                    <a:lstStyle/>
+                    <a:p>
+                      <a:endParaRPr lang="en-US" dirty="0"/>
+                    </a:p>
+                  </a:txBody>
+                  <a:tcPr/>
+                </a:tc>
+                <a:tc>
+                  <a:txBody>
+                    <a:bodyPr/>
+                    <a:lstStyle/>
+                    <a:p>
+                      <a:endParaRPr lang="en-US" dirty="0"/>
+                    </a:p>
+                  </a:txBody>
+                  <a:tcPr>
+                    <a:solidFill>
+                      <a:schemeClr val="accent2"/>
+                    </a:solidFill>
+                  </a:tcPr>
+                </a:tc>
+                <a:tc>
+                  <a:txBody>
+                    <a:bodyPr/>
+                    <a:lstStyle/>
+                    <a:p>
+                      <a:endParaRPr lang="en-US" dirty="0"/>
+                    </a:p>
+                  </a:txBody>
+                  <a:tcPr>
+                    <a:solidFill>
+                      <a:schemeClr val="accent2"/>
+                    </a:solidFill>
+                  </a:tcPr>
+                </a:tc>
+                <a:tc>
+                  <a:txBody>
+                    <a:bodyPr/>
+                    <a:lstStyle/>
+                    <a:p>
+                      <a:endParaRPr lang="en-US" dirty="0"/>
+                    </a:p>
+                  </a:txBody>
+                  <a:tcPr>
+                    <a:solidFill>
+                      <a:schemeClr val="accent2"/>
+                    </a:solidFill>
+                  </a:tcPr>
+                </a:tc>
+                <a:tc>
+                  <a:txBody>
+                    <a:bodyPr/>
+                    <a:lstStyle/>
+                    <a:p>
+                      <a:endParaRPr lang="en-US" dirty="0"/>
+                    </a:p>
+                  </a:txBody>
+                  <a:tcPr>
+                    <a:solidFill>
+                      <a:schemeClr val="accent2"/>
+                    </a:solidFill>
+                  </a:tcPr>
+                </a:tc>
+                <a:tc>
+                  <a:txBody>
+                    <a:bodyPr/>
+                    <a:lstStyle/>
+                    <a:p>
+                      <a:endParaRPr lang="en-US" dirty="0"/>
+                    </a:p>
+                  </a:txBody>
+                  <a:tcPr>
+                    <a:solidFill>
+                      <a:schemeClr val="accent2"/>
+                    </a:solidFill>
+                  </a:tcPr>
+                </a:tc>
+                <a:tc>
+                  <a:txBody>
+                    <a:bodyPr/>
+                    <a:lstStyle/>
+                    <a:p>
+                      <a:endParaRPr lang="en-US"/>
+                    </a:p>
+                  </a:txBody>
+                  <a:tcPr/>
+                </a:tc>
+                <a:tc>
+                  <a:txBody>
+                    <a:bodyPr/>
+                    <a:lstStyle/>
+                    <a:p>
+                      <a:endParaRPr lang="en-US"/>
+                    </a:p>
+                  </a:txBody>
+                  <a:tcPr/>
+                </a:tc>
+                <a:tc>
+                  <a:txBody>
+                    <a:bodyPr/>
+                    <a:lstStyle/>
+                    <a:p>
+                      <a:endParaRPr lang="en-US"/>
+                    </a:p>
+                  </a:txBody>
+                  <a:tcPr/>
+                </a:tc>
+                <a:tc>
+                  <a:txBody>
+                    <a:bodyPr/>
+                    <a:lstStyle/>
+                    <a:p>
+                      <a:endParaRPr lang="en-US"/>
+                    </a:p>
+                  </a:txBody>
+                  <a:tcPr/>
+                </a:tc>
+                <a:tc>
+                  <a:txBody>
+                    <a:bodyPr/>
+                    <a:lstStyle/>
+                    <a:p>
+                      <a:endParaRPr lang="en-US"/>
+                    </a:p>
+                  </a:txBody>
+                  <a:tcPr/>
+                </a:tc>
+                <a:tc>
+                  <a:txBody>
+                    <a:bodyPr/>
+                    <a:lstStyle/>
+                    <a:p>
+                      <a:endParaRPr lang="en-US"/>
+                    </a:p>
+                  </a:txBody>
+                  <a:tcPr/>
+                </a:tc>
+                <a:tc>
+                  <a:txBody>
+                    <a:bodyPr/>
+                    <a:lstStyle/>
+                    <a:p>
+                      <a:endParaRPr lang="en-US" dirty="0"/>
+                    </a:p>
+                  </a:txBody>
+                  <a:tcPr>
+                    <a:solidFill>
+                      <a:schemeClr val="accent2"/>
+                    </a:solidFill>
+                  </a:tcPr>
+                </a:tc>
+                <a:tc>
+                  <a:txBody>
+                    <a:bodyPr/>
+                    <a:lstStyle/>
+                    <a:p>
+                      <a:endParaRPr lang="en-US" dirty="0"/>
+                    </a:p>
+                  </a:txBody>
+                  <a:tcPr>
+                    <a:solidFill>
+                      <a:schemeClr val="accent2"/>
+                    </a:solidFill>
+                  </a:tcPr>
+                </a:tc>
+                <a:tc>
+                  <a:txBody>
+                    <a:bodyPr/>
+                    <a:lstStyle/>
+                    <a:p>
+                      <a:endParaRPr lang="en-US" dirty="0"/>
+                    </a:p>
+                  </a:txBody>
+                  <a:tcPr>
+                    <a:solidFill>
+                      <a:schemeClr val="accent2"/>
+                    </a:solidFill>
+                  </a:tcPr>
+                </a:tc>
+                <a:tc>
+                  <a:txBody>
+                    <a:bodyPr/>
+                    <a:lstStyle/>
+                    <a:p>
+                      <a:endParaRPr lang="en-US" dirty="0"/>
+                    </a:p>
+                  </a:txBody>
+                  <a:tcPr>
+                    <a:solidFill>
+                      <a:schemeClr val="accent2"/>
+                    </a:solidFill>
+                  </a:tcPr>
+                </a:tc>
+                <a:tc>
+                  <a:txBody>
+                    <a:bodyPr/>
+                    <a:lstStyle/>
+                    <a:p>
+                      <a:endParaRPr lang="en-US" dirty="0"/>
+                    </a:p>
+                  </a:txBody>
+                  <a:tcPr>
+                    <a:solidFill>
+                      <a:schemeClr val="accent2"/>
+                    </a:solidFill>
+                  </a:tcPr>
+                </a:tc>
+                <a:tc>
+                  <a:txBody>
+                    <a:bodyPr/>
+                    <a:lstStyle/>
+                    <a:p>
+                      <a:endParaRPr lang="en-US" dirty="0"/>
+                    </a:p>
+                  </a:txBody>
+                  <a:tcPr>
+                    <a:solidFill>
+                      <a:schemeClr val="accent2"/>
+                    </a:solidFill>
+                  </a:tcPr>
+                </a:tc>
+                <a:tc>
+                  <a:txBody>
+                    <a:bodyPr/>
+                    <a:lstStyle/>
+                    <a:p>
+                      <a:endParaRPr lang="en-US" dirty="0"/>
+                    </a:p>
+                  </a:txBody>
+                  <a:tcPr>
+                    <a:solidFill>
+                      <a:schemeClr val="accent2"/>
+                    </a:solidFill>
+                  </a:tcPr>
+                </a:tc>
+                <a:tc>
+                  <a:txBody>
+                    <a:bodyPr/>
+                    <a:lstStyle/>
+                    <a:p>
+                      <a:endParaRPr lang="en-US" dirty="0"/>
+                    </a:p>
+                  </a:txBody>
+                  <a:tcPr>
+                    <a:solidFill>
+                      <a:schemeClr val="accent2"/>
+                    </a:solidFill>
+                  </a:tcPr>
+                </a:tc>
+                <a:tc>
+                  <a:txBody>
+                    <a:bodyPr/>
+                    <a:lstStyle/>
+                    <a:p>
+                      <a:endParaRPr lang="en-US"/>
+                    </a:p>
+                  </a:txBody>
+                  <a:tcPr/>
+                </a:tc>
+                <a:extLst>
+                  <a:ext uri="{0D108BD9-81ED-4DB2-BD59-A6C34878D82A}">
+                    <a16:rowId xmlns:a16="http://schemas.microsoft.com/office/drawing/2014/main" val="2898341238"/>
+                  </a:ext>
+                </a:extLst>
+              </a:tr>
+              <a:tr h="370840">
+                <a:tc>
+                  <a:txBody>
+                    <a:bodyPr/>
+                    <a:lstStyle/>
+                    <a:p>
+                      <a:endParaRPr lang="en-US"/>
+                    </a:p>
+                  </a:txBody>
+                  <a:tcPr/>
+                </a:tc>
+                <a:tc>
+                  <a:txBody>
+                    <a:bodyPr/>
+                    <a:lstStyle/>
+                    <a:p>
+                      <a:endParaRPr lang="en-US"/>
+                    </a:p>
+                  </a:txBody>
+                  <a:tcPr/>
+                </a:tc>
+                <a:tc>
+                  <a:txBody>
+                    <a:bodyPr/>
+                    <a:lstStyle/>
+                    <a:p>
+                      <a:endParaRPr lang="en-US"/>
+                    </a:p>
+                  </a:txBody>
+                  <a:tcPr/>
+                </a:tc>
+                <a:tc>
+                  <a:txBody>
+                    <a:bodyPr/>
+                    <a:lstStyle/>
+                    <a:p>
+                      <a:endParaRPr lang="en-US" dirty="0"/>
+                    </a:p>
+                  </a:txBody>
+                  <a:tcPr>
+                    <a:solidFill>
+                      <a:schemeClr val="accent2"/>
+                    </a:solidFill>
+                  </a:tcPr>
+                </a:tc>
+                <a:tc>
+                  <a:txBody>
+                    <a:bodyPr/>
+                    <a:lstStyle/>
+                    <a:p>
+                      <a:endParaRPr lang="en-US" dirty="0"/>
+                    </a:p>
+                  </a:txBody>
+                  <a:tcPr>
+                    <a:solidFill>
+                      <a:schemeClr val="accent2"/>
+                    </a:solidFill>
+                  </a:tcPr>
+                </a:tc>
+                <a:tc>
+                  <a:txBody>
+                    <a:bodyPr/>
+                    <a:lstStyle/>
+                    <a:p>
+                      <a:endParaRPr lang="en-US" dirty="0"/>
+                    </a:p>
+                  </a:txBody>
+                  <a:tcPr>
+                    <a:solidFill>
+                      <a:schemeClr val="accent2"/>
+                    </a:solidFill>
+                  </a:tcPr>
+                </a:tc>
+                <a:tc>
+                  <a:txBody>
+                    <a:bodyPr/>
+                    <a:lstStyle/>
+                    <a:p>
+                      <a:endParaRPr lang="en-US" dirty="0"/>
+                    </a:p>
+                  </a:txBody>
+                  <a:tcPr>
+                    <a:solidFill>
+                      <a:schemeClr val="accent2"/>
+                    </a:solidFill>
+                  </a:tcPr>
+                </a:tc>
+                <a:tc>
+                  <a:txBody>
+                    <a:bodyPr/>
+                    <a:lstStyle/>
+                    <a:p>
+                      <a:endParaRPr lang="en-US" dirty="0"/>
+                    </a:p>
+                  </a:txBody>
+                  <a:tcPr>
+                    <a:solidFill>
+                      <a:schemeClr val="accent2"/>
+                    </a:solidFill>
+                  </a:tcPr>
+                </a:tc>
+                <a:tc>
+                  <a:txBody>
+                    <a:bodyPr/>
+                    <a:lstStyle/>
+                    <a:p>
+                      <a:endParaRPr lang="en-US" dirty="0"/>
+                    </a:p>
+                  </a:txBody>
+                  <a:tcPr>
+                    <a:solidFill>
+                      <a:schemeClr val="accent2"/>
+                    </a:solidFill>
+                  </a:tcPr>
+                </a:tc>
+                <a:tc>
+                  <a:txBody>
+                    <a:bodyPr/>
+                    <a:lstStyle/>
+                    <a:p>
+                      <a:endParaRPr lang="en-US" dirty="0"/>
+                    </a:p>
+                  </a:txBody>
+                  <a:tcPr>
+                    <a:solidFill>
+                      <a:schemeClr val="accent2"/>
+                    </a:solidFill>
+                  </a:tcPr>
+                </a:tc>
+                <a:tc>
+                  <a:txBody>
+                    <a:bodyPr/>
+                    <a:lstStyle/>
+                    <a:p>
+                      <a:endParaRPr lang="en-US"/>
+                    </a:p>
+                  </a:txBody>
+                  <a:tcPr/>
+                </a:tc>
+                <a:tc>
+                  <a:txBody>
+                    <a:bodyPr/>
+                    <a:lstStyle/>
+                    <a:p>
+                      <a:endParaRPr lang="en-US"/>
+                    </a:p>
+                  </a:txBody>
+                  <a:tcPr/>
+                </a:tc>
+                <a:tc>
+                  <a:txBody>
+                    <a:bodyPr/>
+                    <a:lstStyle/>
+                    <a:p>
+                      <a:endParaRPr lang="en-US" dirty="0"/>
+                    </a:p>
+                  </a:txBody>
+                  <a:tcPr>
+                    <a:solidFill>
+                      <a:schemeClr val="accent2"/>
+                    </a:solidFill>
+                  </a:tcPr>
+                </a:tc>
+                <a:tc>
+                  <a:txBody>
+                    <a:bodyPr/>
+                    <a:lstStyle/>
+                    <a:p>
+                      <a:endParaRPr lang="en-US" dirty="0"/>
+                    </a:p>
+                  </a:txBody>
+                  <a:tcPr>
+                    <a:solidFill>
+                      <a:schemeClr val="accent2"/>
+                    </a:solidFill>
+                  </a:tcPr>
+                </a:tc>
+                <a:tc>
+                  <a:txBody>
+                    <a:bodyPr/>
+                    <a:lstStyle/>
+                    <a:p>
+                      <a:endParaRPr lang="en-US" dirty="0"/>
+                    </a:p>
+                  </a:txBody>
+                  <a:tcPr>
+                    <a:solidFill>
+                      <a:schemeClr val="accent2"/>
+                    </a:solidFill>
+                  </a:tcPr>
+                </a:tc>
+                <a:tc>
+                  <a:txBody>
+                    <a:bodyPr/>
+                    <a:lstStyle/>
+                    <a:p>
+                      <a:endParaRPr lang="en-US" dirty="0"/>
+                    </a:p>
+                  </a:txBody>
+                  <a:tcPr>
+                    <a:solidFill>
+                      <a:schemeClr val="accent2"/>
+                    </a:solidFill>
+                  </a:tcPr>
+                </a:tc>
+                <a:tc>
+                  <a:txBody>
+                    <a:bodyPr/>
+                    <a:lstStyle/>
+                    <a:p>
+                      <a:endParaRPr lang="en-US" dirty="0"/>
+                    </a:p>
+                  </a:txBody>
+                  <a:tcPr>
+                    <a:solidFill>
+                      <a:schemeClr val="accent2"/>
+                    </a:solidFill>
+                  </a:tcPr>
+                </a:tc>
+                <a:tc>
+                  <a:txBody>
+                    <a:bodyPr/>
+                    <a:lstStyle/>
+                    <a:p>
+                      <a:endParaRPr lang="en-US"/>
+                    </a:p>
+                  </a:txBody>
+                  <a:tcPr/>
+                </a:tc>
+                <a:tc>
+                  <a:txBody>
+                    <a:bodyPr/>
+                    <a:lstStyle/>
+                    <a:p>
+                      <a:endParaRPr lang="en-US"/>
+                    </a:p>
+                  </a:txBody>
+                  <a:tcPr/>
+                </a:tc>
+                <a:tc>
+                  <a:txBody>
+                    <a:bodyPr/>
+                    <a:lstStyle/>
+                    <a:p>
+                      <a:endParaRPr lang="en-US" dirty="0"/>
+                    </a:p>
+                  </a:txBody>
+                  <a:tcPr>
+                    <a:solidFill>
+                      <a:schemeClr val="accent2"/>
+                    </a:solidFill>
+                  </a:tcPr>
+                </a:tc>
+                <a:tc>
+                  <a:txBody>
+                    <a:bodyPr/>
+                    <a:lstStyle/>
+                    <a:p>
+                      <a:endParaRPr lang="en-US" dirty="0"/>
+                    </a:p>
+                  </a:txBody>
+                  <a:tcPr>
+                    <a:solidFill>
+                      <a:schemeClr val="accent2"/>
+                    </a:solidFill>
+                  </a:tcPr>
+                </a:tc>
+                <a:tc>
+                  <a:txBody>
+                    <a:bodyPr/>
+                    <a:lstStyle/>
+                    <a:p>
+                      <a:endParaRPr lang="en-US" dirty="0"/>
+                    </a:p>
+                  </a:txBody>
+                  <a:tcPr>
+                    <a:solidFill>
+                      <a:schemeClr val="accent2"/>
+                    </a:solidFill>
+                  </a:tcPr>
+                </a:tc>
+                <a:tc>
+                  <a:txBody>
+                    <a:bodyPr/>
+                    <a:lstStyle/>
+                    <a:p>
+                      <a:endParaRPr lang="en-US" dirty="0"/>
+                    </a:p>
+                  </a:txBody>
+                  <a:tcPr>
+                    <a:solidFill>
+                      <a:schemeClr val="accent2"/>
+                    </a:solidFill>
+                  </a:tcPr>
+                </a:tc>
+                <a:tc>
+                  <a:txBody>
+                    <a:bodyPr/>
+                    <a:lstStyle/>
+                    <a:p>
+                      <a:endParaRPr lang="en-US" dirty="0"/>
+                    </a:p>
+                  </a:txBody>
+                  <a:tcPr>
+                    <a:solidFill>
+                      <a:schemeClr val="accent2"/>
+                    </a:solidFill>
+                  </a:tcPr>
+                </a:tc>
+                <a:tc>
+                  <a:txBody>
+                    <a:bodyPr/>
+                    <a:lstStyle/>
+                    <a:p>
+                      <a:endParaRPr lang="en-US" dirty="0"/>
+                    </a:p>
+                  </a:txBody>
+                  <a:tcPr>
+                    <a:solidFill>
+                      <a:schemeClr val="accent2"/>
+                    </a:solidFill>
+                  </a:tcPr>
+                </a:tc>
+                <a:tc>
+                  <a:txBody>
+                    <a:bodyPr/>
+                    <a:lstStyle/>
+                    <a:p>
+                      <a:endParaRPr lang="en-US" dirty="0"/>
+                    </a:p>
+                  </a:txBody>
+                  <a:tcPr>
+                    <a:solidFill>
+                      <a:schemeClr val="accent2"/>
+                    </a:solidFill>
+                  </a:tcPr>
+                </a:tc>
+                <a:tc>
+                  <a:txBody>
+                    <a:bodyPr/>
+                    <a:lstStyle/>
+                    <a:p>
+                      <a:endParaRPr lang="en-US"/>
+                    </a:p>
+                  </a:txBody>
+                  <a:tcPr/>
+                </a:tc>
+                <a:tc>
+                  <a:txBody>
+                    <a:bodyPr/>
+                    <a:lstStyle/>
+                    <a:p>
+                      <a:endParaRPr lang="en-US"/>
+                    </a:p>
+                  </a:txBody>
+                  <a:tcPr/>
+                </a:tc>
+                <a:tc>
+                  <a:txBody>
+                    <a:bodyPr/>
+                    <a:lstStyle/>
+                    <a:p>
+                      <a:endParaRPr lang="en-US"/>
+                    </a:p>
+                  </a:txBody>
+                  <a:tcPr/>
+                </a:tc>
+                <a:tc>
+                  <a:txBody>
+                    <a:bodyPr/>
+                    <a:lstStyle/>
+                    <a:p>
+                      <a:endParaRPr lang="en-US"/>
+                    </a:p>
+                  </a:txBody>
+                  <a:tcPr/>
+                </a:tc>
+                <a:tc>
+                  <a:txBody>
+                    <a:bodyPr/>
+                    <a:lstStyle/>
+                    <a:p>
+                      <a:endParaRPr lang="en-US"/>
+                    </a:p>
+                  </a:txBody>
+                  <a:tcPr/>
+                </a:tc>
+                <a:extLst>
+                  <a:ext uri="{0D108BD9-81ED-4DB2-BD59-A6C34878D82A}">
+                    <a16:rowId xmlns:a16="http://schemas.microsoft.com/office/drawing/2014/main" val="2177062718"/>
+                  </a:ext>
+                </a:extLst>
+              </a:tr>
+              <a:tr h="370840">
+                <a:tc>
+                  <a:txBody>
+                    <a:bodyPr/>
+                    <a:lstStyle/>
+                    <a:p>
+                      <a:endParaRPr lang="en-US"/>
+                    </a:p>
+                  </a:txBody>
+                  <a:tcPr/>
+                </a:tc>
+                <a:tc>
+                  <a:txBody>
+                    <a:bodyPr/>
+                    <a:lstStyle/>
+                    <a:p>
+                      <a:endParaRPr lang="en-US"/>
+                    </a:p>
+                  </a:txBody>
+                  <a:tcPr/>
+                </a:tc>
+                <a:tc>
+                  <a:txBody>
+                    <a:bodyPr/>
+                    <a:lstStyle/>
+                    <a:p>
+                      <a:endParaRPr lang="en-US"/>
+                    </a:p>
+                  </a:txBody>
+                  <a:tcPr/>
+                </a:tc>
+                <a:tc>
+                  <a:txBody>
+                    <a:bodyPr/>
+                    <a:lstStyle/>
+                    <a:p>
+                      <a:endParaRPr lang="en-US"/>
+                    </a:p>
+                  </a:txBody>
+                  <a:tcPr/>
+                </a:tc>
+                <a:tc>
+                  <a:txBody>
+                    <a:bodyPr/>
+                    <a:lstStyle/>
+                    <a:p>
+                      <a:endParaRPr lang="en-US"/>
+                    </a:p>
+                  </a:txBody>
+                  <a:tcPr/>
+                </a:tc>
+                <a:tc>
+                  <a:txBody>
+                    <a:bodyPr/>
+                    <a:lstStyle/>
+                    <a:p>
+                      <a:endParaRPr lang="en-US"/>
+                    </a:p>
+                  </a:txBody>
+                  <a:tcPr/>
+                </a:tc>
+                <a:tc>
+                  <a:txBody>
+                    <a:bodyPr/>
+                    <a:lstStyle/>
+                    <a:p>
+                      <a:endParaRPr lang="en-US"/>
+                    </a:p>
+                  </a:txBody>
+                  <a:tcPr/>
+                </a:tc>
+                <a:tc>
+                  <a:txBody>
+                    <a:bodyPr/>
+                    <a:lstStyle/>
+                    <a:p>
+                      <a:endParaRPr lang="en-US" dirty="0"/>
+                    </a:p>
+                  </a:txBody>
+                  <a:tcPr>
+                    <a:solidFill>
+                      <a:schemeClr val="accent2"/>
+                    </a:solidFill>
+                  </a:tcPr>
+                </a:tc>
+                <a:tc>
+                  <a:txBody>
+                    <a:bodyPr/>
+                    <a:lstStyle/>
+                    <a:p>
+                      <a:endParaRPr lang="en-US" dirty="0"/>
+                    </a:p>
+                  </a:txBody>
+                  <a:tcPr>
+                    <a:solidFill>
+                      <a:schemeClr val="accent2"/>
+                    </a:solidFill>
+                  </a:tcPr>
+                </a:tc>
+                <a:tc>
+                  <a:txBody>
+                    <a:bodyPr/>
+                    <a:lstStyle/>
+                    <a:p>
+                      <a:endParaRPr lang="en-US" dirty="0"/>
+                    </a:p>
+                  </a:txBody>
+                  <a:tcPr>
+                    <a:solidFill>
+                      <a:schemeClr val="accent2"/>
+                    </a:solidFill>
+                  </a:tcPr>
+                </a:tc>
+                <a:tc>
+                  <a:txBody>
+                    <a:bodyPr/>
+                    <a:lstStyle/>
+                    <a:p>
+                      <a:endParaRPr lang="en-US" dirty="0"/>
+                    </a:p>
+                  </a:txBody>
+                  <a:tcPr>
+                    <a:solidFill>
+                      <a:schemeClr val="accent2"/>
+                    </a:solidFill>
+                  </a:tcPr>
+                </a:tc>
+                <a:tc>
+                  <a:txBody>
+                    <a:bodyPr/>
+                    <a:lstStyle/>
+                    <a:p>
+                      <a:endParaRPr lang="en-US" dirty="0"/>
+                    </a:p>
+                  </a:txBody>
+                  <a:tcPr>
+                    <a:solidFill>
+                      <a:schemeClr val="accent2"/>
+                    </a:solidFill>
+                  </a:tcPr>
+                </a:tc>
+                <a:tc>
+                  <a:txBody>
+                    <a:bodyPr/>
+                    <a:lstStyle/>
+                    <a:p>
+                      <a:endParaRPr lang="en-US" dirty="0"/>
+                    </a:p>
+                  </a:txBody>
+                  <a:tcPr>
+                    <a:solidFill>
+                      <a:schemeClr val="accent2"/>
+                    </a:solidFill>
+                  </a:tcPr>
+                </a:tc>
+                <a:tc>
+                  <a:txBody>
+                    <a:bodyPr/>
+                    <a:lstStyle/>
+                    <a:p>
+                      <a:endParaRPr lang="en-US" dirty="0"/>
+                    </a:p>
+                  </a:txBody>
+                  <a:tcPr>
+                    <a:solidFill>
+                      <a:schemeClr val="accent2"/>
+                    </a:solidFill>
+                  </a:tcPr>
+                </a:tc>
+                <a:tc>
+                  <a:txBody>
+                    <a:bodyPr/>
+                    <a:lstStyle/>
+                    <a:p>
+                      <a:endParaRPr lang="en-US" dirty="0"/>
+                    </a:p>
+                  </a:txBody>
+                  <a:tcPr>
+                    <a:solidFill>
+                      <a:schemeClr val="accent2"/>
+                    </a:solidFill>
+                  </a:tcPr>
+                </a:tc>
+                <a:tc>
+                  <a:txBody>
+                    <a:bodyPr/>
+                    <a:lstStyle/>
+                    <a:p>
+                      <a:endParaRPr lang="en-US"/>
+                    </a:p>
+                  </a:txBody>
+                  <a:tcPr/>
+                </a:tc>
+                <a:tc>
+                  <a:txBody>
+                    <a:bodyPr/>
+                    <a:lstStyle/>
+                    <a:p>
+                      <a:endParaRPr lang="en-US"/>
+                    </a:p>
+                  </a:txBody>
+                  <a:tcPr/>
+                </a:tc>
+                <a:tc>
+                  <a:txBody>
+                    <a:bodyPr/>
+                    <a:lstStyle/>
+                    <a:p>
+                      <a:endParaRPr lang="en-US"/>
+                    </a:p>
+                  </a:txBody>
+                  <a:tcPr/>
+                </a:tc>
+                <a:tc>
+                  <a:txBody>
+                    <a:bodyPr/>
+                    <a:lstStyle/>
+                    <a:p>
+                      <a:endParaRPr lang="en-US" dirty="0"/>
+                    </a:p>
+                  </a:txBody>
+                  <a:tcPr>
+                    <a:solidFill>
+                      <a:schemeClr val="accent2"/>
+                    </a:solidFill>
+                  </a:tcPr>
+                </a:tc>
+                <a:tc>
+                  <a:txBody>
+                    <a:bodyPr/>
+                    <a:lstStyle/>
+                    <a:p>
+                      <a:endParaRPr lang="en-US" dirty="0"/>
+                    </a:p>
+                  </a:txBody>
+                  <a:tcPr>
+                    <a:solidFill>
+                      <a:schemeClr val="accent2"/>
+                    </a:solidFill>
+                  </a:tcPr>
+                </a:tc>
+                <a:tc>
+                  <a:txBody>
+                    <a:bodyPr/>
+                    <a:lstStyle/>
+                    <a:p>
+                      <a:endParaRPr lang="en-US" dirty="0"/>
+                    </a:p>
+                  </a:txBody>
+                  <a:tcPr>
+                    <a:solidFill>
+                      <a:schemeClr val="accent2"/>
+                    </a:solidFill>
+                  </a:tcPr>
+                </a:tc>
+                <a:tc>
+                  <a:txBody>
+                    <a:bodyPr/>
+                    <a:lstStyle/>
+                    <a:p>
+                      <a:endParaRPr lang="en-US" dirty="0"/>
+                    </a:p>
+                  </a:txBody>
+                  <a:tcPr>
+                    <a:solidFill>
+                      <a:schemeClr val="accent2"/>
+                    </a:solidFill>
+                  </a:tcPr>
+                </a:tc>
+                <a:tc>
+                  <a:txBody>
+                    <a:bodyPr/>
+                    <a:lstStyle/>
+                    <a:p>
+                      <a:endParaRPr lang="en-US" dirty="0"/>
+                    </a:p>
+                  </a:txBody>
+                  <a:tcPr>
+                    <a:solidFill>
+                      <a:schemeClr val="accent2"/>
+                    </a:solidFill>
+                  </a:tcPr>
+                </a:tc>
+                <a:tc>
+                  <a:txBody>
+                    <a:bodyPr/>
+                    <a:lstStyle/>
+                    <a:p>
+                      <a:endParaRPr lang="en-US"/>
+                    </a:p>
+                  </a:txBody>
+                  <a:tcPr/>
+                </a:tc>
+                <a:tc>
+                  <a:txBody>
+                    <a:bodyPr/>
+                    <a:lstStyle/>
+                    <a:p>
+                      <a:endParaRPr lang="en-US"/>
+                    </a:p>
+                  </a:txBody>
+                  <a:tcPr/>
+                </a:tc>
+                <a:tc>
+                  <a:txBody>
+                    <a:bodyPr/>
+                    <a:lstStyle/>
+                    <a:p>
+                      <a:endParaRPr lang="en-US"/>
+                    </a:p>
+                  </a:txBody>
+                  <a:tcPr/>
+                </a:tc>
+                <a:tc>
+                  <a:txBody>
+                    <a:bodyPr/>
+                    <a:lstStyle/>
+                    <a:p>
+                      <a:endParaRPr lang="en-US"/>
+                    </a:p>
+                  </a:txBody>
+                  <a:tcPr/>
+                </a:tc>
+                <a:tc>
+                  <a:txBody>
+                    <a:bodyPr/>
+                    <a:lstStyle/>
+                    <a:p>
+                      <a:endParaRPr lang="en-US"/>
+                    </a:p>
+                  </a:txBody>
+                  <a:tcPr/>
+                </a:tc>
+                <a:tc>
+                  <a:txBody>
+                    <a:bodyPr/>
+                    <a:lstStyle/>
+                    <a:p>
+                      <a:endParaRPr lang="en-US"/>
+                    </a:p>
+                  </a:txBody>
+                  <a:tcPr/>
+                </a:tc>
+                <a:tc>
+                  <a:txBody>
+                    <a:bodyPr/>
+                    <a:lstStyle/>
+                    <a:p>
+                      <a:endParaRPr lang="en-US"/>
+                    </a:p>
+                  </a:txBody>
+                  <a:tcPr/>
+                </a:tc>
+                <a:tc>
+                  <a:txBody>
+                    <a:bodyPr/>
+                    <a:lstStyle/>
+                    <a:p>
+                      <a:endParaRPr lang="en-US"/>
+                    </a:p>
+                  </a:txBody>
+                  <a:tcPr/>
+                </a:tc>
+                <a:extLst>
+                  <a:ext uri="{0D108BD9-81ED-4DB2-BD59-A6C34878D82A}">
+                    <a16:rowId xmlns:a16="http://schemas.microsoft.com/office/drawing/2014/main" val="1286469367"/>
+                  </a:ext>
+                </a:extLst>
+              </a:tr>
+              <a:tr h="370840">
+                <a:tc>
+                  <a:txBody>
+                    <a:bodyPr/>
+                    <a:lstStyle/>
+                    <a:p>
+                      <a:endParaRPr lang="en-US"/>
+                    </a:p>
+                  </a:txBody>
+                  <a:tcPr/>
+                </a:tc>
+                <a:tc>
+                  <a:txBody>
+                    <a:bodyPr/>
+                    <a:lstStyle/>
+                    <a:p>
+                      <a:endParaRPr lang="en-US"/>
+                    </a:p>
+                  </a:txBody>
+                  <a:tcPr/>
+                </a:tc>
+                <a:tc>
+                  <a:txBody>
+                    <a:bodyPr/>
+                    <a:lstStyle/>
+                    <a:p>
+                      <a:endParaRPr lang="en-US"/>
+                    </a:p>
+                  </a:txBody>
+                  <a:tcPr/>
+                </a:tc>
+                <a:tc>
+                  <a:txBody>
+                    <a:bodyPr/>
+                    <a:lstStyle/>
+                    <a:p>
+                      <a:endParaRPr lang="en-US"/>
+                    </a:p>
+                  </a:txBody>
+                  <a:tcPr/>
+                </a:tc>
+                <a:tc>
+                  <a:txBody>
+                    <a:bodyPr/>
+                    <a:lstStyle/>
+                    <a:p>
+                      <a:endParaRPr lang="en-US"/>
+                    </a:p>
+                  </a:txBody>
+                  <a:tcPr/>
+                </a:tc>
+                <a:tc>
+                  <a:txBody>
+                    <a:bodyPr/>
+                    <a:lstStyle/>
+                    <a:p>
+                      <a:endParaRPr lang="en-US"/>
+                    </a:p>
+                  </a:txBody>
+                  <a:tcPr/>
+                </a:tc>
+                <a:tc>
+                  <a:txBody>
+                    <a:bodyPr/>
+                    <a:lstStyle/>
+                    <a:p>
+                      <a:endParaRPr lang="en-US"/>
+                    </a:p>
+                  </a:txBody>
+                  <a:tcPr/>
+                </a:tc>
+                <a:tc>
+                  <a:txBody>
+                    <a:bodyPr/>
+                    <a:lstStyle/>
+                    <a:p>
+                      <a:endParaRPr lang="en-US"/>
+                    </a:p>
+                  </a:txBody>
+                  <a:tcPr/>
+                </a:tc>
+                <a:tc>
+                  <a:txBody>
+                    <a:bodyPr/>
+                    <a:lstStyle/>
+                    <a:p>
+                      <a:endParaRPr lang="en-US" dirty="0"/>
+                    </a:p>
+                  </a:txBody>
+                  <a:tcPr>
+                    <a:solidFill>
+                      <a:schemeClr val="accent2"/>
+                    </a:solidFill>
+                  </a:tcPr>
+                </a:tc>
+                <a:tc>
+                  <a:txBody>
+                    <a:bodyPr/>
+                    <a:lstStyle/>
+                    <a:p>
+                      <a:endParaRPr lang="en-US" dirty="0"/>
+                    </a:p>
+                  </a:txBody>
+                  <a:tcPr>
+                    <a:solidFill>
+                      <a:schemeClr val="accent2"/>
+                    </a:solidFill>
+                  </a:tcPr>
+                </a:tc>
+                <a:tc>
+                  <a:txBody>
+                    <a:bodyPr/>
+                    <a:lstStyle/>
+                    <a:p>
+                      <a:endParaRPr lang="en-US" dirty="0"/>
+                    </a:p>
+                  </a:txBody>
+                  <a:tcPr>
+                    <a:solidFill>
+                      <a:schemeClr val="accent2"/>
+                    </a:solidFill>
+                  </a:tcPr>
+                </a:tc>
+                <a:tc>
+                  <a:txBody>
+                    <a:bodyPr/>
+                    <a:lstStyle/>
+                    <a:p>
+                      <a:endParaRPr lang="en-US" dirty="0"/>
+                    </a:p>
+                  </a:txBody>
+                  <a:tcPr>
+                    <a:solidFill>
+                      <a:schemeClr val="accent2"/>
+                    </a:solidFill>
+                  </a:tcPr>
+                </a:tc>
+                <a:tc>
+                  <a:txBody>
+                    <a:bodyPr/>
+                    <a:lstStyle/>
+                    <a:p>
+                      <a:endParaRPr lang="en-US" dirty="0"/>
+                    </a:p>
+                  </a:txBody>
+                  <a:tcPr>
+                    <a:solidFill>
+                      <a:schemeClr val="accent2"/>
+                    </a:solidFill>
+                  </a:tcPr>
+                </a:tc>
+                <a:tc>
+                  <a:txBody>
+                    <a:bodyPr/>
+                    <a:lstStyle/>
+                    <a:p>
+                      <a:endParaRPr lang="en-US" dirty="0"/>
+                    </a:p>
+                  </a:txBody>
+                  <a:tcPr>
+                    <a:solidFill>
+                      <a:schemeClr val="accent2"/>
+                    </a:solidFill>
+                  </a:tcPr>
+                </a:tc>
+                <a:tc>
+                  <a:txBody>
+                    <a:bodyPr/>
+                    <a:lstStyle/>
+                    <a:p>
+                      <a:endParaRPr lang="en-US" dirty="0"/>
+                    </a:p>
+                  </a:txBody>
+                  <a:tcPr>
+                    <a:solidFill>
+                      <a:schemeClr val="accent2"/>
+                    </a:solidFill>
+                  </a:tcPr>
+                </a:tc>
+                <a:tc>
+                  <a:txBody>
+                    <a:bodyPr/>
+                    <a:lstStyle/>
+                    <a:p>
+                      <a:endParaRPr lang="en-US"/>
+                    </a:p>
+                  </a:txBody>
+                  <a:tcPr/>
+                </a:tc>
+                <a:tc>
+                  <a:txBody>
+                    <a:bodyPr/>
+                    <a:lstStyle/>
+                    <a:p>
+                      <a:endParaRPr lang="en-US"/>
+                    </a:p>
+                  </a:txBody>
+                  <a:tcPr/>
+                </a:tc>
+                <a:tc>
+                  <a:txBody>
+                    <a:bodyPr/>
+                    <a:lstStyle/>
+                    <a:p>
+                      <a:endParaRPr lang="en-US"/>
+                    </a:p>
+                  </a:txBody>
+                  <a:tcPr/>
+                </a:tc>
+                <a:tc>
+                  <a:txBody>
+                    <a:bodyPr/>
+                    <a:lstStyle/>
+                    <a:p>
+                      <a:endParaRPr lang="en-US"/>
+                    </a:p>
+                  </a:txBody>
+                  <a:tcPr/>
+                </a:tc>
+                <a:tc>
+                  <a:txBody>
+                    <a:bodyPr/>
+                    <a:lstStyle/>
+                    <a:p>
+                      <a:endParaRPr lang="en-US"/>
+                    </a:p>
+                  </a:txBody>
+                  <a:tcPr/>
+                </a:tc>
+                <a:tc>
+                  <a:txBody>
+                    <a:bodyPr/>
+                    <a:lstStyle/>
+                    <a:p>
+                      <a:endParaRPr lang="en-US"/>
+                    </a:p>
+                  </a:txBody>
+                  <a:tcPr/>
+                </a:tc>
+                <a:tc>
+                  <a:txBody>
+                    <a:bodyPr/>
+                    <a:lstStyle/>
+                    <a:p>
+                      <a:endParaRPr lang="en-US"/>
+                    </a:p>
+                  </a:txBody>
+                  <a:tcPr/>
+                </a:tc>
+                <a:tc>
+                  <a:txBody>
+                    <a:bodyPr/>
+                    <a:lstStyle/>
+                    <a:p>
+                      <a:endParaRPr lang="en-US" dirty="0"/>
+                    </a:p>
+                  </a:txBody>
+                  <a:tcPr>
+                    <a:solidFill>
+                      <a:schemeClr val="accent2"/>
+                    </a:solidFill>
+                  </a:tcPr>
+                </a:tc>
+                <a:tc>
+                  <a:txBody>
+                    <a:bodyPr/>
+                    <a:lstStyle/>
+                    <a:p>
+                      <a:endParaRPr lang="en-US" dirty="0"/>
+                    </a:p>
+                  </a:txBody>
+                  <a:tcPr>
+                    <a:solidFill>
+                      <a:schemeClr val="accent2"/>
+                    </a:solidFill>
+                  </a:tcPr>
+                </a:tc>
+                <a:tc>
+                  <a:txBody>
+                    <a:bodyPr/>
+                    <a:lstStyle/>
+                    <a:p>
+                      <a:endParaRPr lang="en-US" dirty="0"/>
+                    </a:p>
+                  </a:txBody>
+                  <a:tcPr>
+                    <a:solidFill>
+                      <a:schemeClr val="accent2"/>
+                    </a:solidFill>
+                  </a:tcPr>
+                </a:tc>
+                <a:tc>
+                  <a:txBody>
+                    <a:bodyPr/>
+                    <a:lstStyle/>
+                    <a:p>
+                      <a:endParaRPr lang="en-US" dirty="0"/>
+                    </a:p>
+                  </a:txBody>
+                  <a:tcPr>
+                    <a:solidFill>
+                      <a:schemeClr val="accent2"/>
+                    </a:solidFill>
+                  </a:tcPr>
+                </a:tc>
+                <a:tc>
+                  <a:txBody>
+                    <a:bodyPr/>
+                    <a:lstStyle/>
+                    <a:p>
+                      <a:endParaRPr lang="en-US" dirty="0"/>
+                    </a:p>
+                  </a:txBody>
+                  <a:tcPr>
+                    <a:solidFill>
+                      <a:schemeClr val="accent2"/>
+                    </a:solidFill>
+                  </a:tcPr>
+                </a:tc>
+                <a:tc>
+                  <a:txBody>
+                    <a:bodyPr/>
+                    <a:lstStyle/>
+                    <a:p>
+                      <a:endParaRPr lang="en-US" dirty="0"/>
+                    </a:p>
+                  </a:txBody>
+                  <a:tcPr>
+                    <a:solidFill>
+                      <a:schemeClr val="accent2"/>
+                    </a:solidFill>
+                  </a:tcPr>
+                </a:tc>
+                <a:tc>
+                  <a:txBody>
+                    <a:bodyPr/>
+                    <a:lstStyle/>
+                    <a:p>
+                      <a:endParaRPr lang="en-US" dirty="0"/>
+                    </a:p>
+                  </a:txBody>
+                  <a:tcPr>
+                    <a:solidFill>
+                      <a:schemeClr val="accent2"/>
+                    </a:solidFill>
+                  </a:tcPr>
+                </a:tc>
+                <a:tc>
+                  <a:txBody>
+                    <a:bodyPr/>
+                    <a:lstStyle/>
+                    <a:p>
+                      <a:endParaRPr lang="en-US" dirty="0"/>
+                    </a:p>
+                  </a:txBody>
+                  <a:tcPr>
+                    <a:solidFill>
+                      <a:schemeClr val="accent2"/>
+                    </a:solidFill>
+                  </a:tcPr>
+                </a:tc>
+                <a:tc>
+                  <a:txBody>
+                    <a:bodyPr/>
+                    <a:lstStyle/>
+                    <a:p>
+                      <a:endParaRPr lang="en-US"/>
+                    </a:p>
+                  </a:txBody>
+                  <a:tcPr/>
+                </a:tc>
+                <a:extLst>
+                  <a:ext uri="{0D108BD9-81ED-4DB2-BD59-A6C34878D82A}">
+                    <a16:rowId xmlns:a16="http://schemas.microsoft.com/office/drawing/2014/main" val="616627540"/>
+                  </a:ext>
+                </a:extLst>
+              </a:tr>
+              <a:tr h="370840">
+                <a:tc>
+                  <a:txBody>
+                    <a:bodyPr/>
+                    <a:lstStyle/>
+                    <a:p>
+                      <a:endParaRPr lang="en-US"/>
+                    </a:p>
+                  </a:txBody>
+                  <a:tcPr/>
+                </a:tc>
+                <a:tc>
+                  <a:txBody>
+                    <a:bodyPr/>
+                    <a:lstStyle/>
+                    <a:p>
+                      <a:endParaRPr lang="en-US"/>
+                    </a:p>
+                  </a:txBody>
+                  <a:tcPr>
+                    <a:solidFill>
+                      <a:schemeClr val="accent2"/>
+                    </a:solidFill>
+                  </a:tcPr>
+                </a:tc>
+                <a:tc>
+                  <a:txBody>
+                    <a:bodyPr/>
+                    <a:lstStyle/>
+                    <a:p>
+                      <a:endParaRPr lang="en-US"/>
+                    </a:p>
+                  </a:txBody>
+                  <a:tcPr>
+                    <a:solidFill>
+                      <a:schemeClr val="accent2"/>
+                    </a:solidFill>
+                  </a:tcPr>
+                </a:tc>
+                <a:tc>
+                  <a:txBody>
+                    <a:bodyPr/>
+                    <a:lstStyle/>
+                    <a:p>
+                      <a:endParaRPr lang="en-US"/>
+                    </a:p>
+                  </a:txBody>
+                  <a:tcPr>
+                    <a:solidFill>
+                      <a:schemeClr val="accent2"/>
+                    </a:solidFill>
+                  </a:tcPr>
+                </a:tc>
+                <a:tc>
+                  <a:txBody>
+                    <a:bodyPr/>
+                    <a:lstStyle/>
+                    <a:p>
+                      <a:endParaRPr lang="en-US"/>
+                    </a:p>
+                  </a:txBody>
+                  <a:tcPr>
+                    <a:solidFill>
+                      <a:schemeClr val="accent2"/>
+                    </a:solidFill>
+                  </a:tcPr>
+                </a:tc>
+                <a:tc>
+                  <a:txBody>
+                    <a:bodyPr/>
+                    <a:lstStyle/>
+                    <a:p>
+                      <a:endParaRPr lang="en-US" dirty="0"/>
+                    </a:p>
+                  </a:txBody>
+                  <a:tcPr>
+                    <a:solidFill>
+                      <a:schemeClr val="accent2"/>
+                    </a:solidFill>
+                  </a:tcPr>
+                </a:tc>
+                <a:tc>
+                  <a:txBody>
+                    <a:bodyPr/>
+                    <a:lstStyle/>
+                    <a:p>
+                      <a:endParaRPr lang="en-US"/>
+                    </a:p>
+                  </a:txBody>
+                  <a:tcPr/>
+                </a:tc>
+                <a:tc>
+                  <a:txBody>
+                    <a:bodyPr/>
+                    <a:lstStyle/>
+                    <a:p>
+                      <a:endParaRPr lang="en-US"/>
+                    </a:p>
+                  </a:txBody>
+                  <a:tcPr/>
+                </a:tc>
+                <a:tc>
+                  <a:txBody>
+                    <a:bodyPr/>
+                    <a:lstStyle/>
+                    <a:p>
+                      <a:endParaRPr lang="en-US"/>
+                    </a:p>
+                  </a:txBody>
+                  <a:tcPr/>
+                </a:tc>
+                <a:tc>
+                  <a:txBody>
+                    <a:bodyPr/>
+                    <a:lstStyle/>
+                    <a:p>
+                      <a:endParaRPr lang="en-US"/>
+                    </a:p>
+                  </a:txBody>
+                  <a:tcPr/>
+                </a:tc>
+                <a:tc>
+                  <a:txBody>
+                    <a:bodyPr/>
+                    <a:lstStyle/>
+                    <a:p>
+                      <a:endParaRPr lang="en-US"/>
+                    </a:p>
+                  </a:txBody>
+                  <a:tcPr/>
+                </a:tc>
+                <a:tc>
+                  <a:txBody>
+                    <a:bodyPr/>
+                    <a:lstStyle/>
+                    <a:p>
+                      <a:endParaRPr lang="en-US"/>
+                    </a:p>
+                  </a:txBody>
+                  <a:tcPr/>
+                </a:tc>
+                <a:tc>
+                  <a:txBody>
+                    <a:bodyPr/>
+                    <a:lstStyle/>
+                    <a:p>
+                      <a:endParaRPr lang="en-US"/>
+                    </a:p>
+                  </a:txBody>
+                  <a:tcPr>
+                    <a:solidFill>
+                      <a:schemeClr val="accent2"/>
+                    </a:solidFill>
+                  </a:tcPr>
+                </a:tc>
+                <a:tc>
+                  <a:txBody>
+                    <a:bodyPr/>
+                    <a:lstStyle/>
+                    <a:p>
+                      <a:endParaRPr lang="en-US"/>
+                    </a:p>
+                  </a:txBody>
+                  <a:tcPr>
+                    <a:solidFill>
+                      <a:schemeClr val="accent2"/>
+                    </a:solidFill>
+                  </a:tcPr>
+                </a:tc>
+                <a:tc>
+                  <a:txBody>
+                    <a:bodyPr/>
+                    <a:lstStyle/>
+                    <a:p>
+                      <a:endParaRPr lang="en-US"/>
+                    </a:p>
+                  </a:txBody>
+                  <a:tcPr>
+                    <a:solidFill>
+                      <a:schemeClr val="accent2"/>
+                    </a:solidFill>
+                  </a:tcPr>
+                </a:tc>
+                <a:tc>
+                  <a:txBody>
+                    <a:bodyPr/>
+                    <a:lstStyle/>
+                    <a:p>
+                      <a:endParaRPr lang="en-US"/>
+                    </a:p>
+                  </a:txBody>
+                  <a:tcPr>
+                    <a:solidFill>
+                      <a:schemeClr val="accent2"/>
+                    </a:solidFill>
+                  </a:tcPr>
+                </a:tc>
+                <a:tc>
+                  <a:txBody>
+                    <a:bodyPr/>
+                    <a:lstStyle/>
+                    <a:p>
+                      <a:endParaRPr lang="en-US"/>
+                    </a:p>
+                  </a:txBody>
+                  <a:tcPr>
+                    <a:solidFill>
+                      <a:schemeClr val="accent2"/>
+                    </a:solidFill>
+                  </a:tcPr>
+                </a:tc>
+                <a:tc>
+                  <a:txBody>
+                    <a:bodyPr/>
+                    <a:lstStyle/>
+                    <a:p>
+                      <a:endParaRPr lang="en-US"/>
+                    </a:p>
+                  </a:txBody>
+                  <a:tcPr>
+                    <a:solidFill>
+                      <a:schemeClr val="accent2"/>
+                    </a:solidFill>
+                  </a:tcPr>
+                </a:tc>
+                <a:tc>
+                  <a:txBody>
+                    <a:bodyPr/>
+                    <a:lstStyle/>
+                    <a:p>
+                      <a:endParaRPr lang="en-US"/>
+                    </a:p>
+                  </a:txBody>
+                  <a:tcPr>
+                    <a:solidFill>
+                      <a:schemeClr val="accent2"/>
+                    </a:solidFill>
+                  </a:tcPr>
+                </a:tc>
+                <a:tc>
+                  <a:txBody>
+                    <a:bodyPr/>
+                    <a:lstStyle/>
+                    <a:p>
+                      <a:endParaRPr lang="en-US" dirty="0"/>
+                    </a:p>
+                  </a:txBody>
+                  <a:tcPr>
+                    <a:solidFill>
+                      <a:schemeClr val="accent2"/>
+                    </a:solidFill>
+                  </a:tcPr>
+                </a:tc>
+                <a:tc>
+                  <a:txBody>
+                    <a:bodyPr/>
+                    <a:lstStyle/>
+                    <a:p>
+                      <a:endParaRPr lang="en-US"/>
+                    </a:p>
+                  </a:txBody>
+                  <a:tcPr/>
+                </a:tc>
+                <a:tc>
+                  <a:txBody>
+                    <a:bodyPr/>
+                    <a:lstStyle/>
+                    <a:p>
+                      <a:endParaRPr lang="en-US"/>
+                    </a:p>
+                  </a:txBody>
+                  <a:tcPr/>
+                </a:tc>
+                <a:tc>
+                  <a:txBody>
+                    <a:bodyPr/>
+                    <a:lstStyle/>
+                    <a:p>
+                      <a:endParaRPr lang="en-US"/>
+                    </a:p>
+                  </a:txBody>
+                  <a:tcPr/>
+                </a:tc>
+                <a:tc>
+                  <a:txBody>
+                    <a:bodyPr/>
+                    <a:lstStyle/>
+                    <a:p>
+                      <a:endParaRPr lang="en-US"/>
+                    </a:p>
+                  </a:txBody>
+                  <a:tcPr/>
+                </a:tc>
+                <a:tc>
+                  <a:txBody>
+                    <a:bodyPr/>
+                    <a:lstStyle/>
+                    <a:p>
+                      <a:endParaRPr lang="en-US"/>
+                    </a:p>
+                  </a:txBody>
+                  <a:tcPr/>
+                </a:tc>
+                <a:tc>
+                  <a:txBody>
+                    <a:bodyPr/>
+                    <a:lstStyle/>
+                    <a:p>
+                      <a:endParaRPr lang="en-US"/>
+                    </a:p>
+                  </a:txBody>
+                  <a:tcPr/>
+                </a:tc>
+                <a:tc>
+                  <a:txBody>
+                    <a:bodyPr/>
+                    <a:lstStyle/>
+                    <a:p>
+                      <a:endParaRPr lang="en-US"/>
+                    </a:p>
+                  </a:txBody>
+                  <a:tcPr/>
+                </a:tc>
+                <a:tc>
+                  <a:txBody>
+                    <a:bodyPr/>
+                    <a:lstStyle/>
+                    <a:p>
+                      <a:endParaRPr lang="en-US"/>
+                    </a:p>
+                  </a:txBody>
+                  <a:tcPr/>
+                </a:tc>
+                <a:tc>
+                  <a:txBody>
+                    <a:bodyPr/>
+                    <a:lstStyle/>
+                    <a:p>
+                      <a:endParaRPr lang="en-US" dirty="0"/>
+                    </a:p>
+                  </a:txBody>
+                  <a:tcPr/>
+                </a:tc>
+                <a:tc>
+                  <a:txBody>
+                    <a:bodyPr/>
+                    <a:lstStyle/>
+                    <a:p>
+                      <a:endParaRPr lang="en-US" dirty="0"/>
+                    </a:p>
+                  </a:txBody>
+                  <a:tcPr/>
+                </a:tc>
+                <a:tc>
+                  <a:txBody>
+                    <a:bodyPr/>
+                    <a:lstStyle/>
+                    <a:p>
+                      <a:endParaRPr lang="en-US"/>
+                    </a:p>
+                  </a:txBody>
+                  <a:tcPr/>
+                </a:tc>
+                <a:extLst>
+                  <a:ext uri="{0D108BD9-81ED-4DB2-BD59-A6C34878D82A}">
+                    <a16:rowId xmlns:a16="http://schemas.microsoft.com/office/drawing/2014/main" val="755306208"/>
+                  </a:ext>
+                </a:extLst>
+              </a:tr>
+              <a:tr h="370840">
+                <a:tc>
+                  <a:txBody>
+                    <a:bodyPr/>
+                    <a:lstStyle/>
+                    <a:p>
+                      <a:endParaRPr lang="en-US"/>
+                    </a:p>
+                  </a:txBody>
+                  <a:tcPr/>
+                </a:tc>
+                <a:tc>
+                  <a:txBody>
+                    <a:bodyPr/>
+                    <a:lstStyle/>
+                    <a:p>
+                      <a:endParaRPr lang="en-US"/>
+                    </a:p>
+                  </a:txBody>
+                  <a:tcPr/>
+                </a:tc>
+                <a:tc>
+                  <a:txBody>
+                    <a:bodyPr/>
+                    <a:lstStyle/>
+                    <a:p>
+                      <a:endParaRPr lang="en-US"/>
+                    </a:p>
+                  </a:txBody>
+                  <a:tcPr/>
+                </a:tc>
+                <a:tc>
+                  <a:txBody>
+                    <a:bodyPr/>
+                    <a:lstStyle/>
+                    <a:p>
+                      <a:endParaRPr lang="en-US"/>
+                    </a:p>
+                  </a:txBody>
+                  <a:tcPr/>
+                </a:tc>
+                <a:tc>
+                  <a:txBody>
+                    <a:bodyPr/>
+                    <a:lstStyle/>
+                    <a:p>
+                      <a:endParaRPr lang="en-US"/>
+                    </a:p>
+                  </a:txBody>
+                  <a:tcPr/>
+                </a:tc>
+                <a:tc>
+                  <a:txBody>
+                    <a:bodyPr/>
+                    <a:lstStyle/>
+                    <a:p>
+                      <a:endParaRPr lang="en-US"/>
+                    </a:p>
+                  </a:txBody>
+                  <a:tcPr/>
+                </a:tc>
+                <a:tc>
+                  <a:txBody>
+                    <a:bodyPr/>
+                    <a:lstStyle/>
+                    <a:p>
+                      <a:endParaRPr lang="en-US"/>
+                    </a:p>
+                  </a:txBody>
+                  <a:tcPr/>
+                </a:tc>
+                <a:tc>
+                  <a:txBody>
+                    <a:bodyPr/>
+                    <a:lstStyle/>
+                    <a:p>
+                      <a:endParaRPr lang="en-US" dirty="0"/>
+                    </a:p>
+                  </a:txBody>
+                  <a:tcPr>
+                    <a:solidFill>
+                      <a:schemeClr val="accent2"/>
+                    </a:solidFill>
+                  </a:tcPr>
+                </a:tc>
+                <a:tc>
+                  <a:txBody>
+                    <a:bodyPr/>
+                    <a:lstStyle/>
+                    <a:p>
+                      <a:endParaRPr lang="en-US" dirty="0"/>
+                    </a:p>
+                  </a:txBody>
+                  <a:tcPr>
+                    <a:solidFill>
+                      <a:schemeClr val="accent2"/>
+                    </a:solidFill>
+                  </a:tcPr>
+                </a:tc>
+                <a:tc>
+                  <a:txBody>
+                    <a:bodyPr/>
+                    <a:lstStyle/>
+                    <a:p>
+                      <a:endParaRPr lang="en-US" dirty="0"/>
+                    </a:p>
+                  </a:txBody>
+                  <a:tcPr>
+                    <a:solidFill>
+                      <a:schemeClr val="accent2"/>
+                    </a:solidFill>
+                  </a:tcPr>
+                </a:tc>
+                <a:tc>
+                  <a:txBody>
+                    <a:bodyPr/>
+                    <a:lstStyle/>
+                    <a:p>
+                      <a:endParaRPr lang="en-US" dirty="0"/>
+                    </a:p>
+                  </a:txBody>
+                  <a:tcPr>
+                    <a:solidFill>
+                      <a:schemeClr val="accent2"/>
+                    </a:solidFill>
+                  </a:tcPr>
+                </a:tc>
+                <a:tc>
+                  <a:txBody>
+                    <a:bodyPr/>
+                    <a:lstStyle/>
+                    <a:p>
+                      <a:endParaRPr lang="en-US" dirty="0"/>
+                    </a:p>
+                  </a:txBody>
+                  <a:tcPr>
+                    <a:solidFill>
+                      <a:schemeClr val="accent2"/>
+                    </a:solidFill>
+                  </a:tcPr>
+                </a:tc>
+                <a:tc>
+                  <a:txBody>
+                    <a:bodyPr/>
+                    <a:lstStyle/>
+                    <a:p>
+                      <a:endParaRPr lang="en-US" dirty="0"/>
+                    </a:p>
+                  </a:txBody>
+                  <a:tcPr>
+                    <a:solidFill>
+                      <a:schemeClr val="accent2"/>
+                    </a:solidFill>
+                  </a:tcPr>
+                </a:tc>
+                <a:tc>
+                  <a:txBody>
+                    <a:bodyPr/>
+                    <a:lstStyle/>
+                    <a:p>
+                      <a:endParaRPr lang="en-US" dirty="0"/>
+                    </a:p>
+                  </a:txBody>
+                  <a:tcPr>
+                    <a:solidFill>
+                      <a:schemeClr val="accent2"/>
+                    </a:solidFill>
+                  </a:tcPr>
+                </a:tc>
+                <a:tc>
+                  <a:txBody>
+                    <a:bodyPr/>
+                    <a:lstStyle/>
+                    <a:p>
+                      <a:endParaRPr lang="en-US"/>
+                    </a:p>
+                  </a:txBody>
+                  <a:tcPr/>
+                </a:tc>
+                <a:tc>
+                  <a:txBody>
+                    <a:bodyPr/>
+                    <a:lstStyle/>
+                    <a:p>
+                      <a:endParaRPr lang="en-US"/>
+                    </a:p>
+                  </a:txBody>
+                  <a:tcPr/>
+                </a:tc>
+                <a:tc>
+                  <a:txBody>
+                    <a:bodyPr/>
+                    <a:lstStyle/>
+                    <a:p>
+                      <a:endParaRPr lang="en-US"/>
+                    </a:p>
+                  </a:txBody>
+                  <a:tcPr/>
+                </a:tc>
+                <a:tc>
+                  <a:txBody>
+                    <a:bodyPr/>
+                    <a:lstStyle/>
+                    <a:p>
+                      <a:endParaRPr lang="en-US"/>
+                    </a:p>
+                  </a:txBody>
+                  <a:tcPr/>
+                </a:tc>
+                <a:tc>
+                  <a:txBody>
+                    <a:bodyPr/>
+                    <a:lstStyle/>
+                    <a:p>
+                      <a:endParaRPr lang="en-US"/>
+                    </a:p>
+                  </a:txBody>
+                  <a:tcPr/>
+                </a:tc>
+                <a:tc>
+                  <a:txBody>
+                    <a:bodyPr/>
+                    <a:lstStyle/>
+                    <a:p>
+                      <a:endParaRPr lang="en-US" dirty="0"/>
+                    </a:p>
+                  </a:txBody>
+                  <a:tcPr>
+                    <a:solidFill>
+                      <a:schemeClr val="accent2"/>
+                    </a:solidFill>
+                  </a:tcPr>
+                </a:tc>
+                <a:tc>
+                  <a:txBody>
+                    <a:bodyPr/>
+                    <a:lstStyle/>
+                    <a:p>
+                      <a:endParaRPr lang="en-US" dirty="0"/>
+                    </a:p>
+                  </a:txBody>
+                  <a:tcPr>
+                    <a:solidFill>
+                      <a:schemeClr val="accent2"/>
+                    </a:solidFill>
+                  </a:tcPr>
+                </a:tc>
+                <a:tc>
+                  <a:txBody>
+                    <a:bodyPr/>
+                    <a:lstStyle/>
+                    <a:p>
+                      <a:endParaRPr lang="en-US" dirty="0"/>
+                    </a:p>
+                  </a:txBody>
+                  <a:tcPr>
+                    <a:solidFill>
+                      <a:schemeClr val="accent2"/>
+                    </a:solidFill>
+                  </a:tcPr>
+                </a:tc>
+                <a:tc>
+                  <a:txBody>
+                    <a:bodyPr/>
+                    <a:lstStyle/>
+                    <a:p>
+                      <a:endParaRPr lang="en-US" dirty="0"/>
+                    </a:p>
+                  </a:txBody>
+                  <a:tcPr>
+                    <a:solidFill>
+                      <a:schemeClr val="accent2"/>
+                    </a:solidFill>
+                  </a:tcPr>
+                </a:tc>
+                <a:tc>
+                  <a:txBody>
+                    <a:bodyPr/>
+                    <a:lstStyle/>
+                    <a:p>
+                      <a:endParaRPr lang="en-US" dirty="0"/>
+                    </a:p>
+                  </a:txBody>
+                  <a:tcPr>
+                    <a:solidFill>
+                      <a:schemeClr val="accent2"/>
+                    </a:solidFill>
+                  </a:tcPr>
+                </a:tc>
+                <a:tc>
+                  <a:txBody>
+                    <a:bodyPr/>
+                    <a:lstStyle/>
+                    <a:p>
+                      <a:endParaRPr lang="en-US" dirty="0"/>
+                    </a:p>
+                  </a:txBody>
+                  <a:tcPr>
+                    <a:solidFill>
+                      <a:schemeClr val="accent2"/>
+                    </a:solidFill>
+                  </a:tcPr>
+                </a:tc>
+                <a:tc>
+                  <a:txBody>
+                    <a:bodyPr/>
+                    <a:lstStyle/>
+                    <a:p>
+                      <a:endParaRPr lang="en-US" dirty="0"/>
+                    </a:p>
+                  </a:txBody>
+                  <a:tcPr>
+                    <a:solidFill>
+                      <a:schemeClr val="accent2"/>
+                    </a:solidFill>
+                  </a:tcPr>
+                </a:tc>
+                <a:tc>
+                  <a:txBody>
+                    <a:bodyPr/>
+                    <a:lstStyle/>
+                    <a:p>
+                      <a:endParaRPr lang="en-US" dirty="0"/>
+                    </a:p>
+                  </a:txBody>
+                  <a:tcPr>
+                    <a:solidFill>
+                      <a:schemeClr val="accent2"/>
+                    </a:solidFill>
+                  </a:tcPr>
+                </a:tc>
+                <a:tc>
+                  <a:txBody>
+                    <a:bodyPr/>
+                    <a:lstStyle/>
+                    <a:p>
+                      <a:endParaRPr lang="en-US" dirty="0"/>
+                    </a:p>
+                  </a:txBody>
+                  <a:tcPr>
+                    <a:solidFill>
+                      <a:schemeClr val="accent2"/>
+                    </a:solidFill>
+                  </a:tcPr>
+                </a:tc>
+                <a:tc>
+                  <a:txBody>
+                    <a:bodyPr/>
+                    <a:lstStyle/>
+                    <a:p>
+                      <a:endParaRPr lang="en-US" dirty="0"/>
+                    </a:p>
+                  </a:txBody>
+                  <a:tcPr>
+                    <a:solidFill>
+                      <a:schemeClr val="accent2"/>
+                    </a:solidFill>
+                  </a:tcPr>
+                </a:tc>
+                <a:tc>
+                  <a:txBody>
+                    <a:bodyPr/>
+                    <a:lstStyle/>
+                    <a:p>
+                      <a:endParaRPr lang="en-US"/>
+                    </a:p>
+                  </a:txBody>
+                  <a:tcPr/>
+                </a:tc>
+                <a:tc>
+                  <a:txBody>
+                    <a:bodyPr/>
+                    <a:lstStyle/>
+                    <a:p>
+                      <a:endParaRPr lang="en-US" dirty="0"/>
+                    </a:p>
+                  </a:txBody>
+                  <a:tcPr/>
+                </a:tc>
+                <a:extLst>
+                  <a:ext uri="{0D108BD9-81ED-4DB2-BD59-A6C34878D82A}">
+                    <a16:rowId xmlns:a16="http://schemas.microsoft.com/office/drawing/2014/main" val="1034748185"/>
+                  </a:ext>
+                </a:extLst>
+              </a:tr>
+            </a:tbl>
+          </a:graphicData>
+        </a:graphic>
+      </p:graphicFrame>
+      <p:sp>
+        <p:nvSpPr>
+          <p:cNvPr id="5" name="TextBox 4">
+            <a:extLst>
+              <a:ext uri="{FF2B5EF4-FFF2-40B4-BE49-F238E27FC236}">
+                <a16:creationId xmlns:a16="http://schemas.microsoft.com/office/drawing/2014/main" id="{27850C9D-28B2-4BD2-9674-AD24313E44FC}"/>
+              </a:ext>
+            </a:extLst>
+          </p:cNvPr>
+          <p:cNvSpPr txBox="1"/>
+          <p:nvPr/>
         </p:nvSpPr>
-        <p:spPr/>
+        <p:spPr>
+          <a:xfrm>
+            <a:off x="4279232" y="1321356"/>
+            <a:ext cx="3633536" cy="523220"/>
+          </a:xfrm>
+          <a:prstGeom prst="rect">
+            <a:avLst/>
+          </a:prstGeom>
+          <a:noFill/>
+        </p:spPr>
         <p:txBody>
-          <a:bodyPr/>
+          <a:bodyPr wrap="square" rtlCol="0">
+            <a:spAutoFit/>
+          </a:bodyPr>
           <a:lstStyle/>
           <a:p>
-            <a:endParaRPr lang="en-US"/>
+            <a:pPr algn="ctr"/>
+            <a:r>
+              <a:rPr lang="en-US" sz="2800" dirty="0">
+                <a:latin typeface="+mj-lt"/>
+              </a:rPr>
+              <a:t>October</a:t>
+            </a:r>
+            <a:endParaRPr lang="en-US" dirty="0">
+              <a:latin typeface="+mj-lt"/>
+            </a:endParaRPr>
           </a:p>
         </p:txBody>
       </p:sp>
     </p:spTree>
     <p:extLst>
       <p:ext uri="{BB962C8B-B14F-4D97-AF65-F5344CB8AC3E}">
-        <p14:creationId xmlns:p14="http://schemas.microsoft.com/office/powerpoint/2010/main" val="2617277612"/>
+        <p14:creationId xmlns:p14="http://schemas.microsoft.com/office/powerpoint/2010/main" val="3351847234"/>
       </p:ext>
     </p:extLst>
   </p:cSld>
@@ -4199,7 +10532,7 @@
           <a:p>
             <a:r>
               <a:rPr lang="en-US" dirty="0"/>
-              <a:t>More Questions</a:t>
+              <a:t>Questions?</a:t>
             </a:r>
           </a:p>
         </p:txBody>
@@ -4333,6 +10666,9 @@
           <a:bodyPr/>
           <a:lstStyle/>
           <a:p>
+            <a:pPr marL="0" indent="0">
+              <a:buNone/>
+            </a:pPr>
             <a:r>
               <a:rPr lang="en-US" dirty="0"/>
               <a:t>The input is a list of events</a:t>
@@ -4483,7 +10819,7 @@
         <p:spPr/>
         <p:txBody>
           <a:bodyPr>
-            <a:normAutofit fontScale="55000" lnSpcReduction="20000"/>
+            <a:normAutofit fontScale="47500" lnSpcReduction="20000"/>
           </a:bodyPr>
           <a:lstStyle/>
           <a:p>
@@ -4711,7 +11047,7 @@
               <a:rPr lang="en-US" dirty="0" err="1">
                 <a:latin typeface="Consolas" panose="020B0609020204030204" pitchFamily="49" charset="0"/>
               </a:rPr>
-              <a:t>event.deskEvent</a:t>
+              <a:t>event.stamp</a:t>
             </a:r>
             <a:r>
               <a:rPr lang="en-US" dirty="0">
@@ -4839,6 +11175,23 @@
                 <a:latin typeface="Consolas" panose="020B0609020204030204" pitchFamily="49" charset="0"/>
               </a:rPr>
               <a:t>--;</a:t>
+            </a:r>
+          </a:p>
+          <a:p>
+            <a:pPr marL="0" indent="0" defTabSz="457200">
+              <a:lnSpc>
+                <a:spcPct val="120000"/>
+              </a:lnSpc>
+              <a:spcBef>
+                <a:spcPts val="0"/>
+              </a:spcBef>
+              <a:buNone/>
+            </a:pPr>
+            <a:r>
+              <a:rPr lang="en-US" dirty="0">
+                <a:latin typeface="Consolas" panose="020B0609020204030204" pitchFamily="49" charset="0"/>
+              </a:rPr>
+              <a:t>			break;</a:t>
             </a:r>
           </a:p>
           <a:p>
